--- a/doc/Teamprojekt_GedcomJS_MariusMueller_DavidGruber.pptx
+++ b/doc/Teamprojekt_GedcomJS_MariusMueller_DavidGruber.pptx
@@ -12,15 +12,15 @@
   </p:handoutMasterIdLst>
   <p:sldIdLst>
     <p:sldId id="258" r:id="rId2"/>
-    <p:sldId id="350" r:id="rId3"/>
+    <p:sldId id="373" r:id="rId3"/>
     <p:sldId id="349" r:id="rId4"/>
-    <p:sldId id="348" r:id="rId5"/>
+    <p:sldId id="374" r:id="rId5"/>
     <p:sldId id="346" r:id="rId6"/>
     <p:sldId id="298" r:id="rId7"/>
-    <p:sldId id="354" r:id="rId8"/>
-    <p:sldId id="352" r:id="rId9"/>
-    <p:sldId id="351" r:id="rId10"/>
-    <p:sldId id="344" r:id="rId11"/>
+    <p:sldId id="375" r:id="rId8"/>
+    <p:sldId id="376" r:id="rId9"/>
+    <p:sldId id="377" r:id="rId10"/>
+    <p:sldId id="378" r:id="rId11"/>
     <p:sldId id="353" r:id="rId12"/>
     <p:sldId id="259" r:id="rId13"/>
     <p:sldId id="347" r:id="rId14"/>
@@ -39,7 +39,7 @@
     <p:sldId id="370" r:id="rId27"/>
     <p:sldId id="369" r:id="rId28"/>
     <p:sldId id="371" r:id="rId29"/>
-    <p:sldId id="372" r:id="rId30"/>
+    <p:sldId id="379" r:id="rId30"/>
     <p:sldId id="289" r:id="rId31"/>
     <p:sldId id="336" r:id="rId32"/>
   </p:sldIdLst>
@@ -2892,7 +2892,7 @@
               <a:pPr>
                 <a:defRPr/>
               </a:pPr>
-              <a:t>26.02.2023</a:t>
+              <a:t>27.02.2023</a:t>
             </a:fld>
             <a:endParaRPr lang="de-DE"/>
           </a:p>
@@ -3078,7 +3078,7 @@
               <a:pPr>
                 <a:defRPr/>
               </a:pPr>
-              <a:t>26.02.2023</a:t>
+              <a:t>27.02.2023</a:t>
             </a:fld>
             <a:endParaRPr lang="de-DE"/>
           </a:p>
@@ -3468,6 +3468,29 @@
           </a:bodyPr>
           <a:lstStyle/>
           <a:p>
+            <a:pPr marL="0" marR="0" lvl="0" indent="0" algn="l" defTabSz="914400" rtl="0" eaLnBrk="1" fontAlgn="base" latinLnBrk="0" hangingPunct="1">
+              <a:lnSpc>
+                <a:spcPct val="100000"/>
+              </a:lnSpc>
+              <a:spcBef>
+                <a:spcPct val="0"/>
+              </a:spcBef>
+              <a:spcAft>
+                <a:spcPct val="0"/>
+              </a:spcAft>
+              <a:buClrTx/>
+              <a:buSzTx/>
+              <a:buFontTx/>
+              <a:buNone/>
+              <a:tabLst/>
+              <a:defRPr/>
+            </a:pPr>
+            <a:r>
+              <a:rPr lang="de-DE" altLang="de-DE"/>
+              <a:t>Willkommen zur Präsentation über die Realisierung einer JavaScript Bibliothek für das genealogische Austauschformat FamilySearch GEDCOM in Version 7</a:t>
+            </a:r>
+          </a:p>
+          <a:p>
             <a:pPr eaLnBrk="1" hangingPunct="1">
               <a:spcBef>
                 <a:spcPct val="0"/>
@@ -3684,172 +3707,60 @@
           <a:bodyPr/>
           <a:lstStyle/>
           <a:p>
-            <a:pPr marL="171450" marR="0" lvl="0" indent="-171450" algn="l" defTabSz="914400" rtl="0" eaLnBrk="0" fontAlgn="base" latinLnBrk="0" hangingPunct="0">
-              <a:lnSpc>
-                <a:spcPct val="100000"/>
-              </a:lnSpc>
-              <a:spcBef>
-                <a:spcPct val="30000"/>
-              </a:spcBef>
-              <a:spcAft>
-                <a:spcPct val="0"/>
-              </a:spcAft>
-              <a:buClrTx/>
-              <a:buSzTx/>
-              <a:buFont typeface="Arial" panose="020B0604020202020204" pitchFamily="34" charset="0"/>
-              <a:buChar char="•"/>
-              <a:tabLst/>
-              <a:defRPr/>
-            </a:pPr>
-            <a:r>
-              <a:rPr lang="de-DE"/>
-              <a:t>Von großem Vorteil ist dabei, dass Features wie Lexer und Postprozessoren unterstützt werden. </a:t>
-            </a:r>
-          </a:p>
-          <a:p>
-            <a:pPr marL="171450" marR="0" lvl="0" indent="-171450" algn="l" defTabSz="914400" rtl="0" eaLnBrk="0" fontAlgn="base" latinLnBrk="0" hangingPunct="0">
-              <a:lnSpc>
-                <a:spcPct val="100000"/>
-              </a:lnSpc>
-              <a:spcBef>
-                <a:spcPct val="30000"/>
-              </a:spcBef>
-              <a:spcAft>
-                <a:spcPct val="0"/>
-              </a:spcAft>
-              <a:buClrTx/>
-              <a:buSzTx/>
-              <a:buFont typeface="Arial" panose="020B0604020202020204" pitchFamily="34" charset="0"/>
-              <a:buChar char="•"/>
-              <a:tabLst/>
-              <a:defRPr/>
-            </a:pPr>
-            <a:r>
-              <a:rPr lang="de-DE"/>
-              <a:t>Nearley-Parser teilt die Eingabedaten standardm¨aßig in einen Strom von einzelnen Zeichen</a:t>
-            </a:r>
-          </a:p>
-          <a:p>
-            <a:pPr marL="0" marR="0" lvl="0" indent="0" algn="l" defTabSz="914400" rtl="0" eaLnBrk="0" fontAlgn="base" latinLnBrk="0" hangingPunct="0">
-              <a:lnSpc>
-                <a:spcPct val="100000"/>
-              </a:lnSpc>
-              <a:spcBef>
-                <a:spcPct val="30000"/>
-              </a:spcBef>
-              <a:spcAft>
-                <a:spcPct val="0"/>
-              </a:spcAft>
-              <a:buClrTx/>
-              <a:buSzTx/>
-              <a:buFont typeface="Arial" panose="020B0604020202020204" pitchFamily="34" charset="0"/>
-              <a:buNone/>
-              <a:tabLst/>
-              <a:defRPr/>
-            </a:pPr>
-            <a:r>
-              <a:rPr lang="de-DE"/>
-              <a:t>-&gt; Ein Lexer ist eine Art Preprozessor, der die Eingabedaten in größere Einheiten, die sog. Tokens zusammenfasst</a:t>
-            </a:r>
-          </a:p>
-          <a:p>
-            <a:pPr marL="0" marR="0" lvl="0" indent="0" algn="l" defTabSz="914400" rtl="0" eaLnBrk="0" fontAlgn="base" latinLnBrk="0" hangingPunct="0">
-              <a:lnSpc>
-                <a:spcPct val="100000"/>
-              </a:lnSpc>
-              <a:spcBef>
-                <a:spcPct val="30000"/>
-              </a:spcBef>
-              <a:spcAft>
-                <a:spcPct val="0"/>
-              </a:spcAft>
-              <a:buClrTx/>
-              <a:buSzTx/>
-              <a:buFont typeface="Arial" panose="020B0604020202020204" pitchFamily="34" charset="0"/>
-              <a:buNone/>
-              <a:tabLst/>
-              <a:defRPr/>
-            </a:pPr>
-            <a:r>
-              <a:rPr lang="de-DE"/>
-              <a:t>-&gt; Auf diese Weise wird der Aufwand beim Parsen verringert und die Interpretation der Eingabedaten fällt oft leichter</a:t>
-            </a:r>
-          </a:p>
-          <a:p>
-            <a:pPr marL="171450" marR="0" lvl="0" indent="-171450" algn="l" defTabSz="914400" rtl="0" eaLnBrk="0" fontAlgn="base" latinLnBrk="0" hangingPunct="0">
-              <a:lnSpc>
-                <a:spcPct val="100000"/>
-              </a:lnSpc>
-              <a:spcBef>
-                <a:spcPct val="30000"/>
-              </a:spcBef>
-              <a:spcAft>
-                <a:spcPct val="0"/>
-              </a:spcAft>
-              <a:buClrTx/>
-              <a:buSzTx/>
-              <a:buFont typeface="Arial" panose="020B0604020202020204" pitchFamily="34" charset="0"/>
-              <a:buChar char="•"/>
-              <a:tabLst/>
-              <a:defRPr/>
-            </a:pPr>
-            <a:r>
-              <a:rPr lang="de-DE"/>
-              <a:t>Mit Hilfe von Postprozessoren können jeder Nearley Regel Verarbeitungsanweisungen zugewiesen werden, die ausgeführt werden, wenn Regel angenommen wird</a:t>
-            </a:r>
-          </a:p>
-          <a:p>
-            <a:pPr marL="0" marR="0" lvl="0" indent="0" algn="l" defTabSz="914400" rtl="0" eaLnBrk="0" fontAlgn="base" latinLnBrk="0" hangingPunct="0">
-              <a:lnSpc>
-                <a:spcPct val="100000"/>
-              </a:lnSpc>
-              <a:spcBef>
-                <a:spcPct val="30000"/>
-              </a:spcBef>
-              <a:spcAft>
-                <a:spcPct val="0"/>
-              </a:spcAft>
-              <a:buClrTx/>
-              <a:buSzTx/>
-              <a:buFont typeface="Arial" panose="020B0604020202020204" pitchFamily="34" charset="0"/>
-              <a:buNone/>
-              <a:tabLst/>
-              <a:defRPr/>
-            </a:pPr>
-            <a:r>
-              <a:rPr lang="de-DE"/>
-              <a:t>-&gt;  So können Informationen wie die URI, der Datentyp, die Superstructures und Substructures der geparsten Gedcom Line extrahiert werden</a:t>
-            </a:r>
-          </a:p>
-          <a:p>
-            <a:pPr marL="0" marR="0" lvl="0" indent="0" algn="l" defTabSz="914400" rtl="0" eaLnBrk="0" fontAlgn="base" latinLnBrk="0" hangingPunct="0">
-              <a:lnSpc>
-                <a:spcPct val="100000"/>
-              </a:lnSpc>
-              <a:spcBef>
-                <a:spcPct val="30000"/>
-              </a:spcBef>
-              <a:spcAft>
-                <a:spcPct val="0"/>
-              </a:spcAft>
-              <a:buClrTx/>
-              <a:buSzTx/>
-              <a:buFont typeface="Arial" panose="020B0604020202020204" pitchFamily="34" charset="0"/>
-              <a:buNone/>
-              <a:tabLst/>
-              <a:defRPr/>
-            </a:pPr>
-            <a:r>
-              <a:rPr lang="de-DE"/>
-              <a:t>-&gt; Aus diesen Informationen können auf einfache Weise Gedcom Datenstrukturen erstellt werden</a:t>
-            </a:r>
-          </a:p>
-          <a:p>
             <a:pPr marL="171450" indent="-171450">
               <a:buFont typeface="Arial" panose="020B0604020202020204" pitchFamily="34" charset="0"/>
               <a:buChar char="•"/>
             </a:pPr>
-            <a:endParaRPr lang="de-DE"/>
+            <a:r>
+              <a:rPr lang="de-DE" dirty="0"/>
+              <a:t>Anschließend kommen erneut 2 Zeilen zum Beispiel dazu:</a:t>
+            </a:r>
+          </a:p>
+          <a:p>
+            <a:pPr marL="171450" indent="-171450">
+              <a:buFont typeface="Arial" panose="020B0604020202020204" pitchFamily="34" charset="0"/>
+              <a:buChar char="•"/>
+            </a:pPr>
+            <a:r>
+              <a:rPr lang="de-DE" dirty="0"/>
+              <a:t>Zeile 4: beschreibt eine Hochzeit bzw. </a:t>
+            </a:r>
+            <a:r>
+              <a:rPr lang="de-DE" dirty="0" err="1"/>
+              <a:t>Marriage</a:t>
+            </a:r>
+            <a:r>
+              <a:rPr lang="de-DE" dirty="0"/>
+              <a:t> und gehört wegen des Level 1 zum Eintrag der Familie F1</a:t>
+            </a:r>
+          </a:p>
+          <a:p>
+            <a:pPr marL="628650" lvl="1" indent="-171450">
+              <a:buFont typeface="Arial" panose="020B0604020202020204" pitchFamily="34" charset="0"/>
+              <a:buChar char="•"/>
+            </a:pPr>
+            <a:r>
+              <a:rPr lang="de-DE" dirty="0"/>
+              <a:t>Und benötigt ebenfalls kein </a:t>
+            </a:r>
+            <a:r>
+              <a:rPr lang="de-DE" dirty="0" err="1"/>
+              <a:t>LineValue</a:t>
+            </a:r>
+            <a:r>
+              <a:rPr lang="de-DE" dirty="0"/>
+              <a:t>, da die Zugehörigkeit nur über das Level geregelt wird</a:t>
+            </a:r>
+          </a:p>
+          <a:p>
+            <a:pPr marL="171450" indent="-171450">
+              <a:buFont typeface="Arial" panose="020B0604020202020204" pitchFamily="34" charset="0"/>
+              <a:buChar char="•"/>
+            </a:pPr>
+            <a:r>
+              <a:rPr lang="de-DE" dirty="0"/>
+              <a:t>Zeile 5: Ergänzt die Hochzeit um ein Datum und gehört wegen Level 2 zum Eintrag der Hochzeit</a:t>
+            </a:r>
           </a:p>
         </p:txBody>
       </p:sp>
@@ -3876,7 +3787,7 @@
               <a:pPr>
                 <a:defRPr/>
               </a:pPr>
-              <a:t>17</a:t>
+              <a:t>10</a:t>
             </a:fld>
             <a:endParaRPr lang="de-DE"/>
           </a:p>
@@ -3885,7 +3796,7 @@
     </p:spTree>
     <p:extLst>
       <p:ext uri="{BB962C8B-B14F-4D97-AF65-F5344CB8AC3E}">
-        <p14:creationId xmlns:p14="http://schemas.microsoft.com/office/powerpoint/2010/main" val="587657673"/>
+        <p14:creationId xmlns:p14="http://schemas.microsoft.com/office/powerpoint/2010/main" val="527550437"/>
       </p:ext>
     </p:extLst>
   </p:cSld>
@@ -3943,7 +3854,46 @@
               <a:buFont typeface="Arial" panose="020B0604020202020204" pitchFamily="34" charset="0"/>
               <a:buChar char="•"/>
             </a:pPr>
-            <a:endParaRPr lang="de-DE" dirty="0"/>
+            <a:r>
+              <a:rPr lang="de-DE" dirty="0"/>
+              <a:t>An diesem Beispiel kann man erkennen, dass nach dem Level 2 des Hochzeitsdatum erneut eine Zeile </a:t>
+            </a:r>
+          </a:p>
+          <a:p>
+            <a:pPr marL="171450" indent="-171450">
+              <a:buFont typeface="Arial" panose="020B0604020202020204" pitchFamily="34" charset="0"/>
+              <a:buChar char="•"/>
+            </a:pPr>
+            <a:r>
+              <a:rPr lang="de-DE" dirty="0"/>
+              <a:t>Kommen kann, die sich auf die Familie F1 bezieht</a:t>
+            </a:r>
+          </a:p>
+          <a:p>
+            <a:pPr marL="171450" indent="-171450">
+              <a:buFont typeface="Arial" panose="020B0604020202020204" pitchFamily="34" charset="0"/>
+              <a:buChar char="•"/>
+            </a:pPr>
+            <a:r>
+              <a:rPr lang="de-DE" dirty="0"/>
+              <a:t>In diesem Fall steht NCHI für </a:t>
+            </a:r>
+            <a:r>
+              <a:rPr lang="de-DE" dirty="0" err="1"/>
+              <a:t>Number</a:t>
+            </a:r>
+            <a:r>
+              <a:rPr lang="de-DE" dirty="0"/>
+              <a:t> </a:t>
+            </a:r>
+            <a:r>
+              <a:rPr lang="de-DE" dirty="0" err="1"/>
+              <a:t>of</a:t>
+            </a:r>
+            <a:r>
+              <a:rPr lang="de-DE" dirty="0"/>
+              <a:t> Children der Familie F1</a:t>
+            </a:r>
           </a:p>
         </p:txBody>
       </p:sp>
@@ -3970,7 +3920,7 @@
               <a:pPr>
                 <a:defRPr/>
               </a:pPr>
-              <a:t>18</a:t>
+              <a:t>11</a:t>
             </a:fld>
             <a:endParaRPr lang="de-DE"/>
           </a:p>
@@ -3979,7 +3929,7 @@
     </p:spTree>
     <p:extLst>
       <p:ext uri="{BB962C8B-B14F-4D97-AF65-F5344CB8AC3E}">
-        <p14:creationId xmlns:p14="http://schemas.microsoft.com/office/powerpoint/2010/main" val="2232424512"/>
+        <p14:creationId xmlns:p14="http://schemas.microsoft.com/office/powerpoint/2010/main" val="917370565"/>
       </p:ext>
     </p:extLst>
   </p:cSld>
@@ -4037,147 +3987,7 @@
               <a:buFont typeface="Arial" panose="020B0604020202020204" pitchFamily="34" charset="0"/>
               <a:buChar char="•"/>
             </a:pPr>
-            <a:r>
-              <a:rPr lang="de-DE"/>
-              <a:t>Im Laufe der Entwicklung des Projekts wurde deutlich, dass Nearley Regeln für die Gedcom Structures sehr repetitiv sind</a:t>
-            </a:r>
-          </a:p>
-          <a:p>
-            <a:pPr marL="0" indent="0">
-              <a:buFont typeface="Arial" panose="020B0604020202020204" pitchFamily="34" charset="0"/>
-              <a:buNone/>
-            </a:pPr>
-            <a:r>
-              <a:rPr lang="de-DE"/>
-              <a:t>-&gt; Alle lines sind vom Aufbau her gleich und unterscheiden sich an nur wenigen Stellen </a:t>
-            </a:r>
-          </a:p>
-          <a:p>
-            <a:pPr marL="0" indent="0">
-              <a:buFont typeface="Arial" panose="020B0604020202020204" pitchFamily="34" charset="0"/>
-              <a:buNone/>
-            </a:pPr>
-            <a:r>
-              <a:rPr lang="de-DE"/>
-              <a:t>-&gt; Erstellung lässt sich also sehr gut automatisieren</a:t>
-            </a:r>
-          </a:p>
-          <a:p>
-            <a:pPr marL="171450" indent="-171450">
-              <a:buFont typeface="Arial" panose="020B0604020202020204" pitchFamily="34" charset="0"/>
-              <a:buChar char="•"/>
-            </a:pPr>
-            <a:r>
-              <a:rPr lang="de-DE"/>
-              <a:t>Daher das Modul Grammatik Generator erstellt, der die Gedcom7 Spezifikation in eine nearley-konforme Syntax überführt  </a:t>
-            </a:r>
-          </a:p>
-          <a:p>
-            <a:pPr marL="0" indent="0">
-              <a:buFont typeface="Arial" panose="020B0604020202020204" pitchFamily="34" charset="0"/>
-              <a:buNone/>
-            </a:pPr>
-            <a:endParaRPr lang="de-DE"/>
-          </a:p>
-          <a:p>
-            <a:pPr marL="0" indent="0">
-              <a:buFont typeface="Arial" panose="020B0604020202020204" pitchFamily="34" charset="0"/>
-              <a:buNone/>
-            </a:pPr>
-            <a:r>
-              <a:rPr lang="de-DE"/>
-              <a:t>Bietet drei große Vorteile: </a:t>
-            </a:r>
-          </a:p>
-          <a:p>
-            <a:pPr marL="171450" indent="-171450">
-              <a:buFont typeface="Arial" panose="020B0604020202020204" pitchFamily="34" charset="0"/>
-              <a:buChar char="•"/>
-            </a:pPr>
-            <a:r>
-              <a:rPr lang="de-DE"/>
-              <a:t>Automatisierte Erstellung spart viel Arbeit</a:t>
-            </a:r>
-          </a:p>
-          <a:p>
-            <a:pPr marL="171450" indent="-171450">
-              <a:buFont typeface="Arial" panose="020B0604020202020204" pitchFamily="34" charset="0"/>
-              <a:buChar char="•"/>
-            </a:pPr>
-            <a:r>
-              <a:rPr lang="de-DE"/>
-              <a:t>Anforderung der einfachen Erweiterbarkeit der Bibliothek ist erfüllt </a:t>
-            </a:r>
-          </a:p>
-          <a:p>
-            <a:pPr marL="171450" indent="-171450">
-              <a:buFont typeface="Wingdings" panose="05000000000000000000" pitchFamily="2" charset="2"/>
-              <a:buChar char="à"/>
-            </a:pPr>
-            <a:r>
-              <a:rPr lang="de-DE">
-                <a:sym typeface="Wingdings" panose="05000000000000000000" pitchFamily="2" charset="2"/>
-              </a:rPr>
-              <a:t>Wenn In zukünftigen Arbeiten zusätzliche Regeln definiert werden sollen, kann dies auf einfache Weise umgesetzt werden</a:t>
-            </a:r>
-          </a:p>
-          <a:p>
-            <a:pPr marL="171450" indent="-171450">
-              <a:buFont typeface="Arial" panose="020B0604020202020204" pitchFamily="34" charset="0"/>
-              <a:buChar char="•"/>
-            </a:pPr>
-            <a:r>
-              <a:rPr lang="de-DE"/>
-              <a:t>Außerdem bildet der Grammatik Generator ein Fundament für einen wichtigen Use-Case, der in weiterfuhrenden Arbeiten adressiert werden sollte: nämlich der Möglichkeit Extensions zu definieren</a:t>
-            </a:r>
-          </a:p>
-          <a:p>
-            <a:pPr marL="171450" indent="-171450">
-              <a:buFont typeface="Wingdings" panose="05000000000000000000" pitchFamily="2" charset="2"/>
-              <a:buChar char="à"/>
-            </a:pPr>
-            <a:r>
-              <a:rPr lang="de-DE">
-                <a:sym typeface="Wingdings" panose="05000000000000000000" pitchFamily="2" charset="2"/>
-              </a:rPr>
-              <a:t>In Gedcom Spezifikation sind nur die grundlegenden Structures für die Speicherung genealogischer Daten definiert</a:t>
-            </a:r>
-          </a:p>
-          <a:p>
-            <a:pPr marL="171450" indent="-171450">
-              <a:buFont typeface="Wingdings" panose="05000000000000000000" pitchFamily="2" charset="2"/>
-              <a:buChar char="à"/>
-            </a:pPr>
-            <a:r>
-              <a:rPr lang="de-DE">
-                <a:sym typeface="Wingdings" panose="05000000000000000000" pitchFamily="2" charset="2"/>
-              </a:rPr>
-              <a:t>Alles weitere muss über Extensions ausgedrückt werden</a:t>
-            </a:r>
-          </a:p>
-          <a:p>
-            <a:pPr marL="171450" indent="-171450">
-              <a:buFont typeface="Wingdings" panose="05000000000000000000" pitchFamily="2" charset="2"/>
-              <a:buChar char="à"/>
-            </a:pPr>
-            <a:r>
-              <a:rPr lang="de-DE">
-                <a:sym typeface="Wingdings" panose="05000000000000000000" pitchFamily="2" charset="2"/>
-              </a:rPr>
-              <a:t>Sehr wichtiger Use-Case der in Realtiät oft Anwendung findet</a:t>
-            </a:r>
-          </a:p>
-          <a:p>
-            <a:pPr marL="171450" indent="-171450">
-              <a:buFont typeface="Wingdings" panose="05000000000000000000" pitchFamily="2" charset="2"/>
-              <a:buChar char="à"/>
-            </a:pPr>
-            <a:r>
-              <a:rPr lang="de-DE">
-                <a:sym typeface="Wingdings" panose="05000000000000000000" pitchFamily="2" charset="2"/>
-              </a:rPr>
-              <a:t>Kann mit Grammatik Generator einfach umgesetzt werden, in dem in folgenden Arbeiten eine Schnittstelle zum Grammatik Generator entwickelt wird, mit der User die Möglichkeit bekommen, einfach neue Regeln vom Grammatik Generator generieren zu lassen </a:t>
-            </a:r>
+            <a:endParaRPr lang="de-DE" dirty="0"/>
           </a:p>
         </p:txBody>
       </p:sp>
@@ -4204,7 +4014,7 @@
               <a:pPr>
                 <a:defRPr/>
               </a:pPr>
-              <a:t>19</a:t>
+              <a:t>12</a:t>
             </a:fld>
             <a:endParaRPr lang="de-DE"/>
           </a:p>
@@ -4213,7 +4023,7 @@
     </p:spTree>
     <p:extLst>
       <p:ext uri="{BB962C8B-B14F-4D97-AF65-F5344CB8AC3E}">
-        <p14:creationId xmlns:p14="http://schemas.microsoft.com/office/powerpoint/2010/main" val="2658422260"/>
+        <p14:creationId xmlns:p14="http://schemas.microsoft.com/office/powerpoint/2010/main" val="501587186"/>
       </p:ext>
     </p:extLst>
   </p:cSld>
@@ -4271,7 +4081,161 @@
               <a:buFont typeface="Arial" panose="020B0604020202020204" pitchFamily="34" charset="0"/>
               <a:buChar char="•"/>
             </a:pPr>
-            <a:endParaRPr lang="de-DE" dirty="0"/>
+            <a:r>
+              <a:rPr lang="de-DE"/>
+              <a:t>Bibliothek lässt sich in 4 Teile gliedern</a:t>
+            </a:r>
+          </a:p>
+          <a:p>
+            <a:pPr marL="0" indent="0">
+              <a:buFont typeface="Arial" panose="020B0604020202020204" pitchFamily="34" charset="0"/>
+              <a:buNone/>
+            </a:pPr>
+            <a:r>
+              <a:rPr lang="de-DE"/>
+              <a:t>Gedcom Parser:</a:t>
+            </a:r>
+          </a:p>
+          <a:p>
+            <a:pPr marL="171450" indent="-171450">
+              <a:buFont typeface="Arial" panose="020B0604020202020204" pitchFamily="34" charset="0"/>
+              <a:buChar char="•"/>
+            </a:pPr>
+            <a:r>
+              <a:rPr lang="de-DE"/>
+              <a:t>Zentrales Element</a:t>
+            </a:r>
+          </a:p>
+          <a:p>
+            <a:pPr marL="171450" indent="-171450">
+              <a:buFont typeface="Arial" panose="020B0604020202020204" pitchFamily="34" charset="0"/>
+              <a:buChar char="•"/>
+            </a:pPr>
+            <a:r>
+              <a:rPr lang="de-DE"/>
+              <a:t>Einlesen der Gedcom7 Dateien, Überführen des Inhalts in passende Gedcom Datenstrukturen</a:t>
+            </a:r>
+          </a:p>
+          <a:p>
+            <a:pPr marL="171450" indent="-171450">
+              <a:buFont typeface="Arial" panose="020B0604020202020204" pitchFamily="34" charset="0"/>
+              <a:buChar char="•"/>
+            </a:pPr>
+            <a:r>
+              <a:rPr lang="de-DE"/>
+              <a:t>Syntaxüberprüfung beim einlesen</a:t>
+            </a:r>
+          </a:p>
+          <a:p>
+            <a:pPr marL="171450" indent="-171450">
+              <a:buFont typeface="Arial" panose="020B0604020202020204" pitchFamily="34" charset="0"/>
+              <a:buChar char="•"/>
+            </a:pPr>
+            <a:endParaRPr lang="de-DE"/>
+          </a:p>
+          <a:p>
+            <a:pPr marL="0" indent="0">
+              <a:buFont typeface="Arial" panose="020B0604020202020204" pitchFamily="34" charset="0"/>
+              <a:buNone/>
+            </a:pPr>
+            <a:r>
+              <a:rPr lang="de-DE"/>
+              <a:t>Gedcom Grammatik </a:t>
+            </a:r>
+          </a:p>
+          <a:p>
+            <a:pPr marL="171450" indent="-171450">
+              <a:buFont typeface="Arial" panose="020B0604020202020204" pitchFamily="34" charset="0"/>
+              <a:buChar char="•"/>
+            </a:pPr>
+            <a:r>
+              <a:rPr lang="de-DE"/>
+              <a:t>Mit Hilfe der JavaScript Bibliothek Nearley erstellt -&gt; gleich genauer drauf eingehen</a:t>
+            </a:r>
+          </a:p>
+          <a:p>
+            <a:pPr marL="171450" indent="-171450">
+              <a:buFont typeface="Arial" panose="020B0604020202020204" pitchFamily="34" charset="0"/>
+              <a:buChar char="•"/>
+            </a:pPr>
+            <a:r>
+              <a:rPr lang="de-DE"/>
+              <a:t>Überprüft Syntax und nimmt Vorverarbeitung der Daten vor -&gt; einfache weiterverarbeitung</a:t>
+            </a:r>
+          </a:p>
+          <a:p>
+            <a:pPr marL="171450" indent="-171450">
+              <a:buFont typeface="Arial" panose="020B0604020202020204" pitchFamily="34" charset="0"/>
+              <a:buChar char="•"/>
+            </a:pPr>
+            <a:endParaRPr lang="de-DE"/>
+          </a:p>
+          <a:p>
+            <a:pPr marL="0" indent="0">
+              <a:buFont typeface="Arial" panose="020B0604020202020204" pitchFamily="34" charset="0"/>
+              <a:buNone/>
+            </a:pPr>
+            <a:r>
+              <a:rPr lang="de-DE"/>
+              <a:t>Grammatik Generator</a:t>
+            </a:r>
+          </a:p>
+          <a:p>
+            <a:pPr marL="171450" indent="-171450">
+              <a:buFont typeface="Arial" panose="020B0604020202020204" pitchFamily="34" charset="0"/>
+              <a:buChar char="•"/>
+            </a:pPr>
+            <a:r>
+              <a:rPr lang="de-DE"/>
+              <a:t>Erstellt wird Gedcom Grammatik mit einem selbst entwickelten Grammatik Generator </a:t>
+            </a:r>
+          </a:p>
+          <a:p>
+            <a:pPr marL="171450" indent="-171450">
+              <a:buFont typeface="Arial" panose="020B0604020202020204" pitchFamily="34" charset="0"/>
+              <a:buChar char="•"/>
+            </a:pPr>
+            <a:r>
+              <a:rPr lang="de-DE"/>
+              <a:t>Überführt Gedcom7 Spezifikation in nearley-konforme Syntax</a:t>
+            </a:r>
+          </a:p>
+          <a:p>
+            <a:pPr marL="171450" indent="-171450">
+              <a:buFont typeface="Arial" panose="020B0604020202020204" pitchFamily="34" charset="0"/>
+              <a:buChar char="•"/>
+            </a:pPr>
+            <a:endParaRPr lang="de-DE"/>
+          </a:p>
+          <a:p>
+            <a:pPr marL="0" indent="0">
+              <a:buFont typeface="Arial" panose="020B0604020202020204" pitchFamily="34" charset="0"/>
+              <a:buNone/>
+            </a:pPr>
+            <a:r>
+              <a:rPr lang="de-DE"/>
+              <a:t>Gedcom Datenstrukturen</a:t>
+            </a:r>
+          </a:p>
+          <a:p>
+            <a:pPr marL="171450" indent="-171450">
+              <a:buFont typeface="Arial" panose="020B0604020202020204" pitchFamily="34" charset="0"/>
+              <a:buChar char="•"/>
+            </a:pPr>
+            <a:r>
+              <a:rPr lang="de-DE"/>
+              <a:t>Wenn Syntaxüberprüfung erfolgreich, werden Gedcom Datenstrukturen auf Basis der vorverarbeiteten Daten vom Parser erstellt</a:t>
+            </a:r>
+          </a:p>
+          <a:p>
+            <a:pPr marL="171450" indent="-171450">
+              <a:buFont typeface="Arial" panose="020B0604020202020204" pitchFamily="34" charset="0"/>
+              <a:buChar char="•"/>
+            </a:pPr>
+            <a:r>
+              <a:rPr lang="de-DE"/>
+              <a:t>Stellen Methoden zur Verfügung um Gedcom Daten zu verändern und zu erweitern</a:t>
+            </a:r>
           </a:p>
         </p:txBody>
       </p:sp>
@@ -4298,7 +4262,7 @@
               <a:pPr>
                 <a:defRPr/>
               </a:pPr>
-              <a:t>20</a:t>
+              <a:t>13</a:t>
             </a:fld>
             <a:endParaRPr lang="de-DE"/>
           </a:p>
@@ -4307,7 +4271,7 @@
     </p:spTree>
     <p:extLst>
       <p:ext uri="{BB962C8B-B14F-4D97-AF65-F5344CB8AC3E}">
-        <p14:creationId xmlns:p14="http://schemas.microsoft.com/office/powerpoint/2010/main" val="187496863"/>
+        <p14:creationId xmlns:p14="http://schemas.microsoft.com/office/powerpoint/2010/main" val="4015228170"/>
       </p:ext>
     </p:extLst>
   </p:cSld>
@@ -4392,7 +4356,7 @@
               <a:pPr>
                 <a:defRPr/>
               </a:pPr>
-              <a:t>23</a:t>
+              <a:t>14</a:t>
             </a:fld>
             <a:endParaRPr lang="de-DE"/>
           </a:p>
@@ -4401,7 +4365,7 @@
     </p:spTree>
     <p:extLst>
       <p:ext uri="{BB962C8B-B14F-4D97-AF65-F5344CB8AC3E}">
-        <p14:creationId xmlns:p14="http://schemas.microsoft.com/office/powerpoint/2010/main" val="1401220414"/>
+        <p14:creationId xmlns:p14="http://schemas.microsoft.com/office/powerpoint/2010/main" val="3570443207"/>
       </p:ext>
     </p:extLst>
   </p:cSld>
@@ -4459,7 +4423,70 @@
               <a:buFont typeface="Arial" panose="020B0604020202020204" pitchFamily="34" charset="0"/>
               <a:buChar char="•"/>
             </a:pPr>
-            <a:endParaRPr lang="de-DE" dirty="0"/>
+            <a:r>
+              <a:rPr lang="de-DE"/>
+              <a:t>Grammatik wird mit Hilfe des JavaScript-Parser-Toolkits Nearley umgesetzt </a:t>
+            </a:r>
+          </a:p>
+          <a:p>
+            <a:pPr marL="171450" indent="-171450">
+              <a:buFont typeface="Arial" panose="020B0604020202020204" pitchFamily="34" charset="0"/>
+              <a:buChar char="•"/>
+            </a:pPr>
+            <a:r>
+              <a:rPr lang="de-DE"/>
+              <a:t>Mit Nearley können auf einfach Weise, menschenlesbare Grammatiken erstellt und zu einem Nearley-Parser kompiliert werden</a:t>
+            </a:r>
+          </a:p>
+          <a:p>
+            <a:pPr marL="171450" indent="-171450">
+              <a:buFont typeface="Arial" panose="020B0604020202020204" pitchFamily="34" charset="0"/>
+              <a:buChar char="•"/>
+            </a:pPr>
+            <a:r>
+              <a:rPr lang="de-DE"/>
+              <a:t>Gedcom Grammatik kann aus vielen Nearley Dateien zusammengesetzt werden</a:t>
+            </a:r>
+          </a:p>
+          <a:p>
+            <a:pPr marL="0" indent="0">
+              <a:buFont typeface="Arial" panose="020B0604020202020204" pitchFamily="34" charset="0"/>
+              <a:buNone/>
+            </a:pPr>
+            <a:r>
+              <a:rPr lang="de-DE"/>
+              <a:t>     -&gt; Defintionsdateien für alle Datentypen und Tokens wie EOL-Character oder Leerzeichen</a:t>
+            </a:r>
+          </a:p>
+          <a:p>
+            <a:pPr marL="171450" indent="-171450">
+              <a:buFont typeface="Arial" panose="020B0604020202020204" pitchFamily="34" charset="0"/>
+              <a:buChar char="•"/>
+            </a:pPr>
+            <a:r>
+              <a:rPr lang="de-DE"/>
+              <a:t>Daraus können auf einfache Weise Regeln für Gedcom Lines erstellt werden</a:t>
+            </a:r>
+          </a:p>
+          <a:p>
+            <a:pPr marL="171450" indent="-171450">
+              <a:buFont typeface="Arial" panose="020B0604020202020204" pitchFamily="34" charset="0"/>
+              <a:buChar char="•"/>
+            </a:pPr>
+            <a:r>
+              <a:rPr lang="de-DE"/>
+              <a:t>Regeln werden zu Nearley Parsern kompiliert, denen ein String als Input gegeben wird und für den überprüft wird, ob er nach der definierten Grammatik syntaktisch korrekt ist</a:t>
+            </a:r>
+          </a:p>
+          <a:p>
+            <a:pPr marL="171450" indent="-171450">
+              <a:buFont typeface="Arial" panose="020B0604020202020204" pitchFamily="34" charset="0"/>
+              <a:buChar char="•"/>
+            </a:pPr>
+            <a:r>
+              <a:rPr lang="de-DE"/>
+              <a:t>Bsp. DATE Structure aus dem Einführungs beispiel </a:t>
+            </a:r>
           </a:p>
         </p:txBody>
       </p:sp>
@@ -4486,7 +4513,7 @@
               <a:pPr>
                 <a:defRPr/>
               </a:pPr>
-              <a:t>26</a:t>
+              <a:t>15</a:t>
             </a:fld>
             <a:endParaRPr lang="de-DE"/>
           </a:p>
@@ -4495,7 +4522,7 @@
     </p:spTree>
     <p:extLst>
       <p:ext uri="{BB962C8B-B14F-4D97-AF65-F5344CB8AC3E}">
-        <p14:creationId xmlns:p14="http://schemas.microsoft.com/office/powerpoint/2010/main" val="2106371861"/>
+        <p14:creationId xmlns:p14="http://schemas.microsoft.com/office/powerpoint/2010/main" val="3446938808"/>
       </p:ext>
     </p:extLst>
   </p:cSld>
@@ -4553,7 +4580,84 @@
               <a:buFont typeface="Arial" panose="020B0604020202020204" pitchFamily="34" charset="0"/>
               <a:buChar char="•"/>
             </a:pPr>
-            <a:endParaRPr lang="de-DE" dirty="0"/>
+            <a:r>
+              <a:rPr lang="de-DE"/>
+              <a:t>Grammatik wird mit Hilfe des JavaScript-Parser-Toolkits Nearley umgesetzt </a:t>
+            </a:r>
+          </a:p>
+          <a:p>
+            <a:pPr marL="171450" indent="-171450">
+              <a:buFont typeface="Arial" panose="020B0604020202020204" pitchFamily="34" charset="0"/>
+              <a:buChar char="•"/>
+            </a:pPr>
+            <a:r>
+              <a:rPr lang="de-DE"/>
+              <a:t>Mit Nearley können auf einfach Weise, menschenlesbare Grammatiken erstellt und zu einem Nearley-Parser kompiliert werden</a:t>
+            </a:r>
+          </a:p>
+          <a:p>
+            <a:pPr marL="171450" indent="-171450">
+              <a:buFont typeface="Arial" panose="020B0604020202020204" pitchFamily="34" charset="0"/>
+              <a:buChar char="•"/>
+            </a:pPr>
+            <a:r>
+              <a:rPr lang="de-DE"/>
+              <a:t>Gedcom Grammatik kann aus vielen Nearley Dateien zusammengesetzt werden</a:t>
+            </a:r>
+          </a:p>
+          <a:p>
+            <a:pPr marL="0" indent="0">
+              <a:buFont typeface="Arial" panose="020B0604020202020204" pitchFamily="34" charset="0"/>
+              <a:buNone/>
+            </a:pPr>
+            <a:r>
+              <a:rPr lang="de-DE"/>
+              <a:t>     -&gt; Defintionsdateien für alle Datentypen und Tokens wie EOL-Character oder Leerzeichen</a:t>
+            </a:r>
+          </a:p>
+          <a:p>
+            <a:pPr marL="171450" indent="-171450">
+              <a:buFont typeface="Arial" panose="020B0604020202020204" pitchFamily="34" charset="0"/>
+              <a:buChar char="•"/>
+            </a:pPr>
+            <a:r>
+              <a:rPr lang="de-DE"/>
+              <a:t>Daraus können auf einfache Weise Regeln für Gedcom Lines erstellt werden</a:t>
+            </a:r>
+          </a:p>
+          <a:p>
+            <a:pPr marL="171450" indent="-171450">
+              <a:buFont typeface="Arial" panose="020B0604020202020204" pitchFamily="34" charset="0"/>
+              <a:buChar char="•"/>
+            </a:pPr>
+            <a:r>
+              <a:rPr lang="de-DE"/>
+              <a:t>Regeln werden zu Nearley Parsern kompiliert, denen ein String als Input gegeben wird und für den überprüft wird, ob er nach der definierten Grammatik syntaktisch korrekt ist</a:t>
+            </a:r>
+          </a:p>
+          <a:p>
+            <a:pPr marL="171450" indent="-171450">
+              <a:buFont typeface="Arial" panose="020B0604020202020204" pitchFamily="34" charset="0"/>
+              <a:buChar char="•"/>
+            </a:pPr>
+            <a:r>
+              <a:rPr lang="de-DE"/>
+              <a:t>Bsp. DATE Structure aus dem Einführungs beispiel </a:t>
+            </a:r>
+          </a:p>
+          <a:p>
+            <a:pPr marL="0" indent="0">
+              <a:buFont typeface="Arial" panose="020B0604020202020204" pitchFamily="34" charset="0"/>
+              <a:buNone/>
+            </a:pPr>
+            <a:endParaRPr lang="de-DE"/>
+          </a:p>
+          <a:p>
+            <a:pPr marL="0" indent="0">
+              <a:buFont typeface="Arial" panose="020B0604020202020204" pitchFamily="34" charset="0"/>
+              <a:buNone/>
+            </a:pPr>
+            <a:endParaRPr lang="de-DE"/>
           </a:p>
         </p:txBody>
       </p:sp>
@@ -4580,7 +4684,7 @@
               <a:pPr>
                 <a:defRPr/>
               </a:pPr>
-              <a:t>28</a:t>
+              <a:t>16</a:t>
             </a:fld>
             <a:endParaRPr lang="de-DE"/>
           </a:p>
@@ -4589,7 +4693,7 @@
     </p:spTree>
     <p:extLst>
       <p:ext uri="{BB962C8B-B14F-4D97-AF65-F5344CB8AC3E}">
-        <p14:creationId xmlns:p14="http://schemas.microsoft.com/office/powerpoint/2010/main" val="164527364"/>
+        <p14:creationId xmlns:p14="http://schemas.microsoft.com/office/powerpoint/2010/main" val="2666108415"/>
       </p:ext>
     </p:extLst>
   </p:cSld>
@@ -4618,38 +4722,19 @@
       </p:grpSpPr>
       <p:sp>
         <p:nvSpPr>
-          <p:cNvPr id="19458" name="Folienbildplatzhalter 1"/>
-          <p:cNvSpPr>
-            <a:spLocks noGrp="1" noRot="1" noChangeAspect="1" noTextEdit="1"/>
+          <p:cNvPr id="2" name="Folienbildplatzhalter 1"/>
+          <p:cNvSpPr>
+            <a:spLocks noGrp="1" noRot="1" noChangeAspect="1"/>
           </p:cNvSpPr>
           <p:nvPr>
             <p:ph type="sldImg"/>
           </p:nvPr>
         </p:nvSpPr>
-        <p:spPr bwMode="auto">
-          <a:noFill/>
-          <a:ln>
-            <a:solidFill>
-              <a:srgbClr val="000000"/>
-            </a:solidFill>
-            <a:miter lim="800000"/>
-            <a:headEnd/>
-            <a:tailEnd/>
-          </a:ln>
-          <a:extLst>
-            <a:ext uri="{909E8E84-426E-40DD-AFC4-6F175D3DCCD1}">
-              <a14:hiddenFill xmlns:a14="http://schemas.microsoft.com/office/drawing/2010/main">
-                <a:solidFill>
-                  <a:srgbClr val="FFFFFF"/>
-                </a:solidFill>
-              </a14:hiddenFill>
-            </a:ext>
-          </a:extLst>
-        </p:spPr>
-      </p:sp>
-      <p:sp>
-        <p:nvSpPr>
-          <p:cNvPr id="19459" name="Notizenplatzhalter 2"/>
+        <p:spPr/>
+      </p:sp>
+      <p:sp>
+        <p:nvSpPr>
+          <p:cNvPr id="3" name="Notizenplatzhalter 2"/>
           <p:cNvSpPr>
             <a:spLocks noGrp="1"/>
           </p:cNvSpPr>
@@ -4657,240 +4742,541 @@
             <p:ph type="body" idx="1"/>
           </p:nvPr>
         </p:nvSpPr>
-        <p:spPr bwMode="auto">
-          <a:noFill/>
-          <a:extLst>
-            <a:ext uri="{909E8E84-426E-40DD-AFC4-6F175D3DCCD1}">
-              <a14:hiddenFill xmlns:a14="http://schemas.microsoft.com/office/drawing/2010/main">
-                <a:solidFill>
-                  <a:srgbClr val="FFFFFF"/>
-                </a:solidFill>
-              </a14:hiddenFill>
-            </a:ext>
-            <a:ext uri="{91240B29-F687-4F45-9708-019B960494DF}">
-              <a14:hiddenLine xmlns:a14="http://schemas.microsoft.com/office/drawing/2010/main" w="9525">
-                <a:solidFill>
-                  <a:srgbClr val="000000"/>
-                </a:solidFill>
-                <a:miter lim="800000"/>
-                <a:headEnd/>
-                <a:tailEnd/>
-              </a14:hiddenLine>
-            </a:ext>
-          </a:extLst>
-        </p:spPr>
-        <p:txBody>
-          <a:bodyPr wrap="square" numCol="1" anchor="t" anchorCtr="0" compatLnSpc="1">
-            <a:prstTxWarp prst="textNoShape">
-              <a:avLst/>
-            </a:prstTxWarp>
-          </a:bodyPr>
-          <a:lstStyle/>
-          <a:p>
-            <a:r>
-              <a:rPr lang="de-DE" dirty="0"/>
-              <a:t>Herzlich Willkommen zum Vortrag zu meinem Seminarthema HyperLogLog</a:t>
-            </a:r>
-          </a:p>
-          <a:p>
-            <a:pPr marL="171450" indent="-171450">
-              <a:buFont typeface="Arial" panose="020B0604020202020204" pitchFamily="34" charset="0"/>
-              <a:buChar char="•"/>
-            </a:pPr>
-            <a:r>
-              <a:rPr lang="de-DE" dirty="0"/>
-              <a:t>Am Anfang kurz ein kleiner Disclaimer </a:t>
-            </a:r>
-          </a:p>
-          <a:p>
-            <a:pPr marL="171450" indent="-171450">
-              <a:buFont typeface="Arial" panose="020B0604020202020204" pitchFamily="34" charset="0"/>
-              <a:buChar char="•"/>
-            </a:pPr>
-            <a:r>
-              <a:rPr lang="de-DE" dirty="0"/>
-              <a:t>Ich stottere und dementsprechend kann es bei mir immer mal wieder zu Symptomen kommen</a:t>
-            </a:r>
-          </a:p>
-          <a:p>
-            <a:pPr marL="171450" indent="-171450">
-              <a:buFont typeface="Arial" panose="020B0604020202020204" pitchFamily="34" charset="0"/>
-              <a:buChar char="•"/>
-            </a:pPr>
-            <a:r>
-              <a:rPr lang="de-DE" dirty="0"/>
-              <a:t>Falls der ein oder andere Block kommt, bitte ich Sie da einfach drüber hinwegzusehen </a:t>
-            </a:r>
-          </a:p>
-          <a:p>
-            <a:pPr eaLnBrk="1" hangingPunct="1">
+        <p:spPr/>
+        <p:txBody>
+          <a:bodyPr/>
+          <a:lstStyle/>
+          <a:p>
+            <a:pPr marL="171450" marR="0" lvl="0" indent="-171450" algn="l" defTabSz="914400" rtl="0" eaLnBrk="0" fontAlgn="base" latinLnBrk="0" hangingPunct="0">
+              <a:lnSpc>
+                <a:spcPct val="100000"/>
+              </a:lnSpc>
               <a:spcBef>
-                <a:spcPct val="0"/>
-              </a:spcBef>
-            </a:pPr>
-            <a:endParaRPr lang="de-DE" altLang="de-DE" dirty="0"/>
-          </a:p>
-        </p:txBody>
-      </p:sp>
-      <p:sp>
-        <p:nvSpPr>
-          <p:cNvPr id="19460" name="Foliennummernplatzhalter 3"/>
-          <p:cNvSpPr>
-            <a:spLocks noGrp="1"/>
-          </p:cNvSpPr>
-          <p:nvPr>
-            <p:ph type="sldNum" sz="quarter" idx="5"/>
-          </p:nvPr>
-        </p:nvSpPr>
-        <p:spPr bwMode="auto">
-          <a:noFill/>
-          <a:extLst>
-            <a:ext uri="{909E8E84-426E-40DD-AFC4-6F175D3DCCD1}">
-              <a14:hiddenFill xmlns:a14="http://schemas.microsoft.com/office/drawing/2010/main">
-                <a:solidFill>
-                  <a:srgbClr val="FFFFFF"/>
-                </a:solidFill>
-              </a14:hiddenFill>
-            </a:ext>
-            <a:ext uri="{91240B29-F687-4F45-9708-019B960494DF}">
-              <a14:hiddenLine xmlns:a14="http://schemas.microsoft.com/office/drawing/2010/main" w="9525">
-                <a:solidFill>
-                  <a:srgbClr val="000000"/>
-                </a:solidFill>
-                <a:miter lim="800000"/>
-                <a:headEnd/>
-                <a:tailEnd/>
-              </a14:hiddenLine>
-            </a:ext>
-          </a:extLst>
-        </p:spPr>
-        <p:txBody>
-          <a:bodyPr wrap="square" numCol="1" anchorCtr="0" compatLnSpc="1">
-            <a:prstTxWarp prst="textNoShape">
-              <a:avLst/>
-            </a:prstTxWarp>
-          </a:bodyPr>
-          <a:lstStyle>
-            <a:lvl1pPr>
-              <a:defRPr>
-                <a:solidFill>
-                  <a:schemeClr val="tx1"/>
-                </a:solidFill>
-                <a:latin typeface="Calibri" panose="020F0502020204030204" pitchFamily="34" charset="0"/>
-                <a:cs typeface="Arial" panose="020B0604020202020204" pitchFamily="34" charset="0"/>
-              </a:defRPr>
-            </a:lvl1pPr>
-            <a:lvl2pPr marL="742950" indent="-285750">
-              <a:defRPr>
-                <a:solidFill>
-                  <a:schemeClr val="tx1"/>
-                </a:solidFill>
-                <a:latin typeface="Calibri" panose="020F0502020204030204" pitchFamily="34" charset="0"/>
-                <a:cs typeface="Arial" panose="020B0604020202020204" pitchFamily="34" charset="0"/>
-              </a:defRPr>
-            </a:lvl2pPr>
-            <a:lvl3pPr marL="1143000" indent="-228600">
-              <a:defRPr>
-                <a:solidFill>
-                  <a:schemeClr val="tx1"/>
-                </a:solidFill>
-                <a:latin typeface="Calibri" panose="020F0502020204030204" pitchFamily="34" charset="0"/>
-                <a:cs typeface="Arial" panose="020B0604020202020204" pitchFamily="34" charset="0"/>
-              </a:defRPr>
-            </a:lvl3pPr>
-            <a:lvl4pPr marL="1600200" indent="-228600">
-              <a:defRPr>
-                <a:solidFill>
-                  <a:schemeClr val="tx1"/>
-                </a:solidFill>
-                <a:latin typeface="Calibri" panose="020F0502020204030204" pitchFamily="34" charset="0"/>
-                <a:cs typeface="Arial" panose="020B0604020202020204" pitchFamily="34" charset="0"/>
-              </a:defRPr>
-            </a:lvl4pPr>
-            <a:lvl5pPr marL="2057400" indent="-228600">
-              <a:defRPr>
-                <a:solidFill>
-                  <a:schemeClr val="tx1"/>
-                </a:solidFill>
-                <a:latin typeface="Calibri" panose="020F0502020204030204" pitchFamily="34" charset="0"/>
-                <a:cs typeface="Arial" panose="020B0604020202020204" pitchFamily="34" charset="0"/>
-              </a:defRPr>
-            </a:lvl5pPr>
-            <a:lvl6pPr marL="2514600" indent="-228600" eaLnBrk="0" fontAlgn="base" hangingPunct="0">
-              <a:spcBef>
-                <a:spcPct val="0"/>
+                <a:spcPct val="30000"/>
               </a:spcBef>
               <a:spcAft>
                 <a:spcPct val="0"/>
               </a:spcAft>
-              <a:defRPr>
-                <a:solidFill>
-                  <a:schemeClr val="tx1"/>
-                </a:solidFill>
-                <a:latin typeface="Calibri" panose="020F0502020204030204" pitchFamily="34" charset="0"/>
-                <a:cs typeface="Arial" panose="020B0604020202020204" pitchFamily="34" charset="0"/>
-              </a:defRPr>
-            </a:lvl6pPr>
-            <a:lvl7pPr marL="2971800" indent="-228600" eaLnBrk="0" fontAlgn="base" hangingPunct="0">
+              <a:buClrTx/>
+              <a:buSzTx/>
+              <a:buFont typeface="Arial" panose="020B0604020202020204" pitchFamily="34" charset="0"/>
+              <a:buChar char="•"/>
+              <a:tabLst/>
+              <a:defRPr/>
+            </a:pPr>
+            <a:r>
+              <a:rPr lang="de-DE"/>
+              <a:t>Von großem Vorteil ist dabei, dass Features wie Lexer und Postprozessoren unterstützt werden. </a:t>
+            </a:r>
+          </a:p>
+          <a:p>
+            <a:pPr marL="171450" marR="0" lvl="0" indent="-171450" algn="l" defTabSz="914400" rtl="0" eaLnBrk="0" fontAlgn="base" latinLnBrk="0" hangingPunct="0">
+              <a:lnSpc>
+                <a:spcPct val="100000"/>
+              </a:lnSpc>
               <a:spcBef>
-                <a:spcPct val="0"/>
+                <a:spcPct val="30000"/>
               </a:spcBef>
               <a:spcAft>
                 <a:spcPct val="0"/>
               </a:spcAft>
-              <a:defRPr>
-                <a:solidFill>
-                  <a:schemeClr val="tx1"/>
-                </a:solidFill>
-                <a:latin typeface="Calibri" panose="020F0502020204030204" pitchFamily="34" charset="0"/>
-                <a:cs typeface="Arial" panose="020B0604020202020204" pitchFamily="34" charset="0"/>
-              </a:defRPr>
-            </a:lvl7pPr>
-            <a:lvl8pPr marL="3429000" indent="-228600" eaLnBrk="0" fontAlgn="base" hangingPunct="0">
+              <a:buClrTx/>
+              <a:buSzTx/>
+              <a:buFont typeface="Arial" panose="020B0604020202020204" pitchFamily="34" charset="0"/>
+              <a:buChar char="•"/>
+              <a:tabLst/>
+              <a:defRPr/>
+            </a:pPr>
+            <a:r>
+              <a:rPr lang="de-DE"/>
+              <a:t>Nearley-Parser teilt die Eingabedaten standardm¨aßig in einen Strom von einzelnen Zeichen</a:t>
+            </a:r>
+          </a:p>
+          <a:p>
+            <a:pPr marL="0" marR="0" lvl="0" indent="0" algn="l" defTabSz="914400" rtl="0" eaLnBrk="0" fontAlgn="base" latinLnBrk="0" hangingPunct="0">
+              <a:lnSpc>
+                <a:spcPct val="100000"/>
+              </a:lnSpc>
               <a:spcBef>
-                <a:spcPct val="0"/>
+                <a:spcPct val="30000"/>
               </a:spcBef>
               <a:spcAft>
                 <a:spcPct val="0"/>
               </a:spcAft>
-              <a:defRPr>
-                <a:solidFill>
-                  <a:schemeClr val="tx1"/>
-                </a:solidFill>
-                <a:latin typeface="Calibri" panose="020F0502020204030204" pitchFamily="34" charset="0"/>
-                <a:cs typeface="Arial" panose="020B0604020202020204" pitchFamily="34" charset="0"/>
-              </a:defRPr>
-            </a:lvl8pPr>
-            <a:lvl9pPr marL="3886200" indent="-228600" eaLnBrk="0" fontAlgn="base" hangingPunct="0">
+              <a:buClrTx/>
+              <a:buSzTx/>
+              <a:buFont typeface="Arial" panose="020B0604020202020204" pitchFamily="34" charset="0"/>
+              <a:buNone/>
+              <a:tabLst/>
+              <a:defRPr/>
+            </a:pPr>
+            <a:r>
+              <a:rPr lang="de-DE"/>
+              <a:t>-&gt; Ein Lexer ist eine Art Preprozessor, der die Eingabedaten in größere Einheiten, die sog. Tokens zusammenfasst</a:t>
+            </a:r>
+          </a:p>
+          <a:p>
+            <a:pPr marL="0" marR="0" lvl="0" indent="0" algn="l" defTabSz="914400" rtl="0" eaLnBrk="0" fontAlgn="base" latinLnBrk="0" hangingPunct="0">
+              <a:lnSpc>
+                <a:spcPct val="100000"/>
+              </a:lnSpc>
               <a:spcBef>
-                <a:spcPct val="0"/>
+                <a:spcPct val="30000"/>
               </a:spcBef>
               <a:spcAft>
                 <a:spcPct val="0"/>
               </a:spcAft>
-              <a:defRPr>
-                <a:solidFill>
-                  <a:schemeClr val="tx1"/>
-                </a:solidFill>
-                <a:latin typeface="Calibri" panose="020F0502020204030204" pitchFamily="34" charset="0"/>
-                <a:cs typeface="Arial" panose="020B0604020202020204" pitchFamily="34" charset="0"/>
-              </a:defRPr>
-            </a:lvl9pPr>
-          </a:lstStyle>
-          <a:p>
-            <a:fld id="{316EAC40-68B8-4211-B26D-7C254D782D2F}" type="slidenum">
-              <a:rPr lang="de-DE" altLang="de-DE" smtClean="0"/>
-              <a:pPr/>
-              <a:t>31</a:t>
+              <a:buClrTx/>
+              <a:buSzTx/>
+              <a:buFont typeface="Arial" panose="020B0604020202020204" pitchFamily="34" charset="0"/>
+              <a:buNone/>
+              <a:tabLst/>
+              <a:defRPr/>
+            </a:pPr>
+            <a:r>
+              <a:rPr lang="de-DE"/>
+              <a:t>-&gt; Auf diese Weise wird der Aufwand beim Parsen verringert und die Interpretation der Eingabedaten fällt oft leichter</a:t>
+            </a:r>
+          </a:p>
+          <a:p>
+            <a:pPr marL="171450" marR="0" lvl="0" indent="-171450" algn="l" defTabSz="914400" rtl="0" eaLnBrk="0" fontAlgn="base" latinLnBrk="0" hangingPunct="0">
+              <a:lnSpc>
+                <a:spcPct val="100000"/>
+              </a:lnSpc>
+              <a:spcBef>
+                <a:spcPct val="30000"/>
+              </a:spcBef>
+              <a:spcAft>
+                <a:spcPct val="0"/>
+              </a:spcAft>
+              <a:buClrTx/>
+              <a:buSzTx/>
+              <a:buFont typeface="Arial" panose="020B0604020202020204" pitchFamily="34" charset="0"/>
+              <a:buChar char="•"/>
+              <a:tabLst/>
+              <a:defRPr/>
+            </a:pPr>
+            <a:r>
+              <a:rPr lang="de-DE"/>
+              <a:t>Mit Hilfe von Postprozessoren können jeder Nearley Regel Verarbeitungsanweisungen zugewiesen werden, die ausgeführt werden, wenn Regel angenommen wird</a:t>
+            </a:r>
+          </a:p>
+          <a:p>
+            <a:pPr marL="0" marR="0" lvl="0" indent="0" algn="l" defTabSz="914400" rtl="0" eaLnBrk="0" fontAlgn="base" latinLnBrk="0" hangingPunct="0">
+              <a:lnSpc>
+                <a:spcPct val="100000"/>
+              </a:lnSpc>
+              <a:spcBef>
+                <a:spcPct val="30000"/>
+              </a:spcBef>
+              <a:spcAft>
+                <a:spcPct val="0"/>
+              </a:spcAft>
+              <a:buClrTx/>
+              <a:buSzTx/>
+              <a:buFont typeface="Arial" panose="020B0604020202020204" pitchFamily="34" charset="0"/>
+              <a:buNone/>
+              <a:tabLst/>
+              <a:defRPr/>
+            </a:pPr>
+            <a:r>
+              <a:rPr lang="de-DE"/>
+              <a:t>-&gt;  So können Informationen wie die URI, der Datentyp, die Superstructures und Substructures der geparsten Gedcom Line extrahiert werden</a:t>
+            </a:r>
+          </a:p>
+          <a:p>
+            <a:pPr marL="0" marR="0" lvl="0" indent="0" algn="l" defTabSz="914400" rtl="0" eaLnBrk="0" fontAlgn="base" latinLnBrk="0" hangingPunct="0">
+              <a:lnSpc>
+                <a:spcPct val="100000"/>
+              </a:lnSpc>
+              <a:spcBef>
+                <a:spcPct val="30000"/>
+              </a:spcBef>
+              <a:spcAft>
+                <a:spcPct val="0"/>
+              </a:spcAft>
+              <a:buClrTx/>
+              <a:buSzTx/>
+              <a:buFont typeface="Arial" panose="020B0604020202020204" pitchFamily="34" charset="0"/>
+              <a:buNone/>
+              <a:tabLst/>
+              <a:defRPr/>
+            </a:pPr>
+            <a:r>
+              <a:rPr lang="de-DE"/>
+              <a:t>-&gt; Aus diesen Informationen können auf einfache Weise Gedcom Datenstrukturen erstellt werden</a:t>
+            </a:r>
+          </a:p>
+          <a:p>
+            <a:pPr marL="171450" indent="-171450">
+              <a:buFont typeface="Arial" panose="020B0604020202020204" pitchFamily="34" charset="0"/>
+              <a:buChar char="•"/>
+            </a:pPr>
+            <a:endParaRPr lang="de-DE"/>
+          </a:p>
+        </p:txBody>
+      </p:sp>
+      <p:sp>
+        <p:nvSpPr>
+          <p:cNvPr id="4" name="Foliennummernplatzhalter 3"/>
+          <p:cNvSpPr>
+            <a:spLocks noGrp="1"/>
+          </p:cNvSpPr>
+          <p:nvPr>
+            <p:ph type="sldNum" sz="quarter" idx="5"/>
+          </p:nvPr>
+        </p:nvSpPr>
+        <p:spPr/>
+        <p:txBody>
+          <a:bodyPr/>
+          <a:lstStyle/>
+          <a:p>
+            <a:pPr>
+              <a:defRPr/>
+            </a:pPr>
+            <a:fld id="{862C4B85-5E71-423A-A9E4-96958528BF14}" type="slidenum">
+              <a:rPr lang="de-DE" smtClean="0"/>
+              <a:pPr>
+                <a:defRPr/>
+              </a:pPr>
+              <a:t>17</a:t>
             </a:fld>
-            <a:endParaRPr lang="de-DE" altLang="de-DE"/>
+            <a:endParaRPr lang="de-DE"/>
           </a:p>
         </p:txBody>
       </p:sp>
     </p:spTree>
     <p:extLst>
       <p:ext uri="{BB962C8B-B14F-4D97-AF65-F5344CB8AC3E}">
-        <p14:creationId xmlns:p14="http://schemas.microsoft.com/office/powerpoint/2010/main" val="419161423"/>
+        <p14:creationId xmlns:p14="http://schemas.microsoft.com/office/powerpoint/2010/main" val="587657673"/>
+      </p:ext>
+    </p:extLst>
+  </p:cSld>
+  <p:clrMapOvr>
+    <a:masterClrMapping/>
+  </p:clrMapOvr>
+</p:notes>
+</file>
+
+<file path=ppt/notesSlides/notesSlide18.xml><?xml version="1.0" encoding="utf-8"?>
+<p:notes xmlns:a="http://schemas.openxmlformats.org/drawingml/2006/main" xmlns:r="http://schemas.openxmlformats.org/officeDocument/2006/relationships" xmlns:p="http://schemas.openxmlformats.org/presentationml/2006/main">
+  <p:cSld>
+    <p:spTree>
+      <p:nvGrpSpPr>
+        <p:cNvPr id="1" name=""/>
+        <p:cNvGrpSpPr/>
+        <p:nvPr/>
+      </p:nvGrpSpPr>
+      <p:grpSpPr>
+        <a:xfrm>
+          <a:off x="0" y="0"/>
+          <a:ext cx="0" cy="0"/>
+          <a:chOff x="0" y="0"/>
+          <a:chExt cx="0" cy="0"/>
+        </a:xfrm>
+      </p:grpSpPr>
+      <p:sp>
+        <p:nvSpPr>
+          <p:cNvPr id="2" name="Folienbildplatzhalter 1"/>
+          <p:cNvSpPr>
+            <a:spLocks noGrp="1" noRot="1" noChangeAspect="1"/>
+          </p:cNvSpPr>
+          <p:nvPr>
+            <p:ph type="sldImg"/>
+          </p:nvPr>
+        </p:nvSpPr>
+        <p:spPr/>
+      </p:sp>
+      <p:sp>
+        <p:nvSpPr>
+          <p:cNvPr id="3" name="Notizenplatzhalter 2"/>
+          <p:cNvSpPr>
+            <a:spLocks noGrp="1"/>
+          </p:cNvSpPr>
+          <p:nvPr>
+            <p:ph type="body" idx="1"/>
+          </p:nvPr>
+        </p:nvSpPr>
+        <p:spPr/>
+        <p:txBody>
+          <a:bodyPr/>
+          <a:lstStyle/>
+          <a:p>
+            <a:pPr marL="171450" indent="-171450">
+              <a:buFont typeface="Arial" panose="020B0604020202020204" pitchFamily="34" charset="0"/>
+              <a:buChar char="•"/>
+            </a:pPr>
+            <a:endParaRPr lang="de-DE" dirty="0"/>
+          </a:p>
+        </p:txBody>
+      </p:sp>
+      <p:sp>
+        <p:nvSpPr>
+          <p:cNvPr id="4" name="Foliennummernplatzhalter 3"/>
+          <p:cNvSpPr>
+            <a:spLocks noGrp="1"/>
+          </p:cNvSpPr>
+          <p:nvPr>
+            <p:ph type="sldNum" sz="quarter" idx="5"/>
+          </p:nvPr>
+        </p:nvSpPr>
+        <p:spPr/>
+        <p:txBody>
+          <a:bodyPr/>
+          <a:lstStyle/>
+          <a:p>
+            <a:pPr>
+              <a:defRPr/>
+            </a:pPr>
+            <a:fld id="{862C4B85-5E71-423A-A9E4-96958528BF14}" type="slidenum">
+              <a:rPr lang="de-DE" smtClean="0"/>
+              <a:pPr>
+                <a:defRPr/>
+              </a:pPr>
+              <a:t>18</a:t>
+            </a:fld>
+            <a:endParaRPr lang="de-DE"/>
+          </a:p>
+        </p:txBody>
+      </p:sp>
+    </p:spTree>
+    <p:extLst>
+      <p:ext uri="{BB962C8B-B14F-4D97-AF65-F5344CB8AC3E}">
+        <p14:creationId xmlns:p14="http://schemas.microsoft.com/office/powerpoint/2010/main" val="2232424512"/>
+      </p:ext>
+    </p:extLst>
+  </p:cSld>
+  <p:clrMapOvr>
+    <a:masterClrMapping/>
+  </p:clrMapOvr>
+</p:notes>
+</file>
+
+<file path=ppt/notesSlides/notesSlide19.xml><?xml version="1.0" encoding="utf-8"?>
+<p:notes xmlns:a="http://schemas.openxmlformats.org/drawingml/2006/main" xmlns:r="http://schemas.openxmlformats.org/officeDocument/2006/relationships" xmlns:p="http://schemas.openxmlformats.org/presentationml/2006/main">
+  <p:cSld>
+    <p:spTree>
+      <p:nvGrpSpPr>
+        <p:cNvPr id="1" name=""/>
+        <p:cNvGrpSpPr/>
+        <p:nvPr/>
+      </p:nvGrpSpPr>
+      <p:grpSpPr>
+        <a:xfrm>
+          <a:off x="0" y="0"/>
+          <a:ext cx="0" cy="0"/>
+          <a:chOff x="0" y="0"/>
+          <a:chExt cx="0" cy="0"/>
+        </a:xfrm>
+      </p:grpSpPr>
+      <p:sp>
+        <p:nvSpPr>
+          <p:cNvPr id="2" name="Folienbildplatzhalter 1"/>
+          <p:cNvSpPr>
+            <a:spLocks noGrp="1" noRot="1" noChangeAspect="1"/>
+          </p:cNvSpPr>
+          <p:nvPr>
+            <p:ph type="sldImg"/>
+          </p:nvPr>
+        </p:nvSpPr>
+        <p:spPr/>
+      </p:sp>
+      <p:sp>
+        <p:nvSpPr>
+          <p:cNvPr id="3" name="Notizenplatzhalter 2"/>
+          <p:cNvSpPr>
+            <a:spLocks noGrp="1"/>
+          </p:cNvSpPr>
+          <p:nvPr>
+            <p:ph type="body" idx="1"/>
+          </p:nvPr>
+        </p:nvSpPr>
+        <p:spPr/>
+        <p:txBody>
+          <a:bodyPr/>
+          <a:lstStyle/>
+          <a:p>
+            <a:pPr marL="171450" indent="-171450">
+              <a:buFont typeface="Arial" panose="020B0604020202020204" pitchFamily="34" charset="0"/>
+              <a:buChar char="•"/>
+            </a:pPr>
+            <a:r>
+              <a:rPr lang="de-DE"/>
+              <a:t>Im Laufe der Entwicklung des Projekts wurde deutlich, dass Nearley Regeln für die Gedcom Structures sehr repetitiv sind</a:t>
+            </a:r>
+          </a:p>
+          <a:p>
+            <a:pPr marL="0" indent="0">
+              <a:buFont typeface="Arial" panose="020B0604020202020204" pitchFamily="34" charset="0"/>
+              <a:buNone/>
+            </a:pPr>
+            <a:r>
+              <a:rPr lang="de-DE"/>
+              <a:t>-&gt; Alle lines sind vom Aufbau her gleich und unterscheiden sich an nur wenigen Stellen </a:t>
+            </a:r>
+          </a:p>
+          <a:p>
+            <a:pPr marL="0" indent="0">
+              <a:buFont typeface="Arial" panose="020B0604020202020204" pitchFamily="34" charset="0"/>
+              <a:buNone/>
+            </a:pPr>
+            <a:r>
+              <a:rPr lang="de-DE"/>
+              <a:t>-&gt; Erstellung lässt sich also sehr gut automatisieren</a:t>
+            </a:r>
+          </a:p>
+          <a:p>
+            <a:pPr marL="171450" indent="-171450">
+              <a:buFont typeface="Arial" panose="020B0604020202020204" pitchFamily="34" charset="0"/>
+              <a:buChar char="•"/>
+            </a:pPr>
+            <a:r>
+              <a:rPr lang="de-DE"/>
+              <a:t>Daher das Modul Grammatik Generator erstellt, der die Gedcom7 Spezifikation in eine nearley-konforme Syntax überführt  </a:t>
+            </a:r>
+          </a:p>
+          <a:p>
+            <a:pPr marL="0" indent="0">
+              <a:buFont typeface="Arial" panose="020B0604020202020204" pitchFamily="34" charset="0"/>
+              <a:buNone/>
+            </a:pPr>
+            <a:endParaRPr lang="de-DE"/>
+          </a:p>
+          <a:p>
+            <a:pPr marL="0" indent="0">
+              <a:buFont typeface="Arial" panose="020B0604020202020204" pitchFamily="34" charset="0"/>
+              <a:buNone/>
+            </a:pPr>
+            <a:r>
+              <a:rPr lang="de-DE"/>
+              <a:t>Bietet drei große Vorteile: </a:t>
+            </a:r>
+          </a:p>
+          <a:p>
+            <a:pPr marL="171450" indent="-171450">
+              <a:buFont typeface="Arial" panose="020B0604020202020204" pitchFamily="34" charset="0"/>
+              <a:buChar char="•"/>
+            </a:pPr>
+            <a:r>
+              <a:rPr lang="de-DE"/>
+              <a:t>Automatisierte Erstellung spart viel Arbeit</a:t>
+            </a:r>
+          </a:p>
+          <a:p>
+            <a:pPr marL="171450" indent="-171450">
+              <a:buFont typeface="Arial" panose="020B0604020202020204" pitchFamily="34" charset="0"/>
+              <a:buChar char="•"/>
+            </a:pPr>
+            <a:r>
+              <a:rPr lang="de-DE"/>
+              <a:t>Anforderung der einfachen Erweiterbarkeit der Bibliothek ist erfüllt </a:t>
+            </a:r>
+          </a:p>
+          <a:p>
+            <a:pPr marL="171450" indent="-171450">
+              <a:buFont typeface="Wingdings" panose="05000000000000000000" pitchFamily="2" charset="2"/>
+              <a:buChar char="à"/>
+            </a:pPr>
+            <a:r>
+              <a:rPr lang="de-DE">
+                <a:sym typeface="Wingdings" panose="05000000000000000000" pitchFamily="2" charset="2"/>
+              </a:rPr>
+              <a:t>Wenn In zukünftigen Arbeiten zusätzliche Regeln definiert werden sollen, kann dies auf einfache Weise umgesetzt werden</a:t>
+            </a:r>
+          </a:p>
+          <a:p>
+            <a:pPr marL="171450" indent="-171450">
+              <a:buFont typeface="Arial" panose="020B0604020202020204" pitchFamily="34" charset="0"/>
+              <a:buChar char="•"/>
+            </a:pPr>
+            <a:r>
+              <a:rPr lang="de-DE"/>
+              <a:t>Außerdem bildet der Grammatik Generator ein Fundament für einen wichtigen Use-Case, der in weiterfuhrenden Arbeiten adressiert werden sollte: nämlich der Möglichkeit Extensions zu definieren</a:t>
+            </a:r>
+          </a:p>
+          <a:p>
+            <a:pPr marL="171450" indent="-171450">
+              <a:buFont typeface="Wingdings" panose="05000000000000000000" pitchFamily="2" charset="2"/>
+              <a:buChar char="à"/>
+            </a:pPr>
+            <a:r>
+              <a:rPr lang="de-DE">
+                <a:sym typeface="Wingdings" panose="05000000000000000000" pitchFamily="2" charset="2"/>
+              </a:rPr>
+              <a:t>In Gedcom Spezifikation sind nur die grundlegenden Structures für die Speicherung genealogischer Daten definiert</a:t>
+            </a:r>
+          </a:p>
+          <a:p>
+            <a:pPr marL="171450" indent="-171450">
+              <a:buFont typeface="Wingdings" panose="05000000000000000000" pitchFamily="2" charset="2"/>
+              <a:buChar char="à"/>
+            </a:pPr>
+            <a:r>
+              <a:rPr lang="de-DE">
+                <a:sym typeface="Wingdings" panose="05000000000000000000" pitchFamily="2" charset="2"/>
+              </a:rPr>
+              <a:t>Alles weitere muss über Extensions ausgedrückt werden</a:t>
+            </a:r>
+          </a:p>
+          <a:p>
+            <a:pPr marL="171450" indent="-171450">
+              <a:buFont typeface="Wingdings" panose="05000000000000000000" pitchFamily="2" charset="2"/>
+              <a:buChar char="à"/>
+            </a:pPr>
+            <a:r>
+              <a:rPr lang="de-DE">
+                <a:sym typeface="Wingdings" panose="05000000000000000000" pitchFamily="2" charset="2"/>
+              </a:rPr>
+              <a:t>Sehr wichtiger Use-Case der in Realtiät oft Anwendung findet</a:t>
+            </a:r>
+          </a:p>
+          <a:p>
+            <a:pPr marL="171450" indent="-171450">
+              <a:buFont typeface="Wingdings" panose="05000000000000000000" pitchFamily="2" charset="2"/>
+              <a:buChar char="à"/>
+            </a:pPr>
+            <a:r>
+              <a:rPr lang="de-DE">
+                <a:sym typeface="Wingdings" panose="05000000000000000000" pitchFamily="2" charset="2"/>
+              </a:rPr>
+              <a:t>Kann mit Grammatik Generator einfach umgesetzt werden, in dem in folgenden Arbeiten eine Schnittstelle zum Grammatik Generator entwickelt wird, mit der User die Möglichkeit bekommen, einfach neue Regeln vom Grammatik Generator generieren zu lassen </a:t>
+            </a:r>
+          </a:p>
+        </p:txBody>
+      </p:sp>
+      <p:sp>
+        <p:nvSpPr>
+          <p:cNvPr id="4" name="Foliennummernplatzhalter 3"/>
+          <p:cNvSpPr>
+            <a:spLocks noGrp="1"/>
+          </p:cNvSpPr>
+          <p:nvPr>
+            <p:ph type="sldNum" sz="quarter" idx="5"/>
+          </p:nvPr>
+        </p:nvSpPr>
+        <p:spPr/>
+        <p:txBody>
+          <a:bodyPr/>
+          <a:lstStyle/>
+          <a:p>
+            <a:pPr>
+              <a:defRPr/>
+            </a:pPr>
+            <a:fld id="{862C4B85-5E71-423A-A9E4-96958528BF14}" type="slidenum">
+              <a:rPr lang="de-DE" smtClean="0"/>
+              <a:pPr>
+                <a:defRPr/>
+              </a:pPr>
+              <a:t>19</a:t>
+            </a:fld>
+            <a:endParaRPr lang="de-DE"/>
+          </a:p>
+        </p:txBody>
+      </p:sp>
+    </p:spTree>
+    <p:extLst>
+      <p:ext uri="{BB962C8B-B14F-4D97-AF65-F5344CB8AC3E}">
+        <p14:creationId xmlns:p14="http://schemas.microsoft.com/office/powerpoint/2010/main" val="2658422260"/>
       </p:ext>
     </p:extLst>
   </p:cSld>
@@ -4944,10 +5330,76 @@
           <a:bodyPr/>
           <a:lstStyle/>
           <a:p>
-            <a:pPr marL="171450" indent="-171450">
+            <a:pPr marL="342900" indent="-342900">
               <a:buFont typeface="Arial" panose="020B0604020202020204" pitchFamily="34" charset="0"/>
               <a:buChar char="•"/>
             </a:pPr>
+            <a:r>
+              <a:rPr lang="de-DE" dirty="0"/>
+              <a:t>Den Aufbau unserer Präsentation können Sie in folgender Übersicht sehen:</a:t>
+            </a:r>
+          </a:p>
+          <a:p>
+            <a:pPr marL="342900" indent="-342900">
+              <a:buFont typeface="Arial" panose="020B0604020202020204" pitchFamily="34" charset="0"/>
+              <a:buChar char="•"/>
+            </a:pPr>
+            <a:r>
+              <a:rPr lang="de-DE" dirty="0"/>
+              <a:t>Zielsetzung</a:t>
+            </a:r>
+          </a:p>
+          <a:p>
+            <a:pPr marL="342900" indent="-342900">
+              <a:buFont typeface="Arial" panose="020B0604020202020204" pitchFamily="34" charset="0"/>
+              <a:buChar char="•"/>
+            </a:pPr>
+            <a:r>
+              <a:rPr lang="de-DE" dirty="0"/>
+              <a:t>Genealogie und GEDCOM</a:t>
+            </a:r>
+          </a:p>
+          <a:p>
+            <a:pPr marL="342900" indent="-342900">
+              <a:buFont typeface="Arial" panose="020B0604020202020204" pitchFamily="34" charset="0"/>
+              <a:buChar char="•"/>
+            </a:pPr>
+            <a:r>
+              <a:rPr lang="de-DE" dirty="0"/>
+              <a:t>Konzept</a:t>
+            </a:r>
+          </a:p>
+          <a:p>
+            <a:pPr marL="342900" indent="-342900">
+              <a:buFont typeface="Arial" panose="020B0604020202020204" pitchFamily="34" charset="0"/>
+              <a:buChar char="•"/>
+            </a:pPr>
+            <a:r>
+              <a:rPr lang="de-DE" dirty="0"/>
+              <a:t>Implementierung</a:t>
+            </a:r>
+          </a:p>
+          <a:p>
+            <a:pPr marL="342900" indent="-342900">
+              <a:buFont typeface="Arial" panose="020B0604020202020204" pitchFamily="34" charset="0"/>
+              <a:buChar char="•"/>
+            </a:pPr>
+            <a:r>
+              <a:rPr lang="de-DE" dirty="0"/>
+              <a:t>Test</a:t>
+            </a:r>
+          </a:p>
+          <a:p>
+            <a:pPr marL="342900" indent="-342900">
+              <a:buFont typeface="Arial" panose="020B0604020202020204" pitchFamily="34" charset="0"/>
+              <a:buChar char="•"/>
+            </a:pPr>
+            <a:r>
+              <a:rPr lang="de-DE" dirty="0"/>
+              <a:t>Zusammenfassung &amp; Ausblick</a:t>
+            </a:r>
+          </a:p>
+          <a:p>
             <a:endParaRPr lang="de-DE" dirty="0"/>
           </a:p>
         </p:txBody>
@@ -4975,7 +5427,7 @@
               <a:pPr>
                 <a:defRPr/>
               </a:pPr>
-              <a:t>3</a:t>
+              <a:t>2</a:t>
             </a:fld>
             <a:endParaRPr lang="de-DE"/>
           </a:p>
@@ -4984,7 +5436,1182 @@
     </p:spTree>
     <p:extLst>
       <p:ext uri="{BB962C8B-B14F-4D97-AF65-F5344CB8AC3E}">
-        <p14:creationId xmlns:p14="http://schemas.microsoft.com/office/powerpoint/2010/main" val="2274705638"/>
+        <p14:creationId xmlns:p14="http://schemas.microsoft.com/office/powerpoint/2010/main" val="961585374"/>
+      </p:ext>
+    </p:extLst>
+  </p:cSld>
+  <p:clrMapOvr>
+    <a:masterClrMapping/>
+  </p:clrMapOvr>
+</p:notes>
+</file>
+
+<file path=ppt/notesSlides/notesSlide20.xml><?xml version="1.0" encoding="utf-8"?>
+<p:notes xmlns:a="http://schemas.openxmlformats.org/drawingml/2006/main" xmlns:r="http://schemas.openxmlformats.org/officeDocument/2006/relationships" xmlns:p="http://schemas.openxmlformats.org/presentationml/2006/main">
+  <p:cSld>
+    <p:spTree>
+      <p:nvGrpSpPr>
+        <p:cNvPr id="1" name=""/>
+        <p:cNvGrpSpPr/>
+        <p:nvPr/>
+      </p:nvGrpSpPr>
+      <p:grpSpPr>
+        <a:xfrm>
+          <a:off x="0" y="0"/>
+          <a:ext cx="0" cy="0"/>
+          <a:chOff x="0" y="0"/>
+          <a:chExt cx="0" cy="0"/>
+        </a:xfrm>
+      </p:grpSpPr>
+      <p:sp>
+        <p:nvSpPr>
+          <p:cNvPr id="2" name="Folienbildplatzhalter 1"/>
+          <p:cNvSpPr>
+            <a:spLocks noGrp="1" noRot="1" noChangeAspect="1"/>
+          </p:cNvSpPr>
+          <p:nvPr>
+            <p:ph type="sldImg"/>
+          </p:nvPr>
+        </p:nvSpPr>
+        <p:spPr/>
+      </p:sp>
+      <p:sp>
+        <p:nvSpPr>
+          <p:cNvPr id="3" name="Notizenplatzhalter 2"/>
+          <p:cNvSpPr>
+            <a:spLocks noGrp="1"/>
+          </p:cNvSpPr>
+          <p:nvPr>
+            <p:ph type="body" idx="1"/>
+          </p:nvPr>
+        </p:nvSpPr>
+        <p:spPr/>
+        <p:txBody>
+          <a:bodyPr/>
+          <a:lstStyle/>
+          <a:p>
+            <a:pPr marL="171450" indent="-171450">
+              <a:buFont typeface="Arial" panose="020B0604020202020204" pitchFamily="34" charset="0"/>
+              <a:buChar char="•"/>
+            </a:pPr>
+            <a:endParaRPr lang="de-DE" dirty="0"/>
+          </a:p>
+        </p:txBody>
+      </p:sp>
+      <p:sp>
+        <p:nvSpPr>
+          <p:cNvPr id="4" name="Foliennummernplatzhalter 3"/>
+          <p:cNvSpPr>
+            <a:spLocks noGrp="1"/>
+          </p:cNvSpPr>
+          <p:nvPr>
+            <p:ph type="sldNum" sz="quarter" idx="5"/>
+          </p:nvPr>
+        </p:nvSpPr>
+        <p:spPr/>
+        <p:txBody>
+          <a:bodyPr/>
+          <a:lstStyle/>
+          <a:p>
+            <a:pPr>
+              <a:defRPr/>
+            </a:pPr>
+            <a:fld id="{862C4B85-5E71-423A-A9E4-96958528BF14}" type="slidenum">
+              <a:rPr lang="de-DE" smtClean="0"/>
+              <a:pPr>
+                <a:defRPr/>
+              </a:pPr>
+              <a:t>20</a:t>
+            </a:fld>
+            <a:endParaRPr lang="de-DE"/>
+          </a:p>
+        </p:txBody>
+      </p:sp>
+    </p:spTree>
+    <p:extLst>
+      <p:ext uri="{BB962C8B-B14F-4D97-AF65-F5344CB8AC3E}">
+        <p14:creationId xmlns:p14="http://schemas.microsoft.com/office/powerpoint/2010/main" val="187496863"/>
+      </p:ext>
+    </p:extLst>
+  </p:cSld>
+  <p:clrMapOvr>
+    <a:masterClrMapping/>
+  </p:clrMapOvr>
+</p:notes>
+</file>
+
+<file path=ppt/notesSlides/notesSlide21.xml><?xml version="1.0" encoding="utf-8"?>
+<p:notes xmlns:a="http://schemas.openxmlformats.org/drawingml/2006/main" xmlns:r="http://schemas.openxmlformats.org/officeDocument/2006/relationships" xmlns:p="http://schemas.openxmlformats.org/presentationml/2006/main">
+  <p:cSld>
+    <p:spTree>
+      <p:nvGrpSpPr>
+        <p:cNvPr id="1" name=""/>
+        <p:cNvGrpSpPr/>
+        <p:nvPr/>
+      </p:nvGrpSpPr>
+      <p:grpSpPr>
+        <a:xfrm>
+          <a:off x="0" y="0"/>
+          <a:ext cx="0" cy="0"/>
+          <a:chOff x="0" y="0"/>
+          <a:chExt cx="0" cy="0"/>
+        </a:xfrm>
+      </p:grpSpPr>
+      <p:sp>
+        <p:nvSpPr>
+          <p:cNvPr id="2" name="Folienbildplatzhalter 1"/>
+          <p:cNvSpPr>
+            <a:spLocks noGrp="1" noRot="1" noChangeAspect="1"/>
+          </p:cNvSpPr>
+          <p:nvPr>
+            <p:ph type="sldImg"/>
+          </p:nvPr>
+        </p:nvSpPr>
+        <p:spPr/>
+      </p:sp>
+      <p:sp>
+        <p:nvSpPr>
+          <p:cNvPr id="3" name="Notizenplatzhalter 2"/>
+          <p:cNvSpPr>
+            <a:spLocks noGrp="1"/>
+          </p:cNvSpPr>
+          <p:nvPr>
+            <p:ph type="body" idx="1"/>
+          </p:nvPr>
+        </p:nvSpPr>
+        <p:spPr/>
+        <p:txBody>
+          <a:bodyPr/>
+          <a:lstStyle/>
+          <a:p>
+            <a:pPr marL="171450" indent="-171450">
+              <a:buFont typeface="Arial" panose="020B0604020202020204" pitchFamily="34" charset="0"/>
+              <a:buChar char="•"/>
+            </a:pPr>
+            <a:endParaRPr lang="de-DE" dirty="0"/>
+          </a:p>
+        </p:txBody>
+      </p:sp>
+      <p:sp>
+        <p:nvSpPr>
+          <p:cNvPr id="4" name="Foliennummernplatzhalter 3"/>
+          <p:cNvSpPr>
+            <a:spLocks noGrp="1"/>
+          </p:cNvSpPr>
+          <p:nvPr>
+            <p:ph type="sldNum" sz="quarter" idx="5"/>
+          </p:nvPr>
+        </p:nvSpPr>
+        <p:spPr/>
+        <p:txBody>
+          <a:bodyPr/>
+          <a:lstStyle/>
+          <a:p>
+            <a:pPr>
+              <a:defRPr/>
+            </a:pPr>
+            <a:fld id="{862C4B85-5E71-423A-A9E4-96958528BF14}" type="slidenum">
+              <a:rPr lang="de-DE" smtClean="0"/>
+              <a:pPr>
+                <a:defRPr/>
+              </a:pPr>
+              <a:t>23</a:t>
+            </a:fld>
+            <a:endParaRPr lang="de-DE"/>
+          </a:p>
+        </p:txBody>
+      </p:sp>
+    </p:spTree>
+    <p:extLst>
+      <p:ext uri="{BB962C8B-B14F-4D97-AF65-F5344CB8AC3E}">
+        <p14:creationId xmlns:p14="http://schemas.microsoft.com/office/powerpoint/2010/main" val="1401220414"/>
+      </p:ext>
+    </p:extLst>
+  </p:cSld>
+  <p:clrMapOvr>
+    <a:masterClrMapping/>
+  </p:clrMapOvr>
+</p:notes>
+</file>
+
+<file path=ppt/notesSlides/notesSlide22.xml><?xml version="1.0" encoding="utf-8"?>
+<p:notes xmlns:a="http://schemas.openxmlformats.org/drawingml/2006/main" xmlns:r="http://schemas.openxmlformats.org/officeDocument/2006/relationships" xmlns:p="http://schemas.openxmlformats.org/presentationml/2006/main">
+  <p:cSld>
+    <p:spTree>
+      <p:nvGrpSpPr>
+        <p:cNvPr id="1" name=""/>
+        <p:cNvGrpSpPr/>
+        <p:nvPr/>
+      </p:nvGrpSpPr>
+      <p:grpSpPr>
+        <a:xfrm>
+          <a:off x="0" y="0"/>
+          <a:ext cx="0" cy="0"/>
+          <a:chOff x="0" y="0"/>
+          <a:chExt cx="0" cy="0"/>
+        </a:xfrm>
+      </p:grpSpPr>
+      <p:sp>
+        <p:nvSpPr>
+          <p:cNvPr id="2" name="Folienbildplatzhalter 1"/>
+          <p:cNvSpPr>
+            <a:spLocks noGrp="1" noRot="1" noChangeAspect="1"/>
+          </p:cNvSpPr>
+          <p:nvPr>
+            <p:ph type="sldImg"/>
+          </p:nvPr>
+        </p:nvSpPr>
+        <p:spPr/>
+      </p:sp>
+      <p:sp>
+        <p:nvSpPr>
+          <p:cNvPr id="3" name="Notizenplatzhalter 2"/>
+          <p:cNvSpPr>
+            <a:spLocks noGrp="1"/>
+          </p:cNvSpPr>
+          <p:nvPr>
+            <p:ph type="body" idx="1"/>
+          </p:nvPr>
+        </p:nvSpPr>
+        <p:spPr/>
+        <p:txBody>
+          <a:bodyPr/>
+          <a:lstStyle/>
+          <a:p>
+            <a:pPr marL="171450" marR="0" lvl="0" indent="-171450" algn="l" defTabSz="914400" rtl="0" eaLnBrk="0" fontAlgn="base" latinLnBrk="0" hangingPunct="0">
+              <a:lnSpc>
+                <a:spcPct val="100000"/>
+              </a:lnSpc>
+              <a:spcBef>
+                <a:spcPct val="30000"/>
+              </a:spcBef>
+              <a:spcAft>
+                <a:spcPct val="0"/>
+              </a:spcAft>
+              <a:buClrTx/>
+              <a:buSzTx/>
+              <a:buFont typeface="Arial" panose="020B0604020202020204" pitchFamily="34" charset="0"/>
+              <a:buChar char="•"/>
+              <a:tabLst/>
+              <a:defRPr/>
+            </a:pPr>
+            <a:r>
+              <a:rPr lang="de-DE"/>
+              <a:t>Um unsere Bibliothek robust erweitern zu können, haben wir Tests eingesetzt.</a:t>
+            </a:r>
+          </a:p>
+          <a:p>
+            <a:pPr marL="171450" indent="-171450">
+              <a:buFont typeface="Arial" panose="020B0604020202020204" pitchFamily="34" charset="0"/>
+              <a:buChar char="•"/>
+            </a:pPr>
+            <a:endParaRPr lang="de-DE" dirty="0"/>
+          </a:p>
+        </p:txBody>
+      </p:sp>
+      <p:sp>
+        <p:nvSpPr>
+          <p:cNvPr id="4" name="Foliennummernplatzhalter 3"/>
+          <p:cNvSpPr>
+            <a:spLocks noGrp="1"/>
+          </p:cNvSpPr>
+          <p:nvPr>
+            <p:ph type="sldNum" sz="quarter" idx="5"/>
+          </p:nvPr>
+        </p:nvSpPr>
+        <p:spPr/>
+        <p:txBody>
+          <a:bodyPr/>
+          <a:lstStyle/>
+          <a:p>
+            <a:pPr>
+              <a:defRPr/>
+            </a:pPr>
+            <a:fld id="{862C4B85-5E71-423A-A9E4-96958528BF14}" type="slidenum">
+              <a:rPr lang="de-DE" smtClean="0"/>
+              <a:pPr>
+                <a:defRPr/>
+              </a:pPr>
+              <a:t>26</a:t>
+            </a:fld>
+            <a:endParaRPr lang="de-DE"/>
+          </a:p>
+        </p:txBody>
+      </p:sp>
+    </p:spTree>
+    <p:extLst>
+      <p:ext uri="{BB962C8B-B14F-4D97-AF65-F5344CB8AC3E}">
+        <p14:creationId xmlns:p14="http://schemas.microsoft.com/office/powerpoint/2010/main" val="2106371861"/>
+      </p:ext>
+    </p:extLst>
+  </p:cSld>
+  <p:clrMapOvr>
+    <a:masterClrMapping/>
+  </p:clrMapOvr>
+</p:notes>
+</file>
+
+<file path=ppt/notesSlides/notesSlide23.xml><?xml version="1.0" encoding="utf-8"?>
+<p:notes xmlns:a="http://schemas.openxmlformats.org/drawingml/2006/main" xmlns:r="http://schemas.openxmlformats.org/officeDocument/2006/relationships" xmlns:p="http://schemas.openxmlformats.org/presentationml/2006/main">
+  <p:cSld>
+    <p:spTree>
+      <p:nvGrpSpPr>
+        <p:cNvPr id="1" name=""/>
+        <p:cNvGrpSpPr/>
+        <p:nvPr/>
+      </p:nvGrpSpPr>
+      <p:grpSpPr>
+        <a:xfrm>
+          <a:off x="0" y="0"/>
+          <a:ext cx="0" cy="0"/>
+          <a:chOff x="0" y="0"/>
+          <a:chExt cx="0" cy="0"/>
+        </a:xfrm>
+      </p:grpSpPr>
+      <p:sp>
+        <p:nvSpPr>
+          <p:cNvPr id="2" name="Folienbildplatzhalter 1"/>
+          <p:cNvSpPr>
+            <a:spLocks noGrp="1" noRot="1" noChangeAspect="1"/>
+          </p:cNvSpPr>
+          <p:nvPr>
+            <p:ph type="sldImg"/>
+          </p:nvPr>
+        </p:nvSpPr>
+        <p:spPr/>
+      </p:sp>
+      <p:sp>
+        <p:nvSpPr>
+          <p:cNvPr id="3" name="Notizenplatzhalter 2"/>
+          <p:cNvSpPr>
+            <a:spLocks noGrp="1"/>
+          </p:cNvSpPr>
+          <p:nvPr>
+            <p:ph type="body" idx="1"/>
+          </p:nvPr>
+        </p:nvSpPr>
+        <p:spPr/>
+        <p:txBody>
+          <a:bodyPr/>
+          <a:lstStyle/>
+          <a:p>
+            <a:pPr marL="171450" indent="-171450">
+              <a:buFont typeface="Arial" panose="020B0604020202020204" pitchFamily="34" charset="0"/>
+              <a:buChar char="•"/>
+            </a:pPr>
+            <a:r>
+              <a:rPr lang="de-DE" dirty="0"/>
+              <a:t>Zum Testen haben wir das JavaScript Framework Mocha verwendet</a:t>
+            </a:r>
+          </a:p>
+          <a:p>
+            <a:pPr marL="171450" indent="-171450">
+              <a:buFont typeface="Arial" panose="020B0604020202020204" pitchFamily="34" charset="0"/>
+              <a:buChar char="•"/>
+            </a:pPr>
+            <a:r>
+              <a:rPr lang="de-DE" dirty="0"/>
+              <a:t>Wir haben insgesamt 176 Tests und über 80 </a:t>
+            </a:r>
+            <a:r>
+              <a:rPr lang="de-DE" dirty="0" err="1"/>
+              <a:t>Gedcom</a:t>
+            </a:r>
+            <a:r>
+              <a:rPr lang="de-DE" dirty="0"/>
+              <a:t> Dateien erstellt </a:t>
+            </a:r>
+          </a:p>
+          <a:p>
+            <a:pPr marL="171450" indent="-171450">
+              <a:buFont typeface="Arial" panose="020B0604020202020204" pitchFamily="34" charset="0"/>
+              <a:buChar char="•"/>
+            </a:pPr>
+            <a:r>
+              <a:rPr lang="de-DE" dirty="0"/>
+              <a:t>Um die folgenden Features zu testen:</a:t>
+            </a:r>
+          </a:p>
+          <a:p>
+            <a:pPr marL="628650" lvl="1" indent="-171450">
+              <a:buFont typeface="Arial" panose="020B0604020202020204" pitchFamily="34" charset="0"/>
+              <a:buChar char="•"/>
+            </a:pPr>
+            <a:r>
+              <a:rPr lang="de-DE" dirty="0"/>
+              <a:t>Parser: </a:t>
+            </a:r>
+          </a:p>
+          <a:p>
+            <a:pPr marL="1085850" lvl="2" indent="-171450">
+              <a:buFont typeface="Arial" panose="020B0604020202020204" pitchFamily="34" charset="0"/>
+              <a:buChar char="•"/>
+            </a:pPr>
+            <a:r>
+              <a:rPr lang="de-DE" dirty="0"/>
+              <a:t>Können Datasets aus spezifikationskonformen Dateien richtig erstellt werden</a:t>
+            </a:r>
+          </a:p>
+          <a:p>
+            <a:pPr marL="1085850" lvl="2" indent="-171450">
+              <a:buFont typeface="Arial" panose="020B0604020202020204" pitchFamily="34" charset="0"/>
+              <a:buChar char="•"/>
+            </a:pPr>
+            <a:r>
+              <a:rPr lang="de-DE" dirty="0"/>
+              <a:t>Werden Syntax-Fehler geworfen bei Nicht-Spezifikationskonformen Dateien</a:t>
+            </a:r>
+          </a:p>
+          <a:p>
+            <a:pPr marL="1085850" lvl="2" indent="-171450">
+              <a:buFont typeface="Arial" panose="020B0604020202020204" pitchFamily="34" charset="0"/>
+              <a:buChar char="•"/>
+            </a:pPr>
+            <a:r>
+              <a:rPr lang="de-DE" dirty="0"/>
+              <a:t>Usw.</a:t>
+            </a:r>
+          </a:p>
+          <a:p>
+            <a:pPr marL="628650" lvl="1" indent="-171450">
+              <a:buFont typeface="Arial" panose="020B0604020202020204" pitchFamily="34" charset="0"/>
+              <a:buChar char="•"/>
+            </a:pPr>
+            <a:r>
+              <a:rPr lang="de-DE"/>
+              <a:t>Dataset Klasse:</a:t>
+            </a:r>
+            <a:endParaRPr lang="de-DE" dirty="0"/>
+          </a:p>
+          <a:p>
+            <a:pPr marL="1085850" lvl="2" indent="-171450">
+              <a:buFont typeface="Arial" panose="020B0604020202020204" pitchFamily="34" charset="0"/>
+              <a:buChar char="•"/>
+            </a:pPr>
+            <a:r>
+              <a:rPr lang="de-DE" dirty="0"/>
+              <a:t>Werden Gedcom7 Dateien richtig eingelesen</a:t>
+            </a:r>
+          </a:p>
+          <a:p>
+            <a:pPr marL="1085850" lvl="2" indent="-171450">
+              <a:buFont typeface="Arial" panose="020B0604020202020204" pitchFamily="34" charset="0"/>
+              <a:buChar char="•"/>
+            </a:pPr>
+            <a:r>
+              <a:rPr lang="de-DE" dirty="0"/>
+              <a:t>Und können sie anschließend wieder exakt gleich ausgegeben werden</a:t>
+            </a:r>
+          </a:p>
+          <a:p>
+            <a:pPr marL="1085850" lvl="2" indent="-171450">
+              <a:buFont typeface="Arial" panose="020B0604020202020204" pitchFamily="34" charset="0"/>
+              <a:buChar char="•"/>
+            </a:pPr>
+            <a:r>
+              <a:rPr lang="de-DE" dirty="0"/>
+              <a:t>Methoden und Error-</a:t>
+            </a:r>
+            <a:r>
+              <a:rPr lang="de-DE" dirty="0" err="1"/>
+              <a:t>Detection</a:t>
+            </a:r>
+            <a:r>
+              <a:rPr lang="de-DE" dirty="0"/>
+              <a:t> der Klasse</a:t>
+            </a:r>
+          </a:p>
+          <a:p>
+            <a:pPr marL="628650" lvl="1" indent="-171450">
+              <a:buFont typeface="Arial" panose="020B0604020202020204" pitchFamily="34" charset="0"/>
+              <a:buChar char="•"/>
+            </a:pPr>
+            <a:r>
+              <a:rPr lang="de-DE" dirty="0" err="1"/>
+              <a:t>Structure</a:t>
+            </a:r>
+            <a:r>
+              <a:rPr lang="de-DE" dirty="0"/>
+              <a:t> Klasse:</a:t>
+            </a:r>
+          </a:p>
+          <a:p>
+            <a:pPr marL="1085850" lvl="2" indent="-171450">
+              <a:buFont typeface="Arial" panose="020B0604020202020204" pitchFamily="34" charset="0"/>
+              <a:buChar char="•"/>
+            </a:pPr>
+            <a:r>
+              <a:rPr lang="de-DE" dirty="0"/>
+              <a:t>Tests von Lesenden und Bearbeitenden Methoden </a:t>
+            </a:r>
+          </a:p>
+          <a:p>
+            <a:pPr marL="1085850" lvl="2" indent="-171450">
+              <a:buFont typeface="Arial" panose="020B0604020202020204" pitchFamily="34" charset="0"/>
+              <a:buChar char="•"/>
+            </a:pPr>
+            <a:r>
+              <a:rPr lang="de-DE" dirty="0"/>
+              <a:t>Mit gültigen und ungültigen Parametern</a:t>
+            </a:r>
+          </a:p>
+          <a:p>
+            <a:pPr marL="1085850" lvl="2" indent="-171450">
+              <a:buFont typeface="Arial" panose="020B0604020202020204" pitchFamily="34" charset="0"/>
+              <a:buChar char="•"/>
+            </a:pPr>
+            <a:endParaRPr lang="de-DE" dirty="0"/>
+          </a:p>
+        </p:txBody>
+      </p:sp>
+      <p:sp>
+        <p:nvSpPr>
+          <p:cNvPr id="4" name="Foliennummernplatzhalter 3"/>
+          <p:cNvSpPr>
+            <a:spLocks noGrp="1"/>
+          </p:cNvSpPr>
+          <p:nvPr>
+            <p:ph type="sldNum" sz="quarter" idx="5"/>
+          </p:nvPr>
+        </p:nvSpPr>
+        <p:spPr/>
+        <p:txBody>
+          <a:bodyPr/>
+          <a:lstStyle/>
+          <a:p>
+            <a:pPr>
+              <a:defRPr/>
+            </a:pPr>
+            <a:fld id="{862C4B85-5E71-423A-A9E4-96958528BF14}" type="slidenum">
+              <a:rPr lang="de-DE" smtClean="0"/>
+              <a:pPr>
+                <a:defRPr/>
+              </a:pPr>
+              <a:t>27</a:t>
+            </a:fld>
+            <a:endParaRPr lang="de-DE"/>
+          </a:p>
+        </p:txBody>
+      </p:sp>
+    </p:spTree>
+    <p:extLst>
+      <p:ext uri="{BB962C8B-B14F-4D97-AF65-F5344CB8AC3E}">
+        <p14:creationId xmlns:p14="http://schemas.microsoft.com/office/powerpoint/2010/main" val="1886832536"/>
+      </p:ext>
+    </p:extLst>
+  </p:cSld>
+  <p:clrMapOvr>
+    <a:masterClrMapping/>
+  </p:clrMapOvr>
+</p:notes>
+</file>
+
+<file path=ppt/notesSlides/notesSlide24.xml><?xml version="1.0" encoding="utf-8"?>
+<p:notes xmlns:a="http://schemas.openxmlformats.org/drawingml/2006/main" xmlns:r="http://schemas.openxmlformats.org/officeDocument/2006/relationships" xmlns:p="http://schemas.openxmlformats.org/presentationml/2006/main">
+  <p:cSld>
+    <p:spTree>
+      <p:nvGrpSpPr>
+        <p:cNvPr id="1" name=""/>
+        <p:cNvGrpSpPr/>
+        <p:nvPr/>
+      </p:nvGrpSpPr>
+      <p:grpSpPr>
+        <a:xfrm>
+          <a:off x="0" y="0"/>
+          <a:ext cx="0" cy="0"/>
+          <a:chOff x="0" y="0"/>
+          <a:chExt cx="0" cy="0"/>
+        </a:xfrm>
+      </p:grpSpPr>
+      <p:sp>
+        <p:nvSpPr>
+          <p:cNvPr id="2" name="Folienbildplatzhalter 1"/>
+          <p:cNvSpPr>
+            <a:spLocks noGrp="1" noRot="1" noChangeAspect="1"/>
+          </p:cNvSpPr>
+          <p:nvPr>
+            <p:ph type="sldImg"/>
+          </p:nvPr>
+        </p:nvSpPr>
+        <p:spPr/>
+      </p:sp>
+      <p:sp>
+        <p:nvSpPr>
+          <p:cNvPr id="3" name="Notizenplatzhalter 2"/>
+          <p:cNvSpPr>
+            <a:spLocks noGrp="1"/>
+          </p:cNvSpPr>
+          <p:nvPr>
+            <p:ph type="body" idx="1"/>
+          </p:nvPr>
+        </p:nvSpPr>
+        <p:spPr/>
+        <p:txBody>
+          <a:bodyPr/>
+          <a:lstStyle/>
+          <a:p>
+            <a:pPr marL="171450" indent="-171450">
+              <a:buFont typeface="Arial" panose="020B0604020202020204" pitchFamily="34" charset="0"/>
+              <a:buChar char="•"/>
+            </a:pPr>
+            <a:endParaRPr lang="de-DE" dirty="0"/>
+          </a:p>
+        </p:txBody>
+      </p:sp>
+      <p:sp>
+        <p:nvSpPr>
+          <p:cNvPr id="4" name="Foliennummernplatzhalter 3"/>
+          <p:cNvSpPr>
+            <a:spLocks noGrp="1"/>
+          </p:cNvSpPr>
+          <p:nvPr>
+            <p:ph type="sldNum" sz="quarter" idx="5"/>
+          </p:nvPr>
+        </p:nvSpPr>
+        <p:spPr/>
+        <p:txBody>
+          <a:bodyPr/>
+          <a:lstStyle/>
+          <a:p>
+            <a:pPr>
+              <a:defRPr/>
+            </a:pPr>
+            <a:fld id="{862C4B85-5E71-423A-A9E4-96958528BF14}" type="slidenum">
+              <a:rPr lang="de-DE" smtClean="0"/>
+              <a:pPr>
+                <a:defRPr/>
+              </a:pPr>
+              <a:t>28</a:t>
+            </a:fld>
+            <a:endParaRPr lang="de-DE"/>
+          </a:p>
+        </p:txBody>
+      </p:sp>
+    </p:spTree>
+    <p:extLst>
+      <p:ext uri="{BB962C8B-B14F-4D97-AF65-F5344CB8AC3E}">
+        <p14:creationId xmlns:p14="http://schemas.microsoft.com/office/powerpoint/2010/main" val="164527364"/>
+      </p:ext>
+    </p:extLst>
+  </p:cSld>
+  <p:clrMapOvr>
+    <a:masterClrMapping/>
+  </p:clrMapOvr>
+</p:notes>
+</file>
+
+<file path=ppt/notesSlides/notesSlide25.xml><?xml version="1.0" encoding="utf-8"?>
+<p:notes xmlns:a="http://schemas.openxmlformats.org/drawingml/2006/main" xmlns:r="http://schemas.openxmlformats.org/officeDocument/2006/relationships" xmlns:p="http://schemas.openxmlformats.org/presentationml/2006/main">
+  <p:cSld>
+    <p:spTree>
+      <p:nvGrpSpPr>
+        <p:cNvPr id="1" name=""/>
+        <p:cNvGrpSpPr/>
+        <p:nvPr/>
+      </p:nvGrpSpPr>
+      <p:grpSpPr>
+        <a:xfrm>
+          <a:off x="0" y="0"/>
+          <a:ext cx="0" cy="0"/>
+          <a:chOff x="0" y="0"/>
+          <a:chExt cx="0" cy="0"/>
+        </a:xfrm>
+      </p:grpSpPr>
+      <p:sp>
+        <p:nvSpPr>
+          <p:cNvPr id="2" name="Folienbildplatzhalter 1"/>
+          <p:cNvSpPr>
+            <a:spLocks noGrp="1" noRot="1" noChangeAspect="1"/>
+          </p:cNvSpPr>
+          <p:nvPr>
+            <p:ph type="sldImg"/>
+          </p:nvPr>
+        </p:nvSpPr>
+        <p:spPr/>
+      </p:sp>
+      <p:sp>
+        <p:nvSpPr>
+          <p:cNvPr id="3" name="Notizenplatzhalter 2"/>
+          <p:cNvSpPr>
+            <a:spLocks noGrp="1"/>
+          </p:cNvSpPr>
+          <p:nvPr>
+            <p:ph type="body" idx="1"/>
+          </p:nvPr>
+        </p:nvSpPr>
+        <p:spPr/>
+        <p:txBody>
+          <a:bodyPr/>
+          <a:lstStyle/>
+          <a:p>
+            <a:pPr marL="171450" indent="-171450">
+              <a:buFont typeface="Arial" panose="020B0604020202020204" pitchFamily="34" charset="0"/>
+              <a:buChar char="•"/>
+            </a:pPr>
+            <a:r>
+              <a:rPr lang="de-DE" dirty="0"/>
+              <a:t>Zusammenfassend haben wir mit gedcom7.js eine Bibliothek für das</a:t>
+            </a:r>
+          </a:p>
+          <a:p>
+            <a:pPr marL="628650" lvl="1" indent="-171450">
+              <a:buFont typeface="Arial" panose="020B0604020202020204" pitchFamily="34" charset="0"/>
+              <a:buChar char="•"/>
+            </a:pPr>
+            <a:r>
+              <a:rPr lang="de-DE" dirty="0"/>
+              <a:t>Anlegen</a:t>
+            </a:r>
+          </a:p>
+          <a:p>
+            <a:pPr marL="628650" lvl="1" indent="-171450">
+              <a:buFont typeface="Arial" panose="020B0604020202020204" pitchFamily="34" charset="0"/>
+              <a:buChar char="•"/>
+            </a:pPr>
+            <a:r>
+              <a:rPr lang="de-DE" dirty="0"/>
+              <a:t>Verarbeiten</a:t>
+            </a:r>
+          </a:p>
+          <a:p>
+            <a:pPr marL="628650" lvl="1" indent="-171450">
+              <a:buFont typeface="Arial" panose="020B0604020202020204" pitchFamily="34" charset="0"/>
+              <a:buChar char="•"/>
+            </a:pPr>
+            <a:r>
+              <a:rPr lang="de-DE" dirty="0"/>
+              <a:t>Und Schreiben</a:t>
+            </a:r>
+          </a:p>
+          <a:p>
+            <a:pPr marL="628650" lvl="1" indent="-171450">
+              <a:buFont typeface="Arial" panose="020B0604020202020204" pitchFamily="34" charset="0"/>
+              <a:buChar char="•"/>
+            </a:pPr>
+            <a:r>
+              <a:rPr lang="de-DE" dirty="0"/>
+              <a:t>Von GEDCOM v7 Dateien erstellt</a:t>
+            </a:r>
+          </a:p>
+          <a:p>
+            <a:pPr marL="628650" lvl="1" indent="-171450">
+              <a:buFont typeface="Arial" panose="020B0604020202020204" pitchFamily="34" charset="0"/>
+              <a:buChar char="•"/>
+            </a:pPr>
+            <a:endParaRPr lang="de-DE" dirty="0"/>
+          </a:p>
+          <a:p>
+            <a:pPr marL="171450" lvl="0" indent="-171450">
+              <a:buFont typeface="Arial" panose="020B0604020202020204" pitchFamily="34" charset="0"/>
+              <a:buChar char="•"/>
+            </a:pPr>
+            <a:r>
+              <a:rPr lang="de-DE" dirty="0"/>
+              <a:t>Sie besteht aus den vier Hauptkomponenten</a:t>
+            </a:r>
+          </a:p>
+          <a:p>
+            <a:pPr marL="628650" lvl="1" indent="-171450">
+              <a:buFont typeface="Arial" panose="020B0604020202020204" pitchFamily="34" charset="0"/>
+              <a:buChar char="•"/>
+            </a:pPr>
+            <a:r>
+              <a:rPr lang="de-DE" dirty="0"/>
+              <a:t>Wobei die </a:t>
+            </a:r>
+            <a:r>
+              <a:rPr lang="de-DE" dirty="0" err="1"/>
+              <a:t>Gedcom</a:t>
+            </a:r>
+            <a:r>
+              <a:rPr lang="de-DE" dirty="0"/>
+              <a:t> Datenstrukturen hauptverantwortlich </a:t>
+            </a:r>
+            <a:br>
+              <a:rPr lang="de-DE" dirty="0"/>
+            </a:br>
+            <a:r>
+              <a:rPr lang="de-DE" dirty="0"/>
+              <a:t>für die Interaktion mit den Inhalten einer </a:t>
+            </a:r>
+            <a:r>
+              <a:rPr lang="de-DE" dirty="0" err="1"/>
+              <a:t>Gedcom</a:t>
+            </a:r>
+            <a:r>
+              <a:rPr lang="de-DE" dirty="0"/>
+              <a:t>-Datei sind</a:t>
+            </a:r>
+          </a:p>
+          <a:p>
+            <a:pPr marL="628650" lvl="1" indent="-171450">
+              <a:buFont typeface="Arial" panose="020B0604020202020204" pitchFamily="34" charset="0"/>
+              <a:buChar char="•"/>
+            </a:pPr>
+            <a:r>
+              <a:rPr lang="de-DE" dirty="0"/>
+              <a:t>Der Parser, welcher mit Hilfe der Grammatik aus einer Datei oder einem String ein</a:t>
+            </a:r>
+            <a:br>
+              <a:rPr lang="de-DE" dirty="0"/>
+            </a:br>
+            <a:r>
+              <a:rPr lang="de-DE" dirty="0"/>
+              <a:t>Dataset erstellen kann</a:t>
+            </a:r>
+          </a:p>
+          <a:p>
+            <a:pPr marL="628650" lvl="1" indent="-171450">
+              <a:buFont typeface="Arial" panose="020B0604020202020204" pitchFamily="34" charset="0"/>
+              <a:buChar char="•"/>
+            </a:pPr>
+            <a:r>
+              <a:rPr lang="de-DE" dirty="0"/>
+              <a:t>Bis zum zum </a:t>
+            </a:r>
+            <a:r>
+              <a:rPr lang="de-DE" dirty="0" err="1"/>
+              <a:t>GrammarGenerator</a:t>
+            </a:r>
+            <a:r>
+              <a:rPr lang="de-DE" dirty="0"/>
+              <a:t>, welcher das Implementieren neuer Grammatiken</a:t>
+            </a:r>
+            <a:br>
+              <a:rPr lang="de-DE" dirty="0"/>
+            </a:br>
+            <a:r>
+              <a:rPr lang="de-DE" dirty="0"/>
+              <a:t>deutlich vereinfacht</a:t>
+            </a:r>
+          </a:p>
+          <a:p>
+            <a:pPr marL="628650" lvl="1" indent="-171450">
+              <a:buFont typeface="Arial" panose="020B0604020202020204" pitchFamily="34" charset="0"/>
+              <a:buChar char="•"/>
+            </a:pPr>
+            <a:endParaRPr lang="de-DE" dirty="0"/>
+          </a:p>
+          <a:p>
+            <a:pPr marL="171450" lvl="0" indent="-171450">
+              <a:buFont typeface="Arial" panose="020B0604020202020204" pitchFamily="34" charset="0"/>
+              <a:buChar char="•"/>
+            </a:pPr>
+            <a:r>
+              <a:rPr lang="de-DE" dirty="0"/>
+              <a:t>Ein besonderes Alleinstellungsmerkmal ist die genaue Spezifikationsüberprüfung</a:t>
+            </a:r>
+          </a:p>
+          <a:p>
+            <a:pPr marL="171450" lvl="0" indent="-171450">
+              <a:buFont typeface="Arial" panose="020B0604020202020204" pitchFamily="34" charset="0"/>
+              <a:buChar char="•"/>
+            </a:pPr>
+            <a:r>
+              <a:rPr lang="de-DE" dirty="0"/>
+              <a:t>Gedcom7.js ist eine solide Basis-Bibliothek die sich bestens erweitern und vervollständigen lässt</a:t>
+            </a:r>
+          </a:p>
+        </p:txBody>
+      </p:sp>
+      <p:sp>
+        <p:nvSpPr>
+          <p:cNvPr id="4" name="Foliennummernplatzhalter 3"/>
+          <p:cNvSpPr>
+            <a:spLocks noGrp="1"/>
+          </p:cNvSpPr>
+          <p:nvPr>
+            <p:ph type="sldNum" sz="quarter" idx="5"/>
+          </p:nvPr>
+        </p:nvSpPr>
+        <p:spPr/>
+        <p:txBody>
+          <a:bodyPr/>
+          <a:lstStyle/>
+          <a:p>
+            <a:pPr>
+              <a:defRPr/>
+            </a:pPr>
+            <a:fld id="{862C4B85-5E71-423A-A9E4-96958528BF14}" type="slidenum">
+              <a:rPr lang="de-DE" smtClean="0"/>
+              <a:pPr>
+                <a:defRPr/>
+              </a:pPr>
+              <a:t>29</a:t>
+            </a:fld>
+            <a:endParaRPr lang="de-DE"/>
+          </a:p>
+        </p:txBody>
+      </p:sp>
+    </p:spTree>
+    <p:extLst>
+      <p:ext uri="{BB962C8B-B14F-4D97-AF65-F5344CB8AC3E}">
+        <p14:creationId xmlns:p14="http://schemas.microsoft.com/office/powerpoint/2010/main" val="2075535616"/>
+      </p:ext>
+    </p:extLst>
+  </p:cSld>
+  <p:clrMapOvr>
+    <a:masterClrMapping/>
+  </p:clrMapOvr>
+</p:notes>
+</file>
+
+<file path=ppt/notesSlides/notesSlide26.xml><?xml version="1.0" encoding="utf-8"?>
+<p:notes xmlns:a="http://schemas.openxmlformats.org/drawingml/2006/main" xmlns:r="http://schemas.openxmlformats.org/officeDocument/2006/relationships" xmlns:p="http://schemas.openxmlformats.org/presentationml/2006/main">
+  <p:cSld>
+    <p:spTree>
+      <p:nvGrpSpPr>
+        <p:cNvPr id="1" name=""/>
+        <p:cNvGrpSpPr/>
+        <p:nvPr/>
+      </p:nvGrpSpPr>
+      <p:grpSpPr>
+        <a:xfrm>
+          <a:off x="0" y="0"/>
+          <a:ext cx="0" cy="0"/>
+          <a:chOff x="0" y="0"/>
+          <a:chExt cx="0" cy="0"/>
+        </a:xfrm>
+      </p:grpSpPr>
+      <p:sp>
+        <p:nvSpPr>
+          <p:cNvPr id="19458" name="Folienbildplatzhalter 1"/>
+          <p:cNvSpPr>
+            <a:spLocks noGrp="1" noRot="1" noChangeAspect="1" noTextEdit="1"/>
+          </p:cNvSpPr>
+          <p:nvPr>
+            <p:ph type="sldImg"/>
+          </p:nvPr>
+        </p:nvSpPr>
+        <p:spPr bwMode="auto">
+          <a:noFill/>
+          <a:ln>
+            <a:solidFill>
+              <a:srgbClr val="000000"/>
+            </a:solidFill>
+            <a:miter lim="800000"/>
+            <a:headEnd/>
+            <a:tailEnd/>
+          </a:ln>
+          <a:extLst>
+            <a:ext uri="{909E8E84-426E-40DD-AFC4-6F175D3DCCD1}">
+              <a14:hiddenFill xmlns:a14="http://schemas.microsoft.com/office/drawing/2010/main">
+                <a:solidFill>
+                  <a:srgbClr val="FFFFFF"/>
+                </a:solidFill>
+              </a14:hiddenFill>
+            </a:ext>
+          </a:extLst>
+        </p:spPr>
+      </p:sp>
+      <p:sp>
+        <p:nvSpPr>
+          <p:cNvPr id="19459" name="Notizenplatzhalter 2"/>
+          <p:cNvSpPr>
+            <a:spLocks noGrp="1"/>
+          </p:cNvSpPr>
+          <p:nvPr>
+            <p:ph type="body" idx="1"/>
+          </p:nvPr>
+        </p:nvSpPr>
+        <p:spPr bwMode="auto">
+          <a:noFill/>
+          <a:extLst>
+            <a:ext uri="{909E8E84-426E-40DD-AFC4-6F175D3DCCD1}">
+              <a14:hiddenFill xmlns:a14="http://schemas.microsoft.com/office/drawing/2010/main">
+                <a:solidFill>
+                  <a:srgbClr val="FFFFFF"/>
+                </a:solidFill>
+              </a14:hiddenFill>
+            </a:ext>
+            <a:ext uri="{91240B29-F687-4F45-9708-019B960494DF}">
+              <a14:hiddenLine xmlns:a14="http://schemas.microsoft.com/office/drawing/2010/main" w="9525">
+                <a:solidFill>
+                  <a:srgbClr val="000000"/>
+                </a:solidFill>
+                <a:miter lim="800000"/>
+                <a:headEnd/>
+                <a:tailEnd/>
+              </a14:hiddenLine>
+            </a:ext>
+          </a:extLst>
+        </p:spPr>
+        <p:txBody>
+          <a:bodyPr wrap="square" numCol="1" anchor="t" anchorCtr="0" compatLnSpc="1">
+            <a:prstTxWarp prst="textNoShape">
+              <a:avLst/>
+            </a:prstTxWarp>
+          </a:bodyPr>
+          <a:lstStyle/>
+          <a:p>
+            <a:pPr eaLnBrk="1" hangingPunct="1">
+              <a:spcBef>
+                <a:spcPct val="0"/>
+              </a:spcBef>
+            </a:pPr>
+            <a:endParaRPr lang="de-DE" altLang="de-DE" dirty="0"/>
+          </a:p>
+        </p:txBody>
+      </p:sp>
+      <p:sp>
+        <p:nvSpPr>
+          <p:cNvPr id="19460" name="Foliennummernplatzhalter 3"/>
+          <p:cNvSpPr>
+            <a:spLocks noGrp="1"/>
+          </p:cNvSpPr>
+          <p:nvPr>
+            <p:ph type="sldNum" sz="quarter" idx="5"/>
+          </p:nvPr>
+        </p:nvSpPr>
+        <p:spPr bwMode="auto">
+          <a:noFill/>
+          <a:extLst>
+            <a:ext uri="{909E8E84-426E-40DD-AFC4-6F175D3DCCD1}">
+              <a14:hiddenFill xmlns:a14="http://schemas.microsoft.com/office/drawing/2010/main">
+                <a:solidFill>
+                  <a:srgbClr val="FFFFFF"/>
+                </a:solidFill>
+              </a14:hiddenFill>
+            </a:ext>
+            <a:ext uri="{91240B29-F687-4F45-9708-019B960494DF}">
+              <a14:hiddenLine xmlns:a14="http://schemas.microsoft.com/office/drawing/2010/main" w="9525">
+                <a:solidFill>
+                  <a:srgbClr val="000000"/>
+                </a:solidFill>
+                <a:miter lim="800000"/>
+                <a:headEnd/>
+                <a:tailEnd/>
+              </a14:hiddenLine>
+            </a:ext>
+          </a:extLst>
+        </p:spPr>
+        <p:txBody>
+          <a:bodyPr wrap="square" numCol="1" anchorCtr="0" compatLnSpc="1">
+            <a:prstTxWarp prst="textNoShape">
+              <a:avLst/>
+            </a:prstTxWarp>
+          </a:bodyPr>
+          <a:lstStyle>
+            <a:lvl1pPr>
+              <a:defRPr>
+                <a:solidFill>
+                  <a:schemeClr val="tx1"/>
+                </a:solidFill>
+                <a:latin typeface="Calibri" panose="020F0502020204030204" pitchFamily="34" charset="0"/>
+                <a:cs typeface="Arial" panose="020B0604020202020204" pitchFamily="34" charset="0"/>
+              </a:defRPr>
+            </a:lvl1pPr>
+            <a:lvl2pPr marL="742950" indent="-285750">
+              <a:defRPr>
+                <a:solidFill>
+                  <a:schemeClr val="tx1"/>
+                </a:solidFill>
+                <a:latin typeface="Calibri" panose="020F0502020204030204" pitchFamily="34" charset="0"/>
+                <a:cs typeface="Arial" panose="020B0604020202020204" pitchFamily="34" charset="0"/>
+              </a:defRPr>
+            </a:lvl2pPr>
+            <a:lvl3pPr marL="1143000" indent="-228600">
+              <a:defRPr>
+                <a:solidFill>
+                  <a:schemeClr val="tx1"/>
+                </a:solidFill>
+                <a:latin typeface="Calibri" panose="020F0502020204030204" pitchFamily="34" charset="0"/>
+                <a:cs typeface="Arial" panose="020B0604020202020204" pitchFamily="34" charset="0"/>
+              </a:defRPr>
+            </a:lvl3pPr>
+            <a:lvl4pPr marL="1600200" indent="-228600">
+              <a:defRPr>
+                <a:solidFill>
+                  <a:schemeClr val="tx1"/>
+                </a:solidFill>
+                <a:latin typeface="Calibri" panose="020F0502020204030204" pitchFamily="34" charset="0"/>
+                <a:cs typeface="Arial" panose="020B0604020202020204" pitchFamily="34" charset="0"/>
+              </a:defRPr>
+            </a:lvl4pPr>
+            <a:lvl5pPr marL="2057400" indent="-228600">
+              <a:defRPr>
+                <a:solidFill>
+                  <a:schemeClr val="tx1"/>
+                </a:solidFill>
+                <a:latin typeface="Calibri" panose="020F0502020204030204" pitchFamily="34" charset="0"/>
+                <a:cs typeface="Arial" panose="020B0604020202020204" pitchFamily="34" charset="0"/>
+              </a:defRPr>
+            </a:lvl5pPr>
+            <a:lvl6pPr marL="2514600" indent="-228600" eaLnBrk="0" fontAlgn="base" hangingPunct="0">
+              <a:spcBef>
+                <a:spcPct val="0"/>
+              </a:spcBef>
+              <a:spcAft>
+                <a:spcPct val="0"/>
+              </a:spcAft>
+              <a:defRPr>
+                <a:solidFill>
+                  <a:schemeClr val="tx1"/>
+                </a:solidFill>
+                <a:latin typeface="Calibri" panose="020F0502020204030204" pitchFamily="34" charset="0"/>
+                <a:cs typeface="Arial" panose="020B0604020202020204" pitchFamily="34" charset="0"/>
+              </a:defRPr>
+            </a:lvl6pPr>
+            <a:lvl7pPr marL="2971800" indent="-228600" eaLnBrk="0" fontAlgn="base" hangingPunct="0">
+              <a:spcBef>
+                <a:spcPct val="0"/>
+              </a:spcBef>
+              <a:spcAft>
+                <a:spcPct val="0"/>
+              </a:spcAft>
+              <a:defRPr>
+                <a:solidFill>
+                  <a:schemeClr val="tx1"/>
+                </a:solidFill>
+                <a:latin typeface="Calibri" panose="020F0502020204030204" pitchFamily="34" charset="0"/>
+                <a:cs typeface="Arial" panose="020B0604020202020204" pitchFamily="34" charset="0"/>
+              </a:defRPr>
+            </a:lvl7pPr>
+            <a:lvl8pPr marL="3429000" indent="-228600" eaLnBrk="0" fontAlgn="base" hangingPunct="0">
+              <a:spcBef>
+                <a:spcPct val="0"/>
+              </a:spcBef>
+              <a:spcAft>
+                <a:spcPct val="0"/>
+              </a:spcAft>
+              <a:defRPr>
+                <a:solidFill>
+                  <a:schemeClr val="tx1"/>
+                </a:solidFill>
+                <a:latin typeface="Calibri" panose="020F0502020204030204" pitchFamily="34" charset="0"/>
+                <a:cs typeface="Arial" panose="020B0604020202020204" pitchFamily="34" charset="0"/>
+              </a:defRPr>
+            </a:lvl8pPr>
+            <a:lvl9pPr marL="3886200" indent="-228600" eaLnBrk="0" fontAlgn="base" hangingPunct="0">
+              <a:spcBef>
+                <a:spcPct val="0"/>
+              </a:spcBef>
+              <a:spcAft>
+                <a:spcPct val="0"/>
+              </a:spcAft>
+              <a:defRPr>
+                <a:solidFill>
+                  <a:schemeClr val="tx1"/>
+                </a:solidFill>
+                <a:latin typeface="Calibri" panose="020F0502020204030204" pitchFamily="34" charset="0"/>
+                <a:cs typeface="Arial" panose="020B0604020202020204" pitchFamily="34" charset="0"/>
+              </a:defRPr>
+            </a:lvl9pPr>
+          </a:lstStyle>
+          <a:p>
+            <a:fld id="{316EAC40-68B8-4211-B26D-7C254D782D2F}" type="slidenum">
+              <a:rPr lang="de-DE" altLang="de-DE" smtClean="0"/>
+              <a:pPr/>
+              <a:t>31</a:t>
+            </a:fld>
+            <a:endParaRPr lang="de-DE" altLang="de-DE"/>
+          </a:p>
+        </p:txBody>
+      </p:sp>
+    </p:spTree>
+    <p:extLst>
+      <p:ext uri="{BB962C8B-B14F-4D97-AF65-F5344CB8AC3E}">
+        <p14:creationId xmlns:p14="http://schemas.microsoft.com/office/powerpoint/2010/main" val="419161423"/>
       </p:ext>
     </p:extLst>
   </p:cSld>
@@ -5069,7 +6696,7 @@
               <a:pPr>
                 <a:defRPr/>
               </a:pPr>
-              <a:t>5</a:t>
+              <a:t>3</a:t>
             </a:fld>
             <a:endParaRPr lang="de-DE"/>
           </a:p>
@@ -5078,7 +6705,7 @@
     </p:spTree>
     <p:extLst>
       <p:ext uri="{BB962C8B-B14F-4D97-AF65-F5344CB8AC3E}">
-        <p14:creationId xmlns:p14="http://schemas.microsoft.com/office/powerpoint/2010/main" val="3898801588"/>
+        <p14:creationId xmlns:p14="http://schemas.microsoft.com/office/powerpoint/2010/main" val="2274705638"/>
       </p:ext>
     </p:extLst>
   </p:cSld>
@@ -5132,7 +6759,107 @@
           <a:bodyPr/>
           <a:lstStyle/>
           <a:p>
-            <a:pPr marL="171450" indent="-171450" algn="l">
+            <a:pPr marL="171450" indent="-171450">
+              <a:buFont typeface="Arial" panose="020B0604020202020204" pitchFamily="34" charset="0"/>
+              <a:buChar char="•"/>
+            </a:pPr>
+            <a:r>
+              <a:rPr lang="de-DE" dirty="0"/>
+              <a:t>Generelle Zielsetzung unseres Teamprojekts war es:</a:t>
+            </a:r>
+          </a:p>
+          <a:p>
+            <a:pPr marL="171450" indent="-171450">
+              <a:buFont typeface="Arial" panose="020B0604020202020204" pitchFamily="34" charset="0"/>
+              <a:buChar char="•"/>
+            </a:pPr>
+            <a:r>
+              <a:rPr lang="de-DE" dirty="0"/>
+              <a:t>Entwicklung einer Bibliothek für das genealogische Austauschformat GEDCOM in Version7 </a:t>
+            </a:r>
+            <a:br>
+              <a:rPr lang="de-DE" dirty="0"/>
+            </a:br>
+            <a:r>
+              <a:rPr lang="de-DE" dirty="0"/>
+              <a:t>für die serverseitige JavaScript Umgebung </a:t>
+            </a:r>
+            <a:r>
+              <a:rPr lang="de-DE" dirty="0" err="1"/>
+              <a:t>node.js</a:t>
+            </a:r>
+            <a:r>
+              <a:rPr lang="de-DE" dirty="0"/>
+              <a:t> </a:t>
+            </a:r>
+          </a:p>
+          <a:p>
+            <a:pPr marL="171450" indent="-171450">
+              <a:buFont typeface="Arial" panose="020B0604020202020204" pitchFamily="34" charset="0"/>
+              <a:buChar char="•"/>
+            </a:pPr>
+            <a:r>
+              <a:rPr lang="de-DE" dirty="0"/>
+              <a:t>Dabei soll bei dem Projekt der Fokus auf die Grundlegenden Komponenten liegen und nicht auf Vollständigkeit</a:t>
+            </a:r>
+          </a:p>
+          <a:p>
+            <a:pPr marL="171450" indent="-171450">
+              <a:buFont typeface="Arial" panose="020B0604020202020204" pitchFamily="34" charset="0"/>
+              <a:buChar char="•"/>
+            </a:pPr>
+            <a:r>
+              <a:rPr lang="de-DE" dirty="0"/>
+              <a:t>Zu den grundliegenden Komponenten gehören unter Anderen:</a:t>
+            </a:r>
+          </a:p>
+          <a:p>
+            <a:pPr marL="628650" lvl="1" indent="-171450">
+              <a:buFont typeface="Arial" panose="020B0604020202020204" pitchFamily="34" charset="0"/>
+              <a:buChar char="•"/>
+            </a:pPr>
+            <a:r>
+              <a:rPr lang="de-DE" dirty="0"/>
+              <a:t>Das Einlesen und Ausgeben von GEDCOM v7 Dateien .</a:t>
+            </a:r>
+            <a:r>
+              <a:rPr lang="de-DE" dirty="0" err="1"/>
+              <a:t>ged</a:t>
+            </a:r>
+            <a:endParaRPr lang="de-DE" dirty="0"/>
+          </a:p>
+          <a:p>
+            <a:pPr marL="628650" lvl="1" indent="-171450">
+              <a:buFont typeface="Arial" panose="020B0604020202020204" pitchFamily="34" charset="0"/>
+              <a:buChar char="•"/>
+            </a:pPr>
+            <a:r>
+              <a:rPr lang="de-DE" dirty="0"/>
+              <a:t>Überprüfen des Syntax auf Spezifikations-Korrektheit beim Einlesen und Abändern der Datei</a:t>
+            </a:r>
+          </a:p>
+          <a:p>
+            <a:pPr marL="628650" lvl="1" indent="-171450">
+              <a:buFont typeface="Arial" panose="020B0604020202020204" pitchFamily="34" charset="0"/>
+              <a:buChar char="•"/>
+            </a:pPr>
+            <a:r>
+              <a:rPr lang="de-DE" dirty="0"/>
+              <a:t>Erstellen von neuen Gedcom7 Dateien</a:t>
+            </a:r>
+          </a:p>
+          <a:p>
+            <a:pPr marL="171450" lvl="0" indent="-171450">
+              <a:buFont typeface="Arial" panose="020B0604020202020204" pitchFamily="34" charset="0"/>
+              <a:buChar char="•"/>
+            </a:pPr>
+            <a:r>
+              <a:rPr lang="de-DE" dirty="0"/>
+              <a:t>Eine Einfache Erweiterung der Bibliothek, Dokumentation und Tests hatte bei dem Projekt immer eine hohe Priorität</a:t>
+            </a:r>
+          </a:p>
+          <a:p>
+            <a:pPr marL="171450" indent="-171450">
               <a:buFont typeface="Arial" panose="020B0604020202020204" pitchFamily="34" charset="0"/>
               <a:buChar char="•"/>
             </a:pPr>
@@ -5163,7 +6890,7 @@
               <a:pPr>
                 <a:defRPr/>
               </a:pPr>
-              <a:t>6</a:t>
+              <a:t>4</a:t>
             </a:fld>
             <a:endParaRPr lang="de-DE"/>
           </a:p>
@@ -5172,7 +6899,7 @@
     </p:spTree>
     <p:extLst>
       <p:ext uri="{BB962C8B-B14F-4D97-AF65-F5344CB8AC3E}">
-        <p14:creationId xmlns:p14="http://schemas.microsoft.com/office/powerpoint/2010/main" val="4126572362"/>
+        <p14:creationId xmlns:p14="http://schemas.microsoft.com/office/powerpoint/2010/main" val="1690083877"/>
       </p:ext>
     </p:extLst>
   </p:cSld>
@@ -5226,6 +6953,29 @@
           <a:bodyPr/>
           <a:lstStyle/>
           <a:p>
+            <a:pPr marL="171450" marR="0" lvl="0" indent="-171450" algn="l" defTabSz="914400" rtl="0" eaLnBrk="0" fontAlgn="base" latinLnBrk="0" hangingPunct="0">
+              <a:lnSpc>
+                <a:spcPct val="100000"/>
+              </a:lnSpc>
+              <a:spcBef>
+                <a:spcPct val="30000"/>
+              </a:spcBef>
+              <a:spcAft>
+                <a:spcPct val="0"/>
+              </a:spcAft>
+              <a:buClrTx/>
+              <a:buSzTx/>
+              <a:buFont typeface="Arial" panose="020B0604020202020204" pitchFamily="34" charset="0"/>
+              <a:buChar char="•"/>
+              <a:tabLst/>
+              <a:defRPr/>
+            </a:pPr>
+            <a:r>
+              <a:rPr lang="de-DE"/>
+              <a:t>Als nächstes präsentiere ich Ihnen was GEDCOM ist und wie Einträge in Gedcom aussehen</a:t>
+            </a:r>
+          </a:p>
+          <a:p>
             <a:pPr marL="171450" indent="-171450">
               <a:buFont typeface="Arial" panose="020B0604020202020204" pitchFamily="34" charset="0"/>
               <a:buChar char="•"/>
@@ -5257,7 +7007,7 @@
               <a:pPr>
                 <a:defRPr/>
               </a:pPr>
-              <a:t>12</a:t>
+              <a:t>5</a:t>
             </a:fld>
             <a:endParaRPr lang="de-DE"/>
           </a:p>
@@ -5266,7 +7016,7 @@
     </p:spTree>
     <p:extLst>
       <p:ext uri="{BB962C8B-B14F-4D97-AF65-F5344CB8AC3E}">
-        <p14:creationId xmlns:p14="http://schemas.microsoft.com/office/powerpoint/2010/main" val="501587186"/>
+        <p14:creationId xmlns:p14="http://schemas.microsoft.com/office/powerpoint/2010/main" val="3898801588"/>
       </p:ext>
     </p:extLst>
   </p:cSld>
@@ -5320,165 +7070,399 @@
           <a:bodyPr/>
           <a:lstStyle/>
           <a:p>
-            <a:pPr marL="171450" indent="-171450">
+            <a:pPr marL="0" indent="0" algn="l">
+              <a:buFont typeface="Arial" panose="020B0604020202020204" pitchFamily="34" charset="0"/>
+              <a:buNone/>
+            </a:pPr>
+            <a:r>
+              <a:rPr lang="de-DE" dirty="0"/>
+              <a:t>Genealogie</a:t>
+            </a:r>
+          </a:p>
+          <a:p>
+            <a:pPr marL="171450" indent="-171450" algn="l">
               <a:buFont typeface="Arial" panose="020B0604020202020204" pitchFamily="34" charset="0"/>
               <a:buChar char="•"/>
             </a:pPr>
             <a:r>
-              <a:rPr lang="de-DE"/>
-              <a:t>Bibliothek lässt sich in 4 Teile gliedern</a:t>
-            </a:r>
-          </a:p>
-          <a:p>
-            <a:pPr marL="0" indent="0">
+              <a:rPr lang="de-DE" dirty="0"/>
+              <a:t>Überbegriff für die Familien- und Ahnenforschung</a:t>
+            </a:r>
+          </a:p>
+          <a:p>
+            <a:pPr marL="171450" indent="-171450" algn="l">
+              <a:buFont typeface="Arial" panose="020B0604020202020204" pitchFamily="34" charset="0"/>
+              <a:buChar char="•"/>
+            </a:pPr>
+            <a:r>
+              <a:rPr lang="de-DE" b="0" i="0" dirty="0">
+                <a:solidFill>
+                  <a:srgbClr val="D1D5DB"/>
+                </a:solidFill>
+                <a:effectLst/>
+                <a:latin typeface="Söhne"/>
+              </a:rPr>
+              <a:t>Abstammungs- und Verwandtschaftsverhältnisse als zentrales Thema</a:t>
+            </a:r>
+          </a:p>
+          <a:p>
+            <a:pPr marL="171450" indent="-171450" algn="l">
+              <a:buFont typeface="Arial" panose="020B0604020202020204" pitchFamily="34" charset="0"/>
+              <a:buChar char="•"/>
+            </a:pPr>
+            <a:r>
+              <a:rPr lang="de-DE" b="0" i="0" dirty="0">
+                <a:solidFill>
+                  <a:srgbClr val="D1D5DB"/>
+                </a:solidFill>
+                <a:effectLst/>
+                <a:latin typeface="Söhne"/>
+              </a:rPr>
+              <a:t>Valide Quellen als Grundlage für die Arbeit</a:t>
+            </a:r>
+          </a:p>
+          <a:p>
+            <a:pPr marL="171450" indent="-171450" algn="l">
+              <a:buFont typeface="Arial" panose="020B0604020202020204" pitchFamily="34" charset="0"/>
+              <a:buChar char="•"/>
+            </a:pPr>
+            <a:r>
+              <a:rPr lang="de-DE" b="0" i="0" dirty="0">
+                <a:solidFill>
+                  <a:srgbClr val="D1D5DB"/>
+                </a:solidFill>
+                <a:effectLst/>
+                <a:latin typeface="Söhne"/>
+              </a:rPr>
+              <a:t>Stammbäume als visuelle Zusammenfassung</a:t>
+            </a:r>
+          </a:p>
+          <a:p>
+            <a:pPr marL="628650" lvl="1" indent="-171450" algn="l">
+              <a:buFont typeface="Arial" panose="020B0604020202020204" pitchFamily="34" charset="0"/>
+              <a:buChar char="•"/>
+            </a:pPr>
+            <a:r>
+              <a:rPr lang="de-DE" b="0" i="0" dirty="0">
+                <a:solidFill>
+                  <a:srgbClr val="D1D5DB"/>
+                </a:solidFill>
+                <a:effectLst/>
+                <a:latin typeface="Söhne"/>
+              </a:rPr>
+              <a:t>Für Verbindungen zwischen Generationen</a:t>
+            </a:r>
+          </a:p>
+          <a:p>
+            <a:pPr marL="0" lvl="0" indent="0" algn="l">
               <a:buFont typeface="Arial" panose="020B0604020202020204" pitchFamily="34" charset="0"/>
               <a:buNone/>
             </a:pPr>
             <a:r>
-              <a:rPr lang="de-DE"/>
-              <a:t>Gedcom Parser:</a:t>
-            </a:r>
-          </a:p>
-          <a:p>
-            <a:pPr marL="171450" indent="-171450">
+              <a:rPr lang="de-DE" b="0" i="0" dirty="0">
+                <a:solidFill>
+                  <a:srgbClr val="D1D5DB"/>
+                </a:solidFill>
+                <a:effectLst/>
+                <a:latin typeface="Söhne"/>
+              </a:rPr>
+              <a:t>--</a:t>
+            </a:r>
+          </a:p>
+          <a:p>
+            <a:pPr marL="0" lvl="0" indent="0" algn="l">
+              <a:buFont typeface="Arial" panose="020B0604020202020204" pitchFamily="34" charset="0"/>
+              <a:buNone/>
+            </a:pPr>
+            <a:r>
+              <a:rPr lang="de-DE" b="0" i="0" dirty="0" err="1">
+                <a:solidFill>
+                  <a:srgbClr val="D1D5DB"/>
+                </a:solidFill>
+                <a:effectLst/>
+                <a:latin typeface="Söhne"/>
+              </a:rPr>
+              <a:t>FamilySearch</a:t>
+            </a:r>
+            <a:endParaRPr lang="de-DE" b="0" i="0" dirty="0">
+              <a:solidFill>
+                <a:srgbClr val="D1D5DB"/>
+              </a:solidFill>
+              <a:effectLst/>
+              <a:latin typeface="Söhne"/>
+            </a:endParaRPr>
+          </a:p>
+          <a:p>
+            <a:pPr marL="171450" lvl="0" indent="-171450" algn="l">
               <a:buFont typeface="Arial" panose="020B0604020202020204" pitchFamily="34" charset="0"/>
               <a:buChar char="•"/>
             </a:pPr>
             <a:r>
-              <a:rPr lang="de-DE"/>
-              <a:t>Zentrales Element</a:t>
-            </a:r>
-          </a:p>
-          <a:p>
-            <a:pPr marL="171450" indent="-171450">
+              <a:rPr lang="de-DE" b="0" i="0" dirty="0">
+                <a:solidFill>
+                  <a:srgbClr val="D1D5DB"/>
+                </a:solidFill>
+                <a:effectLst/>
+                <a:latin typeface="Söhne"/>
+              </a:rPr>
+              <a:t>Öffentliche genealogische Datenbank</a:t>
+            </a:r>
+          </a:p>
+          <a:p>
+            <a:pPr marL="171450" lvl="0" indent="-171450" algn="l">
               <a:buFont typeface="Arial" panose="020B0604020202020204" pitchFamily="34" charset="0"/>
               <a:buChar char="•"/>
             </a:pPr>
             <a:r>
-              <a:rPr lang="de-DE"/>
-              <a:t>Einlesen der Gedcom7 Dateien, Überführen des Inhalts in passende Gedcom Datenstrukturen</a:t>
-            </a:r>
-          </a:p>
-          <a:p>
-            <a:pPr marL="171450" indent="-171450">
+              <a:rPr lang="de-DE" b="0" i="0" dirty="0">
+                <a:solidFill>
+                  <a:srgbClr val="D1D5DB"/>
+                </a:solidFill>
+                <a:effectLst/>
+                <a:latin typeface="Söhne"/>
+              </a:rPr>
+              <a:t>Teil der </a:t>
+            </a:r>
+            <a:r>
+              <a:rPr lang="de-DE" b="0" i="0" dirty="0" err="1">
+                <a:solidFill>
+                  <a:srgbClr val="D1D5DB"/>
+                </a:solidFill>
+                <a:effectLst/>
+                <a:latin typeface="Söhne"/>
+              </a:rPr>
+              <a:t>Genealogical</a:t>
+            </a:r>
+            <a:r>
+              <a:rPr lang="de-DE" b="0" i="0" dirty="0">
+                <a:solidFill>
+                  <a:srgbClr val="D1D5DB"/>
+                </a:solidFill>
+                <a:effectLst/>
+                <a:latin typeface="Söhne"/>
+              </a:rPr>
+              <a:t> Society </a:t>
+            </a:r>
+            <a:r>
+              <a:rPr lang="de-DE" b="0" i="0" dirty="0" err="1">
+                <a:solidFill>
+                  <a:srgbClr val="D1D5DB"/>
+                </a:solidFill>
+                <a:effectLst/>
+                <a:latin typeface="Söhne"/>
+              </a:rPr>
+              <a:t>of</a:t>
+            </a:r>
+            <a:r>
+              <a:rPr lang="de-DE" b="0" i="0" dirty="0">
+                <a:solidFill>
+                  <a:srgbClr val="D1D5DB"/>
+                </a:solidFill>
+                <a:effectLst/>
+                <a:latin typeface="Söhne"/>
+              </a:rPr>
+              <a:t> Utah </a:t>
+            </a:r>
+          </a:p>
+          <a:p>
+            <a:pPr marL="628650" lvl="1" indent="-171450" algn="l">
               <a:buFont typeface="Arial" panose="020B0604020202020204" pitchFamily="34" charset="0"/>
               <a:buChar char="•"/>
             </a:pPr>
             <a:r>
-              <a:rPr lang="de-DE"/>
-              <a:t>Syntaxüberprüfung beim einlesen</a:t>
-            </a:r>
-          </a:p>
-          <a:p>
-            <a:pPr marL="171450" indent="-171450">
+              <a:rPr lang="de-DE" b="0" i="0" dirty="0">
+                <a:solidFill>
+                  <a:srgbClr val="D1D5DB"/>
+                </a:solidFill>
+                <a:effectLst/>
+                <a:latin typeface="Söhne"/>
+              </a:rPr>
+              <a:t>Welche Menschen dabei hilft ihre Familiengeschichte</a:t>
+            </a:r>
+          </a:p>
+          <a:p>
+            <a:pPr marL="628650" lvl="1" indent="-171450" algn="l">
               <a:buFont typeface="Arial" panose="020B0604020202020204" pitchFamily="34" charset="0"/>
               <a:buChar char="•"/>
             </a:pPr>
-            <a:endParaRPr lang="de-DE"/>
-          </a:p>
-          <a:p>
-            <a:pPr marL="0" indent="0">
+            <a:r>
+              <a:rPr lang="de-DE" b="0" i="0" dirty="0">
+                <a:solidFill>
+                  <a:srgbClr val="D1D5DB"/>
+                </a:solidFill>
+                <a:effectLst/>
+                <a:latin typeface="Söhne"/>
+              </a:rPr>
+              <a:t>Mithilfe von Technologien </a:t>
+            </a:r>
+          </a:p>
+          <a:p>
+            <a:pPr marL="628650" lvl="1" indent="-171450" algn="l">
+              <a:buFont typeface="Arial" panose="020B0604020202020204" pitchFamily="34" charset="0"/>
+              <a:buChar char="•"/>
+            </a:pPr>
+            <a:r>
+              <a:rPr lang="de-DE" b="0" i="0" dirty="0">
+                <a:solidFill>
+                  <a:srgbClr val="D1D5DB"/>
+                </a:solidFill>
+                <a:effectLst/>
+                <a:latin typeface="Söhne"/>
+              </a:rPr>
+              <a:t>… Zu erkunden</a:t>
+            </a:r>
+          </a:p>
+          <a:p>
+            <a:pPr marL="0" lvl="0" indent="0" algn="l">
               <a:buFont typeface="Arial" panose="020B0604020202020204" pitchFamily="34" charset="0"/>
               <a:buNone/>
             </a:pPr>
             <a:r>
-              <a:rPr lang="de-DE"/>
-              <a:t>Gedcom Grammatik </a:t>
-            </a:r>
-          </a:p>
-          <a:p>
-            <a:pPr marL="171450" indent="-171450">
+              <a:rPr lang="de-DE" b="0" i="0" dirty="0">
+                <a:solidFill>
+                  <a:srgbClr val="D1D5DB"/>
+                </a:solidFill>
+                <a:effectLst/>
+                <a:latin typeface="Söhne"/>
+              </a:rPr>
+              <a:t>--</a:t>
+            </a:r>
+          </a:p>
+          <a:p>
+            <a:pPr marL="0" lvl="0" indent="0" algn="l">
+              <a:buFont typeface="Arial" panose="020B0604020202020204" pitchFamily="34" charset="0"/>
+              <a:buNone/>
+            </a:pPr>
+            <a:r>
+              <a:rPr lang="de-DE" b="0" i="0" dirty="0">
+                <a:solidFill>
+                  <a:srgbClr val="D1D5DB"/>
+                </a:solidFill>
+                <a:effectLst/>
+                <a:latin typeface="Söhne"/>
+              </a:rPr>
+              <a:t>GEDCOM</a:t>
+            </a:r>
+          </a:p>
+          <a:p>
+            <a:pPr marL="171450" lvl="0" indent="-171450" algn="l">
               <a:buFont typeface="Arial" panose="020B0604020202020204" pitchFamily="34" charset="0"/>
               <a:buChar char="•"/>
             </a:pPr>
             <a:r>
-              <a:rPr lang="de-DE"/>
-              <a:t>Mit Hilfe der JavaScript Bibliothek Nearley erstellt -&gt; gleich genauer drauf eingehen</a:t>
-            </a:r>
-          </a:p>
-          <a:p>
-            <a:pPr marL="171450" indent="-171450">
+              <a:rPr lang="de-DE" b="0" i="0" dirty="0">
+                <a:solidFill>
+                  <a:srgbClr val="D1D5DB"/>
+                </a:solidFill>
+                <a:effectLst/>
+                <a:latin typeface="Söhne"/>
+              </a:rPr>
+              <a:t>Steht für </a:t>
+            </a:r>
+            <a:r>
+              <a:rPr lang="de-DE" b="0" i="1" dirty="0" err="1">
+                <a:solidFill>
+                  <a:srgbClr val="202122"/>
+                </a:solidFill>
+                <a:effectLst/>
+                <a:latin typeface="Arial" panose="020B0604020202020204" pitchFamily="34" charset="0"/>
+              </a:rPr>
+              <a:t>Genealogical</a:t>
+            </a:r>
+            <a:r>
+              <a:rPr lang="de-DE" b="0" i="1" dirty="0">
+                <a:solidFill>
+                  <a:srgbClr val="202122"/>
+                </a:solidFill>
+                <a:effectLst/>
+                <a:latin typeface="Arial" panose="020B0604020202020204" pitchFamily="34" charset="0"/>
+              </a:rPr>
+              <a:t> Data Communication</a:t>
+            </a:r>
+          </a:p>
+          <a:p>
+            <a:pPr marL="171450" lvl="0" indent="-171450" algn="l">
               <a:buFont typeface="Arial" panose="020B0604020202020204" pitchFamily="34" charset="0"/>
               <a:buChar char="•"/>
             </a:pPr>
             <a:r>
-              <a:rPr lang="de-DE"/>
-              <a:t>Überprüft Syntax und nimmt Vorverarbeitung der Daten vor -&gt; einfache weiterverarbeitung</a:t>
-            </a:r>
-          </a:p>
-          <a:p>
-            <a:pPr marL="171450" indent="-171450">
+              <a:rPr lang="de-DE" b="0" i="0" dirty="0">
+                <a:solidFill>
+                  <a:srgbClr val="202122"/>
+                </a:solidFill>
+                <a:effectLst/>
+                <a:latin typeface="Arial" panose="020B0604020202020204" pitchFamily="34" charset="0"/>
+              </a:rPr>
+              <a:t>Ist ein textbasiertes Austauschformat für genealogische Daten</a:t>
+            </a:r>
+          </a:p>
+          <a:p>
+            <a:pPr marL="171450" lvl="0" indent="-171450" algn="l">
               <a:buFont typeface="Arial" panose="020B0604020202020204" pitchFamily="34" charset="0"/>
               <a:buChar char="•"/>
             </a:pPr>
-            <a:endParaRPr lang="de-DE"/>
-          </a:p>
-          <a:p>
-            <a:pPr marL="0" indent="0">
-              <a:buFont typeface="Arial" panose="020B0604020202020204" pitchFamily="34" charset="0"/>
-              <a:buNone/>
-            </a:pPr>
-            <a:r>
-              <a:rPr lang="de-DE"/>
-              <a:t>Grammatik Generator</a:t>
-            </a:r>
-          </a:p>
-          <a:p>
-            <a:pPr marL="171450" indent="-171450">
+            <a:r>
+              <a:rPr lang="de-DE" b="0" i="0" dirty="0">
+                <a:solidFill>
+                  <a:srgbClr val="202122"/>
+                </a:solidFill>
+                <a:effectLst/>
+                <a:latin typeface="Arial" panose="020B0604020202020204" pitchFamily="34" charset="0"/>
+              </a:rPr>
+              <a:t>De Facto Standard in diesem Bereich</a:t>
+            </a:r>
+          </a:p>
+          <a:p>
+            <a:pPr marL="171450" lvl="0" indent="-171450" algn="l">
               <a:buFont typeface="Arial" panose="020B0604020202020204" pitchFamily="34" charset="0"/>
               <a:buChar char="•"/>
             </a:pPr>
             <a:r>
-              <a:rPr lang="de-DE"/>
-              <a:t>Erstellt wird Gedcom Grammatik mit einem selbst entwickelten Grammatik Generator </a:t>
-            </a:r>
-          </a:p>
-          <a:p>
-            <a:pPr marL="171450" indent="-171450">
+              <a:rPr lang="de-DE" b="0" i="0" dirty="0">
+                <a:solidFill>
+                  <a:srgbClr val="202122"/>
+                </a:solidFill>
+                <a:effectLst/>
+                <a:latin typeface="Arial" panose="020B0604020202020204" pitchFamily="34" charset="0"/>
+              </a:rPr>
+              <a:t>Existiert nun bereits in Version 7 welche 2021</a:t>
+            </a:r>
+          </a:p>
+          <a:p>
+            <a:pPr marL="171450" lvl="0" indent="-171450" algn="l">
               <a:buFont typeface="Arial" panose="020B0604020202020204" pitchFamily="34" charset="0"/>
               <a:buChar char="•"/>
             </a:pPr>
             <a:r>
-              <a:rPr lang="de-DE"/>
-              <a:t>Überführt Gedcom7 Spezifikation in nearley-konforme Syntax</a:t>
-            </a:r>
-          </a:p>
-          <a:p>
-            <a:pPr marL="171450" indent="-171450">
+              <a:rPr lang="de-DE" b="0" i="0" dirty="0">
+                <a:solidFill>
+                  <a:srgbClr val="202122"/>
+                </a:solidFill>
+                <a:effectLst/>
+                <a:latin typeface="Arial" panose="020B0604020202020204" pitchFamily="34" charset="0"/>
+              </a:rPr>
+              <a:t>Von der Kirche Jesu Christi der Heiligen der Letzten Tage entwickelt wurde</a:t>
+            </a:r>
+          </a:p>
+          <a:p>
+            <a:pPr marL="171450" lvl="0" indent="-171450" algn="l">
               <a:buFont typeface="Arial" panose="020B0604020202020204" pitchFamily="34" charset="0"/>
               <a:buChar char="•"/>
             </a:pPr>
-            <a:endParaRPr lang="de-DE"/>
-          </a:p>
-          <a:p>
-            <a:pPr marL="0" indent="0">
-              <a:buFont typeface="Arial" panose="020B0604020202020204" pitchFamily="34" charset="0"/>
-              <a:buNone/>
-            </a:pPr>
-            <a:r>
-              <a:rPr lang="de-DE"/>
-              <a:t>Gedcom Datenstrukturen</a:t>
-            </a:r>
-          </a:p>
-          <a:p>
-            <a:pPr marL="171450" indent="-171450">
+            <a:endParaRPr lang="de-DE" b="0" i="0" dirty="0">
+              <a:solidFill>
+                <a:srgbClr val="D1D5DB"/>
+              </a:solidFill>
+              <a:effectLst/>
+              <a:latin typeface="Söhne"/>
+            </a:endParaRPr>
+          </a:p>
+          <a:p>
+            <a:pPr marL="171450" indent="-171450" algn="l">
               <a:buFont typeface="Arial" panose="020B0604020202020204" pitchFamily="34" charset="0"/>
               <a:buChar char="•"/>
             </a:pPr>
-            <a:r>
-              <a:rPr lang="de-DE"/>
-              <a:t>Wenn Syntaxüberprüfung erfolgreich, werden Gedcom Datenstrukturen auf Basis der vorverarbeiteten Daten vom Parser erstellt</a:t>
-            </a:r>
-          </a:p>
-          <a:p>
-            <a:pPr marL="171450" indent="-171450">
-              <a:buFont typeface="Arial" panose="020B0604020202020204" pitchFamily="34" charset="0"/>
-              <a:buChar char="•"/>
-            </a:pPr>
-            <a:r>
-              <a:rPr lang="de-DE"/>
-              <a:t>Stellen Methoden zur Verfügung um Gedcom Daten zu verändern und zu erweitern</a:t>
-            </a:r>
+            <a:endParaRPr lang="de-DE" dirty="0"/>
           </a:p>
         </p:txBody>
       </p:sp>
@@ -5505,7 +7489,7 @@
               <a:pPr>
                 <a:defRPr/>
               </a:pPr>
-              <a:t>13</a:t>
+              <a:t>6</a:t>
             </a:fld>
             <a:endParaRPr lang="de-DE"/>
           </a:p>
@@ -5514,7 +7498,7 @@
     </p:spTree>
     <p:extLst>
       <p:ext uri="{BB962C8B-B14F-4D97-AF65-F5344CB8AC3E}">
-        <p14:creationId xmlns:p14="http://schemas.microsoft.com/office/powerpoint/2010/main" val="4015228170"/>
+        <p14:creationId xmlns:p14="http://schemas.microsoft.com/office/powerpoint/2010/main" val="4126572362"/>
       </p:ext>
     </p:extLst>
   </p:cSld>
@@ -5572,6 +7556,195 @@
               <a:buFont typeface="Arial" panose="020B0604020202020204" pitchFamily="34" charset="0"/>
               <a:buChar char="•"/>
             </a:pPr>
+            <a:r>
+              <a:rPr lang="de-DE" dirty="0"/>
+              <a:t>Der Aufbau einer GEDCOM Zeile sieht wie folgt aus:</a:t>
+            </a:r>
+          </a:p>
+          <a:p>
+            <a:pPr marL="171450" indent="-171450">
+              <a:buFont typeface="Arial" panose="020B0604020202020204" pitchFamily="34" charset="0"/>
+              <a:buChar char="•"/>
+            </a:pPr>
+            <a:r>
+              <a:rPr lang="de-DE" dirty="0"/>
+              <a:t>Beginnt mit Level (gelb), welches durch eine Integer Zahl repräsentiert wird</a:t>
+            </a:r>
+          </a:p>
+          <a:p>
+            <a:pPr marL="628650" lvl="1" indent="-171450">
+              <a:buFont typeface="Arial" panose="020B0604020202020204" pitchFamily="34" charset="0"/>
+              <a:buChar char="•"/>
+            </a:pPr>
+            <a:r>
+              <a:rPr lang="de-DE" dirty="0"/>
+              <a:t>Dieses gibt vereinfacht ausgedrückt die Zugehörigkeit der Zeile an</a:t>
+            </a:r>
+          </a:p>
+          <a:p>
+            <a:pPr marL="171450" lvl="0" indent="-171450">
+              <a:buFont typeface="Arial" panose="020B0604020202020204" pitchFamily="34" charset="0"/>
+              <a:buChar char="•"/>
+            </a:pPr>
+            <a:r>
+              <a:rPr lang="de-DE" dirty="0"/>
+              <a:t>D steht in diesem Kontext für </a:t>
+            </a:r>
+            <a:r>
+              <a:rPr lang="de-DE" dirty="0" err="1"/>
+              <a:t>Delimiter</a:t>
+            </a:r>
+            <a:r>
+              <a:rPr lang="de-DE" dirty="0"/>
+              <a:t> und beschreibt ein Leerzeichen</a:t>
+            </a:r>
+          </a:p>
+          <a:p>
+            <a:pPr marL="171450" lvl="0" indent="-171450">
+              <a:buFont typeface="Arial" panose="020B0604020202020204" pitchFamily="34" charset="0"/>
+              <a:buChar char="•"/>
+            </a:pPr>
+            <a:r>
+              <a:rPr lang="de-DE" dirty="0" err="1"/>
+              <a:t>Xref</a:t>
+            </a:r>
+            <a:r>
+              <a:rPr lang="de-DE" dirty="0"/>
+              <a:t> (braun) ist eine Cross-Reference mit der einzelne Bestandteile benannt werden können</a:t>
+            </a:r>
+          </a:p>
+          <a:p>
+            <a:pPr marL="628650" lvl="1" indent="-171450">
+              <a:buFont typeface="Arial" panose="020B0604020202020204" pitchFamily="34" charset="0"/>
+              <a:buChar char="•"/>
+            </a:pPr>
+            <a:r>
+              <a:rPr lang="de-DE" dirty="0"/>
+              <a:t>(Vergleichbar mit Variablennamen)</a:t>
+            </a:r>
+          </a:p>
+          <a:p>
+            <a:pPr marL="628650" lvl="1" indent="-171450">
+              <a:buFont typeface="Arial" panose="020B0604020202020204" pitchFamily="34" charset="0"/>
+              <a:buChar char="•"/>
+            </a:pPr>
+            <a:r>
+              <a:rPr lang="de-DE" dirty="0"/>
+              <a:t>Diese ist optional (erkennbar an den eckigen Klammern)</a:t>
+            </a:r>
+          </a:p>
+          <a:p>
+            <a:pPr marL="171450" lvl="0" indent="-171450">
+              <a:buFont typeface="Arial" panose="020B0604020202020204" pitchFamily="34" charset="0"/>
+              <a:buChar char="•"/>
+            </a:pPr>
+            <a:r>
+              <a:rPr lang="de-DE" dirty="0"/>
+              <a:t>Gefolgt vom Tag (blau), was das Subjekt einer GEDCOM Zeile ist</a:t>
+            </a:r>
+          </a:p>
+          <a:p>
+            <a:pPr marL="628650" lvl="1" indent="-171450">
+              <a:buFont typeface="Arial" panose="020B0604020202020204" pitchFamily="34" charset="0"/>
+              <a:buChar char="•"/>
+            </a:pPr>
+            <a:r>
+              <a:rPr lang="de-DE" dirty="0"/>
+              <a:t>Gibt an was die Zeile ausdrücken soll</a:t>
+            </a:r>
+          </a:p>
+          <a:p>
+            <a:pPr marL="171450" lvl="0" indent="-171450">
+              <a:buFont typeface="Arial" panose="020B0604020202020204" pitchFamily="34" charset="0"/>
+              <a:buChar char="•"/>
+            </a:pPr>
+            <a:r>
+              <a:rPr lang="de-DE" dirty="0"/>
+              <a:t>Danach folgt Der </a:t>
+            </a:r>
+            <a:r>
+              <a:rPr lang="de-DE" dirty="0" err="1"/>
+              <a:t>LineVal</a:t>
+            </a:r>
+            <a:r>
+              <a:rPr lang="de-DE" dirty="0"/>
+              <a:t> (grün)</a:t>
+            </a:r>
+          </a:p>
+          <a:p>
+            <a:pPr marL="628650" lvl="1" indent="-171450">
+              <a:buFont typeface="Arial" panose="020B0604020202020204" pitchFamily="34" charset="0"/>
+              <a:buChar char="•"/>
+            </a:pPr>
+            <a:r>
+              <a:rPr lang="de-DE" dirty="0"/>
+              <a:t>Gibt, wie der Name vermuten lässt den Wert für das Subjekt der Zeile an</a:t>
+            </a:r>
+          </a:p>
+          <a:p>
+            <a:pPr marL="628650" lvl="1" indent="-171450">
+              <a:buFont typeface="Arial" panose="020B0604020202020204" pitchFamily="34" charset="0"/>
+              <a:buChar char="•"/>
+            </a:pPr>
+            <a:r>
+              <a:rPr lang="de-DE" dirty="0"/>
+              <a:t>Ist ebenfalls optional</a:t>
+            </a:r>
+          </a:p>
+          <a:p>
+            <a:pPr marL="171450" lvl="0" indent="-171450">
+              <a:buFont typeface="Arial" panose="020B0604020202020204" pitchFamily="34" charset="0"/>
+              <a:buChar char="•"/>
+            </a:pPr>
+            <a:r>
+              <a:rPr lang="de-DE" dirty="0"/>
+              <a:t>Jede GEDCOM Zeile endet mit einem End </a:t>
+            </a:r>
+            <a:r>
+              <a:rPr lang="de-DE" dirty="0" err="1"/>
+              <a:t>of</a:t>
+            </a:r>
+            <a:r>
+              <a:rPr lang="de-DE" dirty="0"/>
+              <a:t> Line Character </a:t>
+            </a:r>
+            <a:r>
+              <a:rPr lang="de-DE" dirty="0" err="1"/>
+              <a:t>undzwar</a:t>
+            </a:r>
+            <a:r>
+              <a:rPr lang="de-DE" dirty="0"/>
+              <a:t>: </a:t>
+            </a:r>
+            <a:r>
+              <a:rPr lang="de-DE" dirty="0" err="1"/>
+              <a:t>Newline</a:t>
+            </a:r>
+            <a:r>
+              <a:rPr lang="de-DE" dirty="0"/>
+              <a:t> (\</a:t>
+            </a:r>
+            <a:r>
+              <a:rPr lang="de-DE" dirty="0" err="1"/>
+              <a:t>n</a:t>
+            </a:r>
+            <a:r>
+              <a:rPr lang="de-DE" dirty="0"/>
+              <a:t>)</a:t>
+            </a:r>
+          </a:p>
+          <a:p>
+            <a:pPr marL="628650" lvl="1" indent="-171450">
+              <a:buFont typeface="Arial" panose="020B0604020202020204" pitchFamily="34" charset="0"/>
+              <a:buChar char="•"/>
+            </a:pPr>
+            <a:endParaRPr lang="de-DE" dirty="0"/>
+          </a:p>
+          <a:p>
+            <a:pPr marL="628650" lvl="1" indent="-171450">
+              <a:buFont typeface="Arial" panose="020B0604020202020204" pitchFamily="34" charset="0"/>
+              <a:buChar char="•"/>
+            </a:pPr>
             <a:endParaRPr lang="de-DE" dirty="0"/>
           </a:p>
         </p:txBody>
@@ -5599,7 +7772,7 @@
               <a:pPr>
                 <a:defRPr/>
               </a:pPr>
-              <a:t>14</a:t>
+              <a:t>7</a:t>
             </a:fld>
             <a:endParaRPr lang="de-DE"/>
           </a:p>
@@ -5608,7 +7781,7 @@
     </p:spTree>
     <p:extLst>
       <p:ext uri="{BB962C8B-B14F-4D97-AF65-F5344CB8AC3E}">
-        <p14:creationId xmlns:p14="http://schemas.microsoft.com/office/powerpoint/2010/main" val="3570443207"/>
+        <p14:creationId xmlns:p14="http://schemas.microsoft.com/office/powerpoint/2010/main" val="698433444"/>
       </p:ext>
     </p:extLst>
   </p:cSld>
@@ -5667,8 +7840,8 @@
               <a:buChar char="•"/>
             </a:pPr>
             <a:r>
-              <a:rPr lang="de-DE"/>
-              <a:t>Grammatik wird mit Hilfe des JavaScript-Parser-Toolkits Nearley umgesetzt </a:t>
+              <a:rPr lang="de-DE" dirty="0"/>
+              <a:t>Hier sieht man ein Beispiel für eine GEDCOM Zeile</a:t>
             </a:r>
           </a:p>
           <a:p>
@@ -5677,8 +7850,8 @@
               <a:buChar char="•"/>
             </a:pPr>
             <a:r>
-              <a:rPr lang="de-DE"/>
-              <a:t>Mit Nearley können auf einfach Weise, menschenlesbare Grammatiken erstellt und zu einem Nearley-Parser kompiliert werden</a:t>
+              <a:rPr lang="de-DE" dirty="0"/>
+              <a:t>Unterstriche sollen Leerzeichen veranschaulichen</a:t>
             </a:r>
           </a:p>
           <a:p>
@@ -5687,48 +7860,66 @@
               <a:buChar char="•"/>
             </a:pPr>
             <a:r>
-              <a:rPr lang="de-DE"/>
-              <a:t>Gedcom Grammatik kann aus vielen Nearley Dateien zusammengesetzt werden</a:t>
-            </a:r>
-          </a:p>
-          <a:p>
-            <a:pPr marL="0" indent="0">
-              <a:buFont typeface="Arial" panose="020B0604020202020204" pitchFamily="34" charset="0"/>
-              <a:buNone/>
-            </a:pPr>
-            <a:r>
-              <a:rPr lang="de-DE"/>
-              <a:t>     -&gt; Defintionsdateien für alle Datentypen und Tokens wie EOL-Character oder Leerzeichen</a:t>
-            </a:r>
-          </a:p>
-          <a:p>
-            <a:pPr marL="171450" indent="-171450">
+              <a:rPr lang="de-DE" dirty="0"/>
+              <a:t>Die Zeile hat Level 0 – was einem </a:t>
+            </a:r>
+            <a:r>
+              <a:rPr lang="de-DE" dirty="0" err="1"/>
+              <a:t>Record</a:t>
+            </a:r>
+            <a:r>
+              <a:rPr lang="de-DE" dirty="0"/>
+              <a:t> / Eintrag entspricht </a:t>
+            </a:r>
+          </a:p>
+          <a:p>
+            <a:pPr marL="628650" lvl="1" indent="-171450">
               <a:buFont typeface="Arial" panose="020B0604020202020204" pitchFamily="34" charset="0"/>
               <a:buChar char="•"/>
             </a:pPr>
             <a:r>
-              <a:rPr lang="de-DE"/>
-              <a:t>Daraus können auf einfache Weise Regeln für Gedcom Lines erstellt werden</a:t>
-            </a:r>
-          </a:p>
-          <a:p>
-            <a:pPr marL="171450" indent="-171450">
+              <a:rPr lang="de-DE" dirty="0"/>
+              <a:t>Diese können unter Anderem Family und Individual / Einzelperson sein</a:t>
+            </a:r>
+          </a:p>
+          <a:p>
+            <a:pPr marL="171450" lvl="0" indent="-171450">
               <a:buFont typeface="Arial" panose="020B0604020202020204" pitchFamily="34" charset="0"/>
               <a:buChar char="•"/>
             </a:pPr>
             <a:r>
-              <a:rPr lang="de-DE"/>
-              <a:t>Regeln werden zu Nearley Parsern kompiliert, denen ein String als Input gegeben wird und für den überprüft wird, ob er nach der definierten Grammatik syntaktisch korrekt ist</a:t>
-            </a:r>
-          </a:p>
-          <a:p>
-            <a:pPr marL="171450" indent="-171450">
+              <a:rPr lang="de-DE" dirty="0"/>
+              <a:t>In braun sieht man den Cross-Reference Bezeichner mit dem sich auf den Eintrag bezogen werden kann</a:t>
+            </a:r>
+          </a:p>
+          <a:p>
+            <a:pPr marL="628650" lvl="1" indent="-171450">
               <a:buFont typeface="Arial" panose="020B0604020202020204" pitchFamily="34" charset="0"/>
               <a:buChar char="•"/>
             </a:pPr>
             <a:r>
-              <a:rPr lang="de-DE"/>
-              <a:t>Bsp. DATE Structure aus dem Einführungs beispiel </a:t>
+              <a:rPr lang="de-DE" dirty="0"/>
+              <a:t>Diese beginnen und enden immer mit einem @-Zeichen</a:t>
+            </a:r>
+          </a:p>
+          <a:p>
+            <a:pPr marL="171450" lvl="0" indent="-171450">
+              <a:buFont typeface="Arial" panose="020B0604020202020204" pitchFamily="34" charset="0"/>
+              <a:buChar char="•"/>
+            </a:pPr>
+            <a:r>
+              <a:rPr lang="de-DE" dirty="0"/>
+              <a:t>Der Tag der Zeile ist FAM, was für Family steht</a:t>
+            </a:r>
+          </a:p>
+          <a:p>
+            <a:pPr marL="171450" lvl="0" indent="-171450">
+              <a:buFont typeface="Arial" panose="020B0604020202020204" pitchFamily="34" charset="0"/>
+              <a:buChar char="•"/>
+            </a:pPr>
+            <a:r>
+              <a:rPr lang="de-DE" dirty="0"/>
+              <a:t>Dieser Tag benötigt keinen Wert, da die Familie erst mit den darunter-liegenden Zeilen beschrieben wird</a:t>
             </a:r>
           </a:p>
         </p:txBody>
@@ -5756,7 +7947,7 @@
               <a:pPr>
                 <a:defRPr/>
               </a:pPr>
-              <a:t>15</a:t>
+              <a:t>8</a:t>
             </a:fld>
             <a:endParaRPr lang="de-DE"/>
           </a:p>
@@ -5765,7 +7956,7 @@
     </p:spTree>
     <p:extLst>
       <p:ext uri="{BB962C8B-B14F-4D97-AF65-F5344CB8AC3E}">
-        <p14:creationId xmlns:p14="http://schemas.microsoft.com/office/powerpoint/2010/main" val="3446938808"/>
+        <p14:creationId xmlns:p14="http://schemas.microsoft.com/office/powerpoint/2010/main" val="2038994011"/>
       </p:ext>
     </p:extLst>
   </p:cSld>
@@ -5824,8 +8015,8 @@
               <a:buChar char="•"/>
             </a:pPr>
             <a:r>
-              <a:rPr lang="de-DE"/>
-              <a:t>Grammatik wird mit Hilfe des JavaScript-Parser-Toolkits Nearley umgesetzt </a:t>
+              <a:rPr lang="de-DE" dirty="0"/>
+              <a:t>Es kommen zwei Zeilen zu dem Beispiel hinzu</a:t>
             </a:r>
           </a:p>
           <a:p>
@@ -5834,73 +8025,80 @@
               <a:buChar char="•"/>
             </a:pPr>
             <a:r>
-              <a:rPr lang="de-DE"/>
-              <a:t>Mit Nearley können auf einfach Weise, menschenlesbare Grammatiken erstellt und zu einem Nearley-Parser kompiliert werden</a:t>
-            </a:r>
-          </a:p>
-          <a:p>
-            <a:pPr marL="171450" indent="-171450">
+              <a:rPr lang="de-DE" dirty="0"/>
+              <a:t>An Level=1 kann man erkennen, dass sich die beiden neuen Zeilen </a:t>
+            </a:r>
+          </a:p>
+          <a:p>
+            <a:pPr marL="628650" lvl="1" indent="-171450">
               <a:buFont typeface="Arial" panose="020B0604020202020204" pitchFamily="34" charset="0"/>
               <a:buChar char="•"/>
             </a:pPr>
             <a:r>
-              <a:rPr lang="de-DE"/>
-              <a:t>Gedcom Grammatik kann aus vielen Nearley Dateien zusammengesetzt werden</a:t>
-            </a:r>
-          </a:p>
-          <a:p>
-            <a:pPr marL="0" indent="0">
-              <a:buFont typeface="Arial" panose="020B0604020202020204" pitchFamily="34" charset="0"/>
-              <a:buNone/>
-            </a:pPr>
-            <a:r>
-              <a:rPr lang="de-DE"/>
-              <a:t>     -&gt; Defintionsdateien für alle Datentypen und Tokens wie EOL-Character oder Leerzeichen</a:t>
-            </a:r>
-          </a:p>
-          <a:p>
-            <a:pPr marL="171450" indent="-171450">
+              <a:rPr lang="de-DE" dirty="0"/>
+              <a:t>auf die erste Zeile beziehen</a:t>
+            </a:r>
+          </a:p>
+          <a:p>
+            <a:pPr marL="171450" lvl="0" indent="-171450">
               <a:buFont typeface="Arial" panose="020B0604020202020204" pitchFamily="34" charset="0"/>
               <a:buChar char="•"/>
             </a:pPr>
             <a:r>
-              <a:rPr lang="de-DE"/>
-              <a:t>Daraus können auf einfache Weise Regeln für Gedcom Lines erstellt werden</a:t>
-            </a:r>
-          </a:p>
-          <a:p>
-            <a:pPr marL="171450" indent="-171450">
+              <a:rPr lang="de-DE" dirty="0"/>
+              <a:t>Der Tag HUSB in der Zweiten Zeile steht für </a:t>
+            </a:r>
+            <a:r>
+              <a:rPr lang="de-DE" dirty="0" err="1"/>
+              <a:t>Husband</a:t>
+            </a:r>
+            <a:r>
+              <a:rPr lang="de-DE" dirty="0"/>
+              <a:t> und hat keine Cross Reference</a:t>
+            </a:r>
+          </a:p>
+          <a:p>
+            <a:pPr marL="171450" lvl="0" indent="-171450">
               <a:buFont typeface="Arial" panose="020B0604020202020204" pitchFamily="34" charset="0"/>
               <a:buChar char="•"/>
             </a:pPr>
             <a:r>
-              <a:rPr lang="de-DE"/>
-              <a:t>Regeln werden zu Nearley Parsern kompiliert, denen ein String als Input gegeben wird und für den überprüft wird, ob er nach der definierten Grammatik syntaktisch korrekt ist</a:t>
-            </a:r>
-          </a:p>
-          <a:p>
-            <a:pPr marL="171450" indent="-171450">
+              <a:rPr lang="de-DE" dirty="0"/>
+              <a:t>Als </a:t>
+            </a:r>
+            <a:r>
+              <a:rPr lang="de-DE" dirty="0" err="1"/>
+              <a:t>LineValue</a:t>
+            </a:r>
+            <a:r>
+              <a:rPr lang="de-DE" dirty="0"/>
+              <a:t> ist eine Referenz welche auf einen anderen Eintrag mit dem </a:t>
+            </a:r>
+            <a:r>
+              <a:rPr lang="de-DE" dirty="0" err="1"/>
+              <a:t>Xref</a:t>
+            </a:r>
+            <a:r>
+              <a:rPr lang="de-DE" dirty="0"/>
+              <a:t> I1 verweist</a:t>
+            </a:r>
+          </a:p>
+          <a:p>
+            <a:pPr marL="171450" lvl="0" indent="-171450">
               <a:buFont typeface="Arial" panose="020B0604020202020204" pitchFamily="34" charset="0"/>
               <a:buChar char="•"/>
             </a:pPr>
             <a:r>
-              <a:rPr lang="de-DE"/>
-              <a:t>Bsp. DATE Structure aus dem Einführungs beispiel </a:t>
-            </a:r>
-          </a:p>
-          <a:p>
-            <a:pPr marL="0" indent="0">
+              <a:rPr lang="de-DE" dirty="0"/>
+              <a:t>Die dritte Zeile mit dem Tag WIFE ist analog dazu aufgebaut</a:t>
+            </a:r>
+          </a:p>
+          <a:p>
+            <a:pPr marL="171450" lvl="0" indent="-171450">
               <a:buFont typeface="Arial" panose="020B0604020202020204" pitchFamily="34" charset="0"/>
-              <a:buNone/>
-            </a:pPr>
-            <a:endParaRPr lang="de-DE"/>
-          </a:p>
-          <a:p>
-            <a:pPr marL="0" indent="0">
-              <a:buFont typeface="Arial" panose="020B0604020202020204" pitchFamily="34" charset="0"/>
-              <a:buNone/>
-            </a:pPr>
-            <a:endParaRPr lang="de-DE"/>
+              <a:buChar char="•"/>
+            </a:pPr>
+            <a:endParaRPr lang="de-DE" dirty="0"/>
           </a:p>
         </p:txBody>
       </p:sp>
@@ -5927,7 +8125,7 @@
               <a:pPr>
                 <a:defRPr/>
               </a:pPr>
-              <a:t>16</a:t>
+              <a:t>9</a:t>
             </a:fld>
             <a:endParaRPr lang="de-DE"/>
           </a:p>
@@ -5936,7 +8134,7 @@
     </p:spTree>
     <p:extLst>
       <p:ext uri="{BB962C8B-B14F-4D97-AF65-F5344CB8AC3E}">
-        <p14:creationId xmlns:p14="http://schemas.microsoft.com/office/powerpoint/2010/main" val="2666108415"/>
+        <p14:creationId xmlns:p14="http://schemas.microsoft.com/office/powerpoint/2010/main" val="3048853608"/>
       </p:ext>
     </p:extLst>
   </p:cSld>
@@ -6279,7 +8477,7 @@
               <a:pPr>
                 <a:defRPr/>
               </a:pPr>
-              <a:t>26.02.2023</a:t>
+              <a:t>27.02.2023</a:t>
             </a:fld>
             <a:endParaRPr lang="de-DE"/>
           </a:p>
@@ -7076,7 +9274,7 @@
               <a:pPr>
                 <a:defRPr/>
               </a:pPr>
-              <a:t>26.02.2023</a:t>
+              <a:t>27.02.2023</a:t>
             </a:fld>
             <a:endParaRPr lang="de-DE"/>
           </a:p>
@@ -7420,7 +9618,7 @@
               <a:pPr>
                 <a:defRPr/>
               </a:pPr>
-              <a:t>26.02.2023</a:t>
+              <a:t>27.02.2023</a:t>
             </a:fld>
             <a:endParaRPr lang="de-DE"/>
           </a:p>
@@ -7753,7 +9951,7 @@
               <a:pPr>
                 <a:defRPr/>
               </a:pPr>
-              <a:t>26.02.2023</a:t>
+              <a:t>27.02.2023</a:t>
             </a:fld>
             <a:endParaRPr lang="de-DE"/>
           </a:p>
@@ -8071,7 +10269,7 @@
               <a:pPr>
                 <a:defRPr/>
               </a:pPr>
-              <a:t>26.02.2023</a:t>
+              <a:t>27.02.2023</a:t>
             </a:fld>
             <a:endParaRPr lang="de-DE"/>
           </a:p>
@@ -8388,7 +10586,7 @@
               <a:pPr>
                 <a:defRPr/>
               </a:pPr>
-              <a:t>26.02.2023</a:t>
+              <a:t>27.02.2023</a:t>
             </a:fld>
             <a:endParaRPr lang="de-DE"/>
           </a:p>
@@ -8785,7 +10983,7 @@
               <a:pPr>
                 <a:defRPr/>
               </a:pPr>
-              <a:t>26.02.2023</a:t>
+              <a:t>27.02.2023</a:t>
             </a:fld>
             <a:endParaRPr lang="de-DE"/>
           </a:p>
@@ -9141,7 +11339,7 @@
               <a:pPr>
                 <a:defRPr/>
               </a:pPr>
-              <a:t>26.02.2023</a:t>
+              <a:t>27.02.2023</a:t>
             </a:fld>
             <a:endParaRPr lang="de-DE"/>
           </a:p>
@@ -9395,7 +11593,7 @@
               <a:pPr>
                 <a:defRPr/>
               </a:pPr>
-              <a:t>26.02.2023</a:t>
+              <a:t>27.02.2023</a:t>
             </a:fld>
             <a:endParaRPr lang="de-DE"/>
           </a:p>
@@ -10165,7 +12363,7 @@
                 </a:spcAft>
                 <a:defRPr/>
               </a:pPr>
-              <a:t>26.02.2023</a:t>
+              <a:t>27.02.2023</a:t>
             </a:fld>
             <a:endParaRPr lang="de-DE"/>
           </a:p>
@@ -10540,7 +12738,7 @@
           <a:lstStyle/>
           <a:p>
             <a:r>
-              <a:rPr lang="de-DE" sz="2400">
+              <a:rPr lang="de-DE" sz="2400" dirty="0">
                 <a:solidFill>
                   <a:schemeClr val="accent3">
                     <a:lumMod val="75000"/>
@@ -10550,23 +12748,23 @@
               <a:t>1   </a:t>
             </a:r>
             <a:r>
-              <a:rPr lang="de-DE" sz="2400"/>
+              <a:rPr lang="de-DE" sz="2400" dirty="0"/>
               <a:t>_   </a:t>
             </a:r>
             <a:r>
-              <a:rPr lang="de-DE" sz="2400">
+              <a:rPr lang="de-DE" sz="2400" dirty="0">
                 <a:solidFill>
                   <a:srgbClr val="FF0000"/>
                 </a:solidFill>
               </a:rPr>
-              <a:t>@F1@   </a:t>
-            </a:r>
-            <a:r>
-              <a:rPr lang="de-DE" sz="2400"/>
-              <a:t>_   </a:t>
-            </a:r>
-            <a:r>
-              <a:rPr lang="de-DE" sz="2400">
+              <a:t>@F1@     </a:t>
+            </a:r>
+            <a:r>
+              <a:rPr lang="de-DE" sz="2400" dirty="0"/>
+              <a:t>   </a:t>
+            </a:r>
+            <a:r>
+              <a:rPr lang="de-DE" sz="2400" dirty="0">
                 <a:solidFill>
                   <a:schemeClr val="accent5">
                     <a:lumMod val="75000"/>
@@ -10576,11 +12774,11 @@
               <a:t>HUSB    </a:t>
             </a:r>
             <a:r>
-              <a:rPr lang="de-DE" sz="2400"/>
+              <a:rPr lang="de-DE" sz="2400" dirty="0"/>
               <a:t>_ </a:t>
             </a:r>
             <a:r>
-              <a:rPr lang="de-DE" sz="2400">
+              <a:rPr lang="de-DE" sz="2400" dirty="0">
                 <a:solidFill>
                   <a:schemeClr val="accent5">
                     <a:lumMod val="75000"/>
@@ -10590,7 +12788,7 @@
               <a:t>  </a:t>
             </a:r>
             <a:r>
-              <a:rPr lang="de-DE" sz="2400">
+              <a:rPr lang="de-DE" sz="2400" dirty="0">
                 <a:solidFill>
                   <a:schemeClr val="accent6">
                     <a:lumMod val="75000"/>
@@ -10600,7 +12798,7 @@
               <a:t>@I1@   </a:t>
             </a:r>
             <a:r>
-              <a:rPr lang="de-DE" sz="2800">
+              <a:rPr lang="de-DE" sz="2800" dirty="0">
                 <a:solidFill>
                   <a:schemeClr val="accent6">
                     <a:lumMod val="75000"/>
@@ -10609,7 +12807,7 @@
               </a:rPr>
               <a:t>	     </a:t>
             </a:r>
-            <a:endParaRPr lang="de-DE" sz="2800"/>
+            <a:endParaRPr lang="de-DE" sz="2800" dirty="0"/>
           </a:p>
         </p:txBody>
       </p:sp>
@@ -10642,7 +12840,7 @@
           <a:lstStyle/>
           <a:p>
             <a:r>
-              <a:rPr lang="de-DE" sz="2400">
+              <a:rPr lang="de-DE" sz="2400" dirty="0">
                 <a:solidFill>
                   <a:schemeClr val="accent3">
                     <a:lumMod val="75000"/>
@@ -10652,23 +12850,23 @@
               <a:t>1   </a:t>
             </a:r>
             <a:r>
-              <a:rPr lang="de-DE" sz="2400"/>
+              <a:rPr lang="de-DE" sz="2400" dirty="0"/>
               <a:t>_   </a:t>
             </a:r>
             <a:r>
-              <a:rPr lang="de-DE" sz="2400">
+              <a:rPr lang="de-DE" sz="2400" dirty="0">
                 <a:solidFill>
                   <a:srgbClr val="FF0000"/>
                 </a:solidFill>
               </a:rPr>
-              <a:t>@F1@   </a:t>
-            </a:r>
-            <a:r>
-              <a:rPr lang="de-DE" sz="2400"/>
-              <a:t>_   </a:t>
-            </a:r>
-            <a:r>
-              <a:rPr lang="de-DE" sz="2400">
+              <a:t>@F1@     </a:t>
+            </a:r>
+            <a:r>
+              <a:rPr lang="de-DE" sz="2400" dirty="0"/>
+              <a:t>   </a:t>
+            </a:r>
+            <a:r>
+              <a:rPr lang="de-DE" sz="2400" dirty="0">
                 <a:solidFill>
                   <a:schemeClr val="accent5">
                     <a:lumMod val="75000"/>
@@ -10678,11 +12876,11 @@
               <a:t>WIFE     </a:t>
             </a:r>
             <a:r>
-              <a:rPr lang="de-DE" sz="2400"/>
+              <a:rPr lang="de-DE" sz="2400" dirty="0"/>
               <a:t>_ </a:t>
             </a:r>
             <a:r>
-              <a:rPr lang="de-DE" sz="2400">
+              <a:rPr lang="de-DE" sz="2400" dirty="0">
                 <a:solidFill>
                   <a:schemeClr val="accent5">
                     <a:lumMod val="75000"/>
@@ -10692,7 +12890,7 @@
               <a:t>  </a:t>
             </a:r>
             <a:r>
-              <a:rPr lang="de-DE" sz="2400">
+              <a:rPr lang="de-DE" sz="2400" dirty="0">
                 <a:solidFill>
                   <a:schemeClr val="accent6">
                     <a:lumMod val="75000"/>
@@ -10702,7 +12900,7 @@
               <a:t>@I2@   </a:t>
             </a:r>
             <a:r>
-              <a:rPr lang="de-DE" sz="2800">
+              <a:rPr lang="de-DE" sz="2800" dirty="0">
                 <a:solidFill>
                   <a:schemeClr val="accent6">
                     <a:lumMod val="75000"/>
@@ -10711,7 +12909,7 @@
               </a:rPr>
               <a:t>	</a:t>
             </a:r>
-            <a:endParaRPr lang="de-DE" sz="2800"/>
+            <a:endParaRPr lang="de-DE" sz="2800" dirty="0"/>
           </a:p>
         </p:txBody>
       </p:sp>
@@ -10744,7 +12942,7 @@
           <a:lstStyle/>
           <a:p>
             <a:r>
-              <a:rPr lang="de-DE" sz="2400">
+              <a:rPr lang="de-DE" sz="2400" dirty="0">
                 <a:solidFill>
                   <a:schemeClr val="accent3">
                     <a:lumMod val="75000"/>
@@ -10754,23 +12952,23 @@
               <a:t>1   </a:t>
             </a:r>
             <a:r>
-              <a:rPr lang="de-DE" sz="2400"/>
+              <a:rPr lang="de-DE" sz="2400" dirty="0"/>
               <a:t>_   </a:t>
             </a:r>
             <a:r>
-              <a:rPr lang="de-DE" sz="2400">
+              <a:rPr lang="de-DE" sz="2400" dirty="0">
                 <a:solidFill>
                   <a:srgbClr val="FF0000"/>
                 </a:solidFill>
               </a:rPr>
-              <a:t>@F1@   </a:t>
-            </a:r>
-            <a:r>
-              <a:rPr lang="de-DE" sz="2400"/>
-              <a:t>_   </a:t>
-            </a:r>
-            <a:r>
-              <a:rPr lang="de-DE" sz="2400">
+              <a:t>@F1@     </a:t>
+            </a:r>
+            <a:r>
+              <a:rPr lang="de-DE" sz="2400" dirty="0"/>
+              <a:t>   </a:t>
+            </a:r>
+            <a:r>
+              <a:rPr lang="de-DE" sz="2400" dirty="0">
                 <a:solidFill>
                   <a:schemeClr val="accent5">
                     <a:lumMod val="75000"/>
@@ -10780,7 +12978,7 @@
               <a:t>MARR</a:t>
             </a:r>
             <a:r>
-              <a:rPr lang="de-DE" sz="2400">
+              <a:rPr lang="de-DE" sz="2400" dirty="0">
                 <a:solidFill>
                   <a:schemeClr val="accent6">
                     <a:lumMod val="75000"/>
@@ -10790,7 +12988,7 @@
               <a:t>   	</a:t>
             </a:r>
             <a:r>
-              <a:rPr lang="de-DE" sz="2800">
+              <a:rPr lang="de-DE" sz="2800" dirty="0">
                 <a:solidFill>
                   <a:schemeClr val="accent6">
                     <a:lumMod val="75000"/>
@@ -10800,9 +12998,14 @@
               <a:t>		 </a:t>
             </a:r>
             <a:r>
-              <a:rPr lang="de-DE" sz="2800"/>
-              <a:t>\n</a:t>
-            </a:r>
+              <a:rPr lang="de-DE" sz="2800" dirty="0"/>
+              <a:t>\</a:t>
+            </a:r>
+            <a:r>
+              <a:rPr lang="de-DE" sz="2800" dirty="0" err="1"/>
+              <a:t>n</a:t>
+            </a:r>
+            <a:endParaRPr lang="de-DE" sz="2800" dirty="0"/>
           </a:p>
         </p:txBody>
       </p:sp>
@@ -10835,7 +13038,7 @@
           <a:lstStyle/>
           <a:p>
             <a:r>
-              <a:rPr lang="de-DE" sz="2400">
+              <a:rPr lang="de-DE" sz="2400" dirty="0">
                 <a:solidFill>
                   <a:schemeClr val="accent3">
                     <a:lumMod val="75000"/>
@@ -10845,23 +13048,23 @@
               <a:t>2   </a:t>
             </a:r>
             <a:r>
-              <a:rPr lang="de-DE" sz="2400"/>
+              <a:rPr lang="de-DE" sz="2400" dirty="0"/>
               <a:t>_   </a:t>
             </a:r>
             <a:r>
-              <a:rPr lang="de-DE" sz="2400">
+              <a:rPr lang="de-DE" sz="2400" dirty="0">
                 <a:solidFill>
                   <a:srgbClr val="FF0000"/>
                 </a:solidFill>
               </a:rPr>
-              <a:t>@F1@   </a:t>
-            </a:r>
-            <a:r>
-              <a:rPr lang="de-DE" sz="2400"/>
-              <a:t>_   </a:t>
-            </a:r>
-            <a:r>
-              <a:rPr lang="de-DE" sz="2400">
+              <a:t>@F1@     </a:t>
+            </a:r>
+            <a:r>
+              <a:rPr lang="de-DE" sz="2400" dirty="0"/>
+              <a:t>   </a:t>
+            </a:r>
+            <a:r>
+              <a:rPr lang="de-DE" sz="2400" dirty="0">
                 <a:solidFill>
                   <a:schemeClr val="accent5">
                     <a:lumMod val="75000"/>
@@ -10871,11 +13074,11 @@
               <a:t>DATE     </a:t>
             </a:r>
             <a:r>
-              <a:rPr lang="de-DE" sz="2400"/>
+              <a:rPr lang="de-DE" sz="2400" dirty="0"/>
               <a:t>_ </a:t>
             </a:r>
             <a:r>
-              <a:rPr lang="de-DE" sz="2400">
+              <a:rPr lang="de-DE" sz="2400" dirty="0">
                 <a:solidFill>
                   <a:schemeClr val="accent5">
                     <a:lumMod val="75000"/>
@@ -10885,7 +13088,7 @@
               <a:t>  </a:t>
             </a:r>
             <a:r>
-              <a:rPr lang="de-DE" sz="2400">
+              <a:rPr lang="de-DE" sz="2400" dirty="0">
                 <a:solidFill>
                   <a:schemeClr val="accent6">
                     <a:lumMod val="75000"/>
@@ -10895,9 +13098,14 @@
               <a:t>1 MAR 1951         </a:t>
             </a:r>
             <a:r>
-              <a:rPr lang="de-DE" sz="2800"/>
-              <a:t>\n</a:t>
-            </a:r>
+              <a:rPr lang="de-DE" sz="2800" dirty="0"/>
+              <a:t>\</a:t>
+            </a:r>
+            <a:r>
+              <a:rPr lang="de-DE" sz="2800" dirty="0" err="1"/>
+              <a:t>n</a:t>
+            </a:r>
+            <a:endParaRPr lang="de-DE" sz="2800" dirty="0"/>
           </a:p>
         </p:txBody>
       </p:sp>
@@ -11158,7 +13366,7 @@
           <p:nvPr/>
         </p:nvPicPr>
         <p:blipFill>
-          <a:blip r:embed="rId2"/>
+          <a:blip r:embed="rId3"/>
           <a:stretch>
             <a:fillRect/>
           </a:stretch>
@@ -11188,7 +13396,7 @@
           <p:nvPr/>
         </p:nvPicPr>
         <p:blipFill>
-          <a:blip r:embed="rId3"/>
+          <a:blip r:embed="rId4"/>
           <a:stretch>
             <a:fillRect/>
           </a:stretch>
@@ -11206,7 +13414,7 @@
     </p:spTree>
     <p:extLst>
       <p:ext uri="{BB962C8B-B14F-4D97-AF65-F5344CB8AC3E}">
-        <p14:creationId xmlns:p14="http://schemas.microsoft.com/office/powerpoint/2010/main" val="2112831589"/>
+        <p14:creationId xmlns:p14="http://schemas.microsoft.com/office/powerpoint/2010/main" val="1756705453"/>
       </p:ext>
     </p:extLst>
   </p:cSld>
@@ -11275,7 +13483,7 @@
                 </a:spcAft>
                 <a:defRPr/>
               </a:pPr>
-              <a:t>26.02.2023</a:t>
+              <a:t>27.02.2023</a:t>
             </a:fld>
             <a:endParaRPr lang="de-DE"/>
           </a:p>
@@ -11650,7 +13858,7 @@
           <a:lstStyle/>
           <a:p>
             <a:r>
-              <a:rPr lang="de-DE" sz="2400">
+              <a:rPr lang="de-DE" sz="2400" dirty="0">
                 <a:solidFill>
                   <a:schemeClr val="accent3">
                     <a:lumMod val="75000"/>
@@ -11660,23 +13868,23 @@
               <a:t>1   </a:t>
             </a:r>
             <a:r>
-              <a:rPr lang="de-DE" sz="2400"/>
+              <a:rPr lang="de-DE" sz="2400" dirty="0"/>
               <a:t>_   </a:t>
             </a:r>
             <a:r>
-              <a:rPr lang="de-DE" sz="2400">
+              <a:rPr lang="de-DE" sz="2400" dirty="0">
                 <a:solidFill>
                   <a:srgbClr val="FF0000"/>
                 </a:solidFill>
               </a:rPr>
-              <a:t>@F1@   </a:t>
-            </a:r>
-            <a:r>
-              <a:rPr lang="de-DE" sz="2400"/>
-              <a:t>_   </a:t>
-            </a:r>
-            <a:r>
-              <a:rPr lang="de-DE" sz="2400">
+              <a:t>@F1@     </a:t>
+            </a:r>
+            <a:r>
+              <a:rPr lang="de-DE" sz="2400" dirty="0"/>
+              <a:t>   </a:t>
+            </a:r>
+            <a:r>
+              <a:rPr lang="de-DE" sz="2400" dirty="0">
                 <a:solidFill>
                   <a:schemeClr val="accent5">
                     <a:lumMod val="75000"/>
@@ -11686,11 +13894,11 @@
               <a:t>HUSB    </a:t>
             </a:r>
             <a:r>
-              <a:rPr lang="de-DE" sz="2400"/>
+              <a:rPr lang="de-DE" sz="2400" dirty="0"/>
               <a:t>_ </a:t>
             </a:r>
             <a:r>
-              <a:rPr lang="de-DE" sz="2400">
+              <a:rPr lang="de-DE" sz="2400" dirty="0">
                 <a:solidFill>
                   <a:schemeClr val="accent5">
                     <a:lumMod val="75000"/>
@@ -11700,7 +13908,7 @@
               <a:t>  </a:t>
             </a:r>
             <a:r>
-              <a:rPr lang="de-DE" sz="2400">
+              <a:rPr lang="de-DE" sz="2400" dirty="0">
                 <a:solidFill>
                   <a:schemeClr val="accent6">
                     <a:lumMod val="75000"/>
@@ -11710,7 +13918,7 @@
               <a:t>@I1@   </a:t>
             </a:r>
             <a:r>
-              <a:rPr lang="de-DE" sz="2800">
+              <a:rPr lang="de-DE" sz="2800" dirty="0">
                 <a:solidFill>
                   <a:schemeClr val="accent6">
                     <a:lumMod val="75000"/>
@@ -11719,7 +13927,7 @@
               </a:rPr>
               <a:t>	     </a:t>
             </a:r>
-            <a:endParaRPr lang="de-DE" sz="2800"/>
+            <a:endParaRPr lang="de-DE" sz="2800" dirty="0"/>
           </a:p>
         </p:txBody>
       </p:sp>
@@ -11752,7 +13960,7 @@
           <a:lstStyle/>
           <a:p>
             <a:r>
-              <a:rPr lang="de-DE" sz="2400">
+              <a:rPr lang="de-DE" sz="2400" dirty="0">
                 <a:solidFill>
                   <a:schemeClr val="accent3">
                     <a:lumMod val="75000"/>
@@ -11762,23 +13970,23 @@
               <a:t>1   </a:t>
             </a:r>
             <a:r>
-              <a:rPr lang="de-DE" sz="2400"/>
+              <a:rPr lang="de-DE" sz="2400" dirty="0"/>
               <a:t>_   </a:t>
             </a:r>
             <a:r>
-              <a:rPr lang="de-DE" sz="2400">
+              <a:rPr lang="de-DE" sz="2400" dirty="0">
                 <a:solidFill>
                   <a:srgbClr val="FF0000"/>
                 </a:solidFill>
               </a:rPr>
-              <a:t>@F1@   </a:t>
-            </a:r>
-            <a:r>
-              <a:rPr lang="de-DE" sz="2400"/>
-              <a:t>_   </a:t>
-            </a:r>
-            <a:r>
-              <a:rPr lang="de-DE" sz="2400">
+              <a:t>@F1@     </a:t>
+            </a:r>
+            <a:r>
+              <a:rPr lang="de-DE" sz="2400" dirty="0"/>
+              <a:t>   </a:t>
+            </a:r>
+            <a:r>
+              <a:rPr lang="de-DE" sz="2400" dirty="0">
                 <a:solidFill>
                   <a:schemeClr val="accent5">
                     <a:lumMod val="75000"/>
@@ -11788,11 +13996,11 @@
               <a:t>WIFE     </a:t>
             </a:r>
             <a:r>
-              <a:rPr lang="de-DE" sz="2400"/>
+              <a:rPr lang="de-DE" sz="2400" dirty="0"/>
               <a:t>_ </a:t>
             </a:r>
             <a:r>
-              <a:rPr lang="de-DE" sz="2400">
+              <a:rPr lang="de-DE" sz="2400" dirty="0">
                 <a:solidFill>
                   <a:schemeClr val="accent5">
                     <a:lumMod val="75000"/>
@@ -11802,7 +14010,7 @@
               <a:t>  </a:t>
             </a:r>
             <a:r>
-              <a:rPr lang="de-DE" sz="2400">
+              <a:rPr lang="de-DE" sz="2400" dirty="0">
                 <a:solidFill>
                   <a:schemeClr val="accent6">
                     <a:lumMod val="75000"/>
@@ -11812,7 +14020,7 @@
               <a:t>@I2@   </a:t>
             </a:r>
             <a:r>
-              <a:rPr lang="de-DE" sz="2800">
+              <a:rPr lang="de-DE" sz="2800" dirty="0">
                 <a:solidFill>
                   <a:schemeClr val="accent6">
                     <a:lumMod val="75000"/>
@@ -11821,7 +14029,7 @@
               </a:rPr>
               <a:t>	</a:t>
             </a:r>
-            <a:endParaRPr lang="de-DE" sz="2800"/>
+            <a:endParaRPr lang="de-DE" sz="2800" dirty="0"/>
           </a:p>
         </p:txBody>
       </p:sp>
@@ -11854,7 +14062,7 @@
           <a:lstStyle/>
           <a:p>
             <a:r>
-              <a:rPr lang="de-DE" sz="2400">
+              <a:rPr lang="de-DE" sz="2400" dirty="0">
                 <a:solidFill>
                   <a:schemeClr val="accent3">
                     <a:lumMod val="75000"/>
@@ -11864,23 +14072,23 @@
               <a:t>1   </a:t>
             </a:r>
             <a:r>
-              <a:rPr lang="de-DE" sz="2400"/>
+              <a:rPr lang="de-DE" sz="2400" dirty="0"/>
               <a:t>_   </a:t>
             </a:r>
             <a:r>
-              <a:rPr lang="de-DE" sz="2400">
+              <a:rPr lang="de-DE" sz="2400" dirty="0">
                 <a:solidFill>
                   <a:srgbClr val="FF0000"/>
                 </a:solidFill>
               </a:rPr>
-              <a:t>@F1@   </a:t>
-            </a:r>
-            <a:r>
-              <a:rPr lang="de-DE" sz="2400"/>
-              <a:t>_   </a:t>
-            </a:r>
-            <a:r>
-              <a:rPr lang="de-DE" sz="2400">
+              <a:t>@F1@     </a:t>
+            </a:r>
+            <a:r>
+              <a:rPr lang="de-DE" sz="2400" dirty="0"/>
+              <a:t>   </a:t>
+            </a:r>
+            <a:r>
+              <a:rPr lang="de-DE" sz="2400" dirty="0">
                 <a:solidFill>
                   <a:schemeClr val="accent5">
                     <a:lumMod val="75000"/>
@@ -11890,7 +14098,7 @@
               <a:t>MARR</a:t>
             </a:r>
             <a:r>
-              <a:rPr lang="de-DE" sz="2400">
+              <a:rPr lang="de-DE" sz="2400" dirty="0">
                 <a:solidFill>
                   <a:schemeClr val="accent6">
                     <a:lumMod val="75000"/>
@@ -11900,7 +14108,7 @@
               <a:t>   	</a:t>
             </a:r>
             <a:r>
-              <a:rPr lang="de-DE" sz="2800">
+              <a:rPr lang="de-DE" sz="2800" dirty="0">
                 <a:solidFill>
                   <a:schemeClr val="accent6">
                     <a:lumMod val="75000"/>
@@ -11910,9 +14118,14 @@
               <a:t>		 </a:t>
             </a:r>
             <a:r>
-              <a:rPr lang="de-DE" sz="2800"/>
-              <a:t>\n</a:t>
-            </a:r>
+              <a:rPr lang="de-DE" sz="2800" dirty="0"/>
+              <a:t>\</a:t>
+            </a:r>
+            <a:r>
+              <a:rPr lang="de-DE" sz="2800" dirty="0" err="1"/>
+              <a:t>n</a:t>
+            </a:r>
+            <a:endParaRPr lang="de-DE" sz="2800" dirty="0"/>
           </a:p>
         </p:txBody>
       </p:sp>
@@ -11945,7 +14158,7 @@
           <a:lstStyle/>
           <a:p>
             <a:r>
-              <a:rPr lang="de-DE" sz="2400">
+              <a:rPr lang="de-DE" sz="2400" dirty="0">
                 <a:solidFill>
                   <a:schemeClr val="accent3">
                     <a:lumMod val="75000"/>
@@ -11955,23 +14168,23 @@
               <a:t>2   </a:t>
             </a:r>
             <a:r>
-              <a:rPr lang="de-DE" sz="2400"/>
+              <a:rPr lang="de-DE" sz="2400" dirty="0"/>
               <a:t>_   </a:t>
             </a:r>
             <a:r>
-              <a:rPr lang="de-DE" sz="2400">
+              <a:rPr lang="de-DE" sz="2400" dirty="0">
                 <a:solidFill>
                   <a:srgbClr val="FF0000"/>
                 </a:solidFill>
               </a:rPr>
-              <a:t>@F1@   </a:t>
-            </a:r>
-            <a:r>
-              <a:rPr lang="de-DE" sz="2400"/>
-              <a:t>_   </a:t>
-            </a:r>
-            <a:r>
-              <a:rPr lang="de-DE" sz="2400">
+              <a:t>@F1@     </a:t>
+            </a:r>
+            <a:r>
+              <a:rPr lang="de-DE" sz="2400" dirty="0"/>
+              <a:t>   </a:t>
+            </a:r>
+            <a:r>
+              <a:rPr lang="de-DE" sz="2400" dirty="0">
                 <a:solidFill>
                   <a:schemeClr val="accent5">
                     <a:lumMod val="75000"/>
@@ -11981,11 +14194,11 @@
               <a:t>DATE     </a:t>
             </a:r>
             <a:r>
-              <a:rPr lang="de-DE" sz="2400"/>
+              <a:rPr lang="de-DE" sz="2400" dirty="0"/>
               <a:t>_ </a:t>
             </a:r>
             <a:r>
-              <a:rPr lang="de-DE" sz="2400">
+              <a:rPr lang="de-DE" sz="2400" dirty="0">
                 <a:solidFill>
                   <a:schemeClr val="accent5">
                     <a:lumMod val="75000"/>
@@ -11995,7 +14208,7 @@
               <a:t>  </a:t>
             </a:r>
             <a:r>
-              <a:rPr lang="de-DE" sz="2400">
+              <a:rPr lang="de-DE" sz="2400" dirty="0">
                 <a:solidFill>
                   <a:schemeClr val="accent6">
                     <a:lumMod val="75000"/>
@@ -12005,9 +14218,14 @@
               <a:t>1 MAR 1951         </a:t>
             </a:r>
             <a:r>
-              <a:rPr lang="de-DE" sz="2800"/>
-              <a:t>\n</a:t>
-            </a:r>
+              <a:rPr lang="de-DE" sz="2800" dirty="0"/>
+              <a:t>\</a:t>
+            </a:r>
+            <a:r>
+              <a:rPr lang="de-DE" sz="2800" dirty="0" err="1"/>
+              <a:t>n</a:t>
+            </a:r>
+            <a:endParaRPr lang="de-DE" sz="2800" dirty="0"/>
           </a:p>
         </p:txBody>
       </p:sp>
@@ -12026,7 +14244,7 @@
         <p:spPr>
           <a:xfrm>
             <a:off x="870281" y="5419034"/>
-            <a:ext cx="6272871" cy="523220"/>
+            <a:ext cx="5128327" cy="523220"/>
           </a:xfrm>
           <a:prstGeom prst="rect">
             <a:avLst/>
@@ -12040,7 +14258,7 @@
           <a:lstStyle/>
           <a:p>
             <a:r>
-              <a:rPr lang="de-DE" sz="2400">
+              <a:rPr lang="de-DE" sz="2400" dirty="0">
                 <a:solidFill>
                   <a:schemeClr val="accent3">
                     <a:lumMod val="75000"/>
@@ -12050,23 +14268,23 @@
               <a:t>1   </a:t>
             </a:r>
             <a:r>
-              <a:rPr lang="de-DE" sz="2400"/>
+              <a:rPr lang="de-DE" sz="2400" dirty="0"/>
               <a:t>_   </a:t>
             </a:r>
             <a:r>
-              <a:rPr lang="de-DE" sz="2400">
+              <a:rPr lang="de-DE" sz="2400" dirty="0">
                 <a:solidFill>
                   <a:srgbClr val="FF0000"/>
                 </a:solidFill>
               </a:rPr>
-              <a:t>@F1@   </a:t>
-            </a:r>
-            <a:r>
-              <a:rPr lang="de-DE" sz="2400"/>
-              <a:t>_   </a:t>
-            </a:r>
-            <a:r>
-              <a:rPr lang="de-DE" sz="2400">
+              <a:t>@F1@     </a:t>
+            </a:r>
+            <a:r>
+              <a:rPr lang="de-DE" sz="2400" dirty="0"/>
+              <a:t>   </a:t>
+            </a:r>
+            <a:r>
+              <a:rPr lang="de-DE" sz="2400" dirty="0">
                 <a:solidFill>
                   <a:schemeClr val="accent5">
                     <a:lumMod val="75000"/>
@@ -12076,11 +14294,11 @@
               <a:t>NCHI     </a:t>
             </a:r>
             <a:r>
-              <a:rPr lang="de-DE" sz="2400"/>
+              <a:rPr lang="de-DE" sz="2400" dirty="0"/>
               <a:t>_ </a:t>
             </a:r>
             <a:r>
-              <a:rPr lang="de-DE" sz="2400">
+              <a:rPr lang="de-DE" sz="2400" dirty="0">
                 <a:solidFill>
                   <a:schemeClr val="accent5">
                     <a:lumMod val="75000"/>
@@ -12090,7 +14308,7 @@
               <a:t>  </a:t>
             </a:r>
             <a:r>
-              <a:rPr lang="de-DE" sz="2400">
+              <a:rPr lang="de-DE" sz="2400" dirty="0">
                 <a:solidFill>
                   <a:schemeClr val="accent6">
                     <a:lumMod val="75000"/>
@@ -12100,7 +14318,7 @@
               <a:t>2 	</a:t>
             </a:r>
             <a:r>
-              <a:rPr lang="de-DE" sz="2800">
+              <a:rPr lang="de-DE" sz="2800" dirty="0">
                 <a:solidFill>
                   <a:schemeClr val="accent6">
                     <a:lumMod val="75000"/>
@@ -12109,7 +14327,7 @@
               </a:rPr>
               <a:t>	    </a:t>
             </a:r>
-            <a:endParaRPr lang="de-DE" sz="2800"/>
+            <a:endParaRPr lang="de-DE" sz="2800" dirty="0"/>
           </a:p>
         </p:txBody>
       </p:sp>
@@ -12268,7 +14486,7 @@
           <p:nvPr/>
         </p:nvPicPr>
         <p:blipFill>
-          <a:blip r:embed="rId2"/>
+          <a:blip r:embed="rId3"/>
           <a:stretch>
             <a:fillRect/>
           </a:stretch>
@@ -12342,7 +14560,7 @@
               <a:pPr>
                 <a:defRPr/>
               </a:pPr>
-              <a:t>26.02.2023</a:t>
+              <a:t>27.02.2023</a:t>
             </a:fld>
             <a:endParaRPr lang="de-DE"/>
           </a:p>
@@ -12644,7 +14862,7 @@
                 </a:spcAft>
                 <a:defRPr/>
               </a:pPr>
-              <a:t>26.02.2023</a:t>
+              <a:t>27.02.2023</a:t>
             </a:fld>
             <a:endParaRPr lang="de-DE"/>
           </a:p>
@@ -12856,7 +15074,7 @@
               <a:pPr>
                 <a:defRPr/>
               </a:pPr>
-              <a:t>26.02.2023</a:t>
+              <a:t>27.02.2023</a:t>
             </a:fld>
             <a:endParaRPr lang="de-DE"/>
           </a:p>
@@ -13186,7 +15404,7 @@
               <a:pPr>
                 <a:defRPr/>
               </a:pPr>
-              <a:t>26.02.2023</a:t>
+              <a:t>27.02.2023</a:t>
             </a:fld>
             <a:endParaRPr lang="de-DE"/>
           </a:p>
@@ -13421,7 +15639,7 @@
               <a:pPr>
                 <a:defRPr/>
               </a:pPr>
-              <a:t>26.02.2023</a:t>
+              <a:t>27.02.2023</a:t>
             </a:fld>
             <a:endParaRPr lang="de-DE"/>
           </a:p>
@@ -13814,7 +16032,7 @@
               <a:pPr>
                 <a:defRPr/>
               </a:pPr>
-              <a:t>26.02.2023</a:t>
+              <a:t>27.02.2023</a:t>
             </a:fld>
             <a:endParaRPr lang="de-DE"/>
           </a:p>
@@ -13973,7 +16191,7 @@
               <a:pPr>
                 <a:defRPr/>
               </a:pPr>
-              <a:t>26.02.2023</a:t>
+              <a:t>27.02.2023</a:t>
             </a:fld>
             <a:endParaRPr lang="de-DE"/>
           </a:p>
@@ -14337,7 +16555,7 @@
               <a:pPr>
                 <a:defRPr/>
               </a:pPr>
-              <a:t>26.02.2023</a:t>
+              <a:t>27.02.2023</a:t>
             </a:fld>
             <a:endParaRPr lang="de-DE"/>
           </a:p>
@@ -14522,7 +16740,7 @@
               <a:buFont typeface="Arial" panose="020B0604020202020204" pitchFamily="34" charset="0"/>
               <a:buChar char="•"/>
             </a:pPr>
-            <a:endParaRPr lang="de-DE"/>
+            <a:endParaRPr lang="de-DE" dirty="0"/>
           </a:p>
           <a:p>
             <a:pPr marL="342900" indent="-342900">
@@ -14530,7 +16748,7 @@
               <a:buChar char="•"/>
             </a:pPr>
             <a:r>
-              <a:rPr lang="de-DE"/>
+              <a:rPr lang="de-DE" dirty="0"/>
               <a:t>Zielsetzung</a:t>
             </a:r>
           </a:p>
@@ -14540,7 +16758,7 @@
               <a:buChar char="•"/>
             </a:pPr>
             <a:r>
-              <a:rPr lang="de-DE"/>
+              <a:rPr lang="de-DE" dirty="0"/>
               <a:t>Genealogie und GEDCOM</a:t>
             </a:r>
           </a:p>
@@ -14550,8 +16768,38 @@
               <a:buChar char="•"/>
             </a:pPr>
             <a:r>
-              <a:rPr lang="de-DE"/>
+              <a:rPr lang="de-DE" dirty="0"/>
               <a:t>Konzept</a:t>
+            </a:r>
+          </a:p>
+          <a:p>
+            <a:pPr marL="342900" indent="-342900">
+              <a:buFont typeface="Arial" panose="020B0604020202020204" pitchFamily="34" charset="0"/>
+              <a:buChar char="•"/>
+            </a:pPr>
+            <a:r>
+              <a:rPr lang="de-DE" dirty="0"/>
+              <a:t>Implementierung</a:t>
+            </a:r>
+          </a:p>
+          <a:p>
+            <a:pPr marL="342900" indent="-342900">
+              <a:buFont typeface="Arial" panose="020B0604020202020204" pitchFamily="34" charset="0"/>
+              <a:buChar char="•"/>
+            </a:pPr>
+            <a:r>
+              <a:rPr lang="de-DE" dirty="0"/>
+              <a:t>Test</a:t>
+            </a:r>
+          </a:p>
+          <a:p>
+            <a:pPr marL="342900" indent="-342900">
+              <a:buFont typeface="Arial" panose="020B0604020202020204" pitchFamily="34" charset="0"/>
+              <a:buChar char="•"/>
+            </a:pPr>
+            <a:r>
+              <a:rPr lang="de-DE" dirty="0"/>
+              <a:t>Zusammenfassung &amp; Ausblick</a:t>
             </a:r>
           </a:p>
         </p:txBody>
@@ -14585,7 +16833,7 @@
               <a:pPr>
                 <a:defRPr/>
               </a:pPr>
-              <a:t>26.02.2023</a:t>
+              <a:t>27.02.2023</a:t>
             </a:fld>
             <a:endParaRPr lang="de-DE"/>
           </a:p>
@@ -14688,7 +16936,7 @@
     </p:spTree>
     <p:extLst>
       <p:ext uri="{BB962C8B-B14F-4D97-AF65-F5344CB8AC3E}">
-        <p14:creationId xmlns:p14="http://schemas.microsoft.com/office/powerpoint/2010/main" val="3811190685"/>
+        <p14:creationId xmlns:p14="http://schemas.microsoft.com/office/powerpoint/2010/main" val="2657198253"/>
       </p:ext>
     </p:extLst>
   </p:cSld>
@@ -14744,7 +16992,7 @@
               <a:pPr>
                 <a:defRPr/>
               </a:pPr>
-              <a:t>26.02.2023</a:t>
+              <a:t>27.02.2023</a:t>
             </a:fld>
             <a:endParaRPr lang="de-DE"/>
           </a:p>
@@ -15039,7 +17287,7 @@
               <a:pPr>
                 <a:defRPr/>
               </a:pPr>
-              <a:t>26.02.2023</a:t>
+              <a:t>27.02.2023</a:t>
             </a:fld>
             <a:endParaRPr lang="de-DE"/>
           </a:p>
@@ -15228,7 +17476,7 @@
               <a:pPr>
                 <a:defRPr/>
               </a:pPr>
-              <a:t>26.02.2023</a:t>
+              <a:t>27.02.2023</a:t>
             </a:fld>
             <a:endParaRPr lang="de-DE"/>
           </a:p>
@@ -15417,7 +17665,7 @@
               <a:pPr>
                 <a:defRPr/>
               </a:pPr>
-              <a:t>26.02.2023</a:t>
+              <a:t>27.02.2023</a:t>
             </a:fld>
             <a:endParaRPr lang="de-DE"/>
           </a:p>
@@ -15712,7 +17960,7 @@
               <a:pPr>
                 <a:defRPr/>
               </a:pPr>
-              <a:t>26.02.2023</a:t>
+              <a:t>27.02.2023</a:t>
             </a:fld>
             <a:endParaRPr lang="de-DE"/>
           </a:p>
@@ -15907,7 +18155,7 @@
               <a:pPr>
                 <a:defRPr/>
               </a:pPr>
-              <a:t>26.02.2023</a:t>
+              <a:t>27.02.2023</a:t>
             </a:fld>
             <a:endParaRPr lang="de-DE"/>
           </a:p>
@@ -16096,7 +18344,7 @@
               <a:pPr>
                 <a:defRPr/>
               </a:pPr>
-              <a:t>26.02.2023</a:t>
+              <a:t>27.02.2023</a:t>
             </a:fld>
             <a:endParaRPr lang="de-DE"/>
           </a:p>
@@ -16380,7 +18628,47 @@
           <a:bodyPr/>
           <a:lstStyle/>
           <a:p>
-            <a:endParaRPr lang="de-DE"/>
+            <a:r>
+              <a:rPr lang="de-DE" dirty="0"/>
+              <a:t>JavaScript Testframework Mocha</a:t>
+            </a:r>
+          </a:p>
+          <a:p>
+            <a:r>
+              <a:rPr lang="de-DE" dirty="0"/>
+              <a:t>Insgesamt 176 Tests an über 80 Gedcom7 Dateien</a:t>
+            </a:r>
+          </a:p>
+          <a:p>
+            <a:r>
+              <a:rPr lang="de-DE" dirty="0"/>
+              <a:t>Getestete Features:</a:t>
+            </a:r>
+          </a:p>
+          <a:p>
+            <a:pPr lvl="1"/>
+            <a:r>
+              <a:rPr lang="de-DE" dirty="0"/>
+              <a:t>Parser</a:t>
+            </a:r>
+          </a:p>
+          <a:p>
+            <a:pPr lvl="1"/>
+            <a:r>
+              <a:rPr lang="de-DE" dirty="0"/>
+              <a:t>Dataset Klasse</a:t>
+            </a:r>
+          </a:p>
+          <a:p>
+            <a:pPr lvl="1"/>
+            <a:r>
+              <a:rPr lang="de-DE" dirty="0" err="1"/>
+              <a:t>Structure</a:t>
+            </a:r>
+            <a:r>
+              <a:rPr lang="de-DE" dirty="0"/>
+              <a:t> Klasse</a:t>
+            </a:r>
           </a:p>
         </p:txBody>
       </p:sp>
@@ -16413,7 +18701,7 @@
               <a:pPr>
                 <a:defRPr/>
               </a:pPr>
-              <a:t>26.02.2023</a:t>
+              <a:t>27.02.2023</a:t>
             </a:fld>
             <a:endParaRPr lang="de-DE"/>
           </a:p>
@@ -16572,7 +18860,7 @@
               <a:pPr>
                 <a:defRPr/>
               </a:pPr>
-              <a:t>26.02.2023</a:t>
+              <a:t>27.02.2023</a:t>
             </a:fld>
             <a:endParaRPr lang="de-DE"/>
           </a:p>
@@ -16856,7 +19144,60 @@
           <a:bodyPr/>
           <a:lstStyle/>
           <a:p>
-            <a:endParaRPr lang="de-DE"/>
+            <a:r>
+              <a:rPr lang="de-DE" dirty="0"/>
+              <a:t>Bibliothek für das Anlegen, Lesen, Verarbeiten und Schreiben von GEDCOM v7 Dateien</a:t>
+            </a:r>
+          </a:p>
+          <a:p>
+            <a:r>
+              <a:rPr lang="de-DE" dirty="0"/>
+              <a:t>Vier Hauptkomponenten</a:t>
+            </a:r>
+          </a:p>
+          <a:p>
+            <a:pPr lvl="1"/>
+            <a:r>
+              <a:rPr lang="de-DE" dirty="0" err="1"/>
+              <a:t>Gedcom</a:t>
+            </a:r>
+            <a:r>
+              <a:rPr lang="de-DE" dirty="0"/>
+              <a:t> Datenstrukturen</a:t>
+            </a:r>
+          </a:p>
+          <a:p>
+            <a:pPr lvl="1"/>
+            <a:r>
+              <a:rPr lang="de-DE" dirty="0"/>
+              <a:t>Parser</a:t>
+            </a:r>
+          </a:p>
+          <a:p>
+            <a:pPr lvl="1"/>
+            <a:r>
+              <a:rPr lang="de-DE" dirty="0"/>
+              <a:t>Grammatik</a:t>
+            </a:r>
+          </a:p>
+          <a:p>
+            <a:pPr lvl="1"/>
+            <a:r>
+              <a:rPr lang="de-DE" dirty="0"/>
+              <a:t>Grammatikgenerator</a:t>
+            </a:r>
+          </a:p>
+          <a:p>
+            <a:r>
+              <a:rPr lang="de-DE" dirty="0"/>
+              <a:t>Alleinstellungsmerkmal: genaue Spezifikationsüberprüfung</a:t>
+            </a:r>
+          </a:p>
+          <a:p>
+            <a:r>
+              <a:rPr lang="de-DE" dirty="0"/>
+              <a:t>Solide Basis für Erweiterungen und Vervollständigung der Bibliothek</a:t>
+            </a:r>
           </a:p>
         </p:txBody>
       </p:sp>
@@ -16889,7 +19230,7 @@
               <a:pPr>
                 <a:defRPr/>
               </a:pPr>
-              <a:t>26.02.2023</a:t>
+              <a:t>27.02.2023</a:t>
             </a:fld>
             <a:endParaRPr lang="de-DE"/>
           </a:p>
@@ -16992,7 +19333,7 @@
     </p:spTree>
     <p:extLst>
       <p:ext uri="{BB962C8B-B14F-4D97-AF65-F5344CB8AC3E}">
-        <p14:creationId xmlns:p14="http://schemas.microsoft.com/office/powerpoint/2010/main" val="982467805"/>
+        <p14:creationId xmlns:p14="http://schemas.microsoft.com/office/powerpoint/2010/main" val="1747601541"/>
       </p:ext>
     </p:extLst>
   </p:cSld>
@@ -17048,7 +19389,7 @@
               <a:pPr>
                 <a:defRPr/>
               </a:pPr>
-              <a:t>26.02.2023</a:t>
+              <a:t>27.02.2023</a:t>
             </a:fld>
             <a:endParaRPr lang="de-DE"/>
           </a:p>
@@ -17337,7 +19678,7 @@
               <a:pPr>
                 <a:defRPr/>
               </a:pPr>
-              <a:t>26.02.2023</a:t>
+              <a:t>27.02.2023</a:t>
             </a:fld>
             <a:endParaRPr lang="de-DE"/>
           </a:p>
@@ -17806,7 +20147,61 @@
           <a:bodyPr/>
           <a:lstStyle/>
           <a:p>
-            <a:endParaRPr lang="de-DE"/>
+            <a:pPr marL="342900" indent="-342900">
+              <a:buFont typeface="Arial" panose="020B0604020202020204" pitchFamily="34" charset="0"/>
+              <a:buChar char="•"/>
+            </a:pPr>
+            <a:r>
+              <a:rPr lang="de-DE" dirty="0"/>
+              <a:t>Entwicklung einer Bibliothek für die Verarbeitung </a:t>
+            </a:r>
+            <a:br>
+              <a:rPr lang="de-DE" dirty="0"/>
+            </a:br>
+            <a:r>
+              <a:rPr lang="de-DE" dirty="0"/>
+              <a:t>von GEDCOM Version 7 Dateien</a:t>
+            </a:r>
+          </a:p>
+          <a:p>
+            <a:pPr marL="342900" indent="-342900">
+              <a:buFont typeface="Arial" panose="020B0604020202020204" pitchFamily="34" charset="0"/>
+              <a:buChar char="•"/>
+            </a:pPr>
+            <a:r>
+              <a:rPr lang="de-DE" dirty="0"/>
+              <a:t>Fokus: Grundlegende Komponenten, keine Vollständigkeit</a:t>
+            </a:r>
+          </a:p>
+          <a:p>
+            <a:pPr marL="342900" indent="-342900">
+              <a:buFont typeface="Arial" panose="020B0604020202020204" pitchFamily="34" charset="0"/>
+              <a:buChar char="•"/>
+            </a:pPr>
+            <a:r>
+              <a:rPr lang="de-DE" dirty="0"/>
+              <a:t>Basis für weiterführende Arbeiten</a:t>
+            </a:r>
+          </a:p>
+          <a:p>
+            <a:pPr marL="342900" indent="-342900">
+              <a:buFont typeface="Arial" panose="020B0604020202020204" pitchFamily="34" charset="0"/>
+              <a:buChar char="•"/>
+            </a:pPr>
+            <a:r>
+              <a:rPr lang="de-DE" dirty="0"/>
+              <a:t>Bereitstellung fundamentaler Funktionalitäten</a:t>
+            </a:r>
+          </a:p>
+          <a:p>
+            <a:pPr marL="342900" indent="-342900">
+              <a:buFont typeface="Arial" panose="020B0604020202020204" pitchFamily="34" charset="0"/>
+              <a:buChar char="•"/>
+            </a:pPr>
+            <a:r>
+              <a:rPr lang="de-DE" dirty="0"/>
+              <a:t>Einfache Erweiterungen möglich</a:t>
+            </a:r>
           </a:p>
         </p:txBody>
       </p:sp>
@@ -17839,7 +20234,7 @@
               <a:pPr>
                 <a:defRPr/>
               </a:pPr>
-              <a:t>26.02.2023</a:t>
+              <a:t>27.02.2023</a:t>
             </a:fld>
             <a:endParaRPr lang="de-DE"/>
           </a:p>
@@ -17869,7 +20264,7 @@
             <a:pPr>
               <a:defRPr/>
             </a:pPr>
-            <a:endParaRPr lang="de-DE"/>
+            <a:endParaRPr lang="de-DE" dirty="0"/>
           </a:p>
         </p:txBody>
       </p:sp>
@@ -17929,14 +20324,17 @@
           <a:bodyPr/>
           <a:lstStyle/>
           <a:p>
-            <a:endParaRPr lang="de-DE"/>
+            <a:r>
+              <a:rPr lang="de-DE" dirty="0"/>
+              <a:t>Zielsetzung</a:t>
+            </a:r>
           </a:p>
         </p:txBody>
       </p:sp>
     </p:spTree>
     <p:extLst>
       <p:ext uri="{BB962C8B-B14F-4D97-AF65-F5344CB8AC3E}">
-        <p14:creationId xmlns:p14="http://schemas.microsoft.com/office/powerpoint/2010/main" val="2605112997"/>
+        <p14:creationId xmlns:p14="http://schemas.microsoft.com/office/powerpoint/2010/main" val="254004168"/>
       </p:ext>
     </p:extLst>
   </p:cSld>
@@ -17992,7 +20390,7 @@
               <a:pPr>
                 <a:defRPr/>
               </a:pPr>
-              <a:t>26.02.2023</a:t>
+              <a:t>27.02.2023</a:t>
             </a:fld>
             <a:endParaRPr lang="de-DE"/>
           </a:p>
@@ -18273,32 +20671,47 @@
           <a:bodyPr/>
           <a:lstStyle/>
           <a:p>
-            <a:endParaRPr lang="de-DE" b="1"/>
-          </a:p>
-          <a:p>
-            <a:r>
-              <a:rPr lang="de-DE" b="1"/>
-              <a:t>Genealogie</a:t>
-            </a:r>
-            <a:r>
-              <a:rPr lang="de-DE"/>
-              <a:t>: Überbegriff für die Familien- und Ahnenforschung</a:t>
-            </a:r>
-          </a:p>
-          <a:p>
-            <a:r>
-              <a:rPr lang="de-DE" b="1"/>
-              <a:t>FamilySearch:</a:t>
-            </a:r>
-          </a:p>
-          <a:p>
-            <a:r>
-              <a:rPr lang="de-DE" b="1"/>
+            <a:endParaRPr lang="de-DE" b="1" dirty="0"/>
+          </a:p>
+          <a:p>
+            <a:r>
+              <a:rPr lang="de-DE" b="1" dirty="0"/>
+              <a:t>Genealogie:</a:t>
+            </a:r>
+            <a:r>
+              <a:rPr lang="de-DE" dirty="0"/>
+              <a:t> Überbegriff für die Familien- und Ahnenforschung</a:t>
+            </a:r>
+          </a:p>
+          <a:p>
+            <a:r>
+              <a:rPr lang="de-DE" b="1" dirty="0" err="1"/>
+              <a:t>FamilySearch</a:t>
+            </a:r>
+            <a:r>
+              <a:rPr lang="de-DE" b="1" dirty="0"/>
+              <a:t>: </a:t>
+            </a:r>
+            <a:r>
+              <a:rPr lang="de-DE" dirty="0"/>
+              <a:t>öffentliche genealogische Datenbank </a:t>
+            </a:r>
+          </a:p>
+          <a:p>
+            <a:r>
+              <a:rPr lang="de-DE" b="1" dirty="0"/>
               <a:t>GEDCOM: </a:t>
             </a:r>
             <a:r>
-              <a:rPr lang="de-DE"/>
-              <a:t>Format für den Austausch von genealogischen Daten</a:t>
+              <a:rPr lang="de-DE" dirty="0"/>
+              <a:t>Format für den Austausch von </a:t>
+            </a:r>
+            <a:br>
+              <a:rPr lang="de-DE" dirty="0"/>
+            </a:br>
+            <a:r>
+              <a:rPr lang="de-DE" dirty="0"/>
+              <a:t>genealogischen Daten</a:t>
             </a:r>
           </a:p>
           <a:p>
@@ -18338,7 +20751,7 @@
               <a:pPr>
                 <a:defRPr/>
               </a:pPr>
-              <a:t>26.02.2023</a:t>
+              <a:t>27.02.2023</a:t>
             </a:fld>
             <a:endParaRPr lang="de-DE"/>
           </a:p>
@@ -18475,20 +20888,20 @@
           <a:lstStyle/>
           <a:p>
             <a:r>
-              <a:rPr lang="de-DE" sz="2000">
+              <a:rPr lang="de-DE" sz="2000" dirty="0">
                 <a:latin typeface="Verdana" panose="020B0604030504040204" pitchFamily="34" charset="0"/>
                 <a:ea typeface="Verdana" panose="020B0604030504040204" pitchFamily="34" charset="0"/>
                 <a:sym typeface="Wingdings" panose="05000000000000000000" pitchFamily="2" charset="2"/>
               </a:rPr>
-              <a:t> Entwickelt 2021 von der Kirche Jesu Christi der Heiligen der Letzten Tage</a:t>
-            </a:r>
-            <a:endParaRPr lang="de-DE" sz="2000">
+              <a:t> Version 7: Entwickelt 2021 von der Kirche Jesu Christi der Heiligen der Letzten Tage</a:t>
+            </a:r>
+            <a:endParaRPr lang="de-DE" sz="2000" dirty="0">
               <a:latin typeface="Verdana" panose="020B0604030504040204" pitchFamily="34" charset="0"/>
               <a:ea typeface="Verdana" panose="020B0604030504040204" pitchFamily="34" charset="0"/>
             </a:endParaRPr>
           </a:p>
           <a:p>
-            <a:endParaRPr lang="de-DE"/>
+            <a:endParaRPr lang="de-DE" dirty="0"/>
           </a:p>
         </p:txBody>
       </p:sp>
@@ -18564,7 +20977,7 @@
                 </a:spcAft>
                 <a:defRPr/>
               </a:pPr>
-              <a:t>26.02.2023</a:t>
+              <a:t>27.02.2023</a:t>
             </a:fld>
             <a:endParaRPr lang="de-DE"/>
           </a:p>
@@ -18730,7 +21143,7 @@
           <a:lstStyle/>
           <a:p>
             <a:r>
-              <a:rPr lang="de-DE" sz="2800">
+              <a:rPr lang="de-DE" sz="2800" dirty="0">
                 <a:solidFill>
                   <a:schemeClr val="accent3">
                     <a:lumMod val="75000"/>
@@ -18740,11 +21153,11 @@
               <a:t>Level</a:t>
             </a:r>
             <a:r>
-              <a:rPr lang="de-DE" sz="2800"/>
+              <a:rPr lang="de-DE" sz="2800" dirty="0"/>
               <a:t>     D     [ </a:t>
             </a:r>
             <a:r>
-              <a:rPr lang="de-DE" sz="2800">
+              <a:rPr lang="de-DE" sz="2800" dirty="0" err="1">
                 <a:solidFill>
                   <a:schemeClr val="accent2">
                     <a:lumMod val="75000"/>
@@ -18754,11 +21167,11 @@
               <a:t>Xref</a:t>
             </a:r>
             <a:r>
-              <a:rPr lang="de-DE" sz="2800"/>
+              <a:rPr lang="de-DE" sz="2800" dirty="0"/>
               <a:t>   D]     </a:t>
             </a:r>
             <a:r>
-              <a:rPr lang="de-DE" sz="2800">
+              <a:rPr lang="de-DE" sz="2800" dirty="0">
                 <a:solidFill>
                   <a:schemeClr val="accent5">
                     <a:lumMod val="75000"/>
@@ -18768,11 +21181,11 @@
               <a:t>Tag </a:t>
             </a:r>
             <a:r>
-              <a:rPr lang="de-DE" sz="2800"/>
+              <a:rPr lang="de-DE" sz="2800" dirty="0"/>
               <a:t>       [D   </a:t>
             </a:r>
             <a:r>
-              <a:rPr lang="de-DE" sz="2800">
+              <a:rPr lang="de-DE" sz="2800" dirty="0" err="1">
                 <a:solidFill>
                   <a:schemeClr val="accent6">
                     <a:lumMod val="75000"/>
@@ -18782,7 +21195,7 @@
               <a:t>LineVal</a:t>
             </a:r>
             <a:r>
-              <a:rPr lang="de-DE" sz="2800"/>
+              <a:rPr lang="de-DE" sz="2800" dirty="0"/>
               <a:t>]     EOL</a:t>
             </a:r>
           </a:p>
@@ -19557,7 +21970,7 @@
           <p:nvPr/>
         </p:nvPicPr>
         <p:blipFill>
-          <a:blip r:embed="rId2"/>
+          <a:blip r:embed="rId3"/>
           <a:stretch>
             <a:fillRect/>
           </a:stretch>
@@ -19587,7 +22000,7 @@
           <p:nvPr/>
         </p:nvPicPr>
         <p:blipFill>
-          <a:blip r:embed="rId3"/>
+          <a:blip r:embed="rId4"/>
           <a:stretch>
             <a:fillRect/>
           </a:stretch>
@@ -19605,7 +22018,7 @@
     </p:spTree>
     <p:extLst>
       <p:ext uri="{BB962C8B-B14F-4D97-AF65-F5344CB8AC3E}">
-        <p14:creationId xmlns:p14="http://schemas.microsoft.com/office/powerpoint/2010/main" val="2770475001"/>
+        <p14:creationId xmlns:p14="http://schemas.microsoft.com/office/powerpoint/2010/main" val="3870329789"/>
       </p:ext>
     </p:extLst>
   </p:cSld>
@@ -19674,7 +22087,7 @@
                 </a:spcAft>
                 <a:defRPr/>
               </a:pPr>
-              <a:t>26.02.2023</a:t>
+              <a:t>27.02.2023</a:t>
             </a:fld>
             <a:endParaRPr lang="de-DE"/>
           </a:p>
@@ -20667,7 +23080,7 @@
           <p:nvPr/>
         </p:nvPicPr>
         <p:blipFill>
-          <a:blip r:embed="rId2"/>
+          <a:blip r:embed="rId3"/>
           <a:stretch>
             <a:fillRect/>
           </a:stretch>
@@ -20697,7 +23110,7 @@
           <p:nvPr/>
         </p:nvPicPr>
         <p:blipFill>
-          <a:blip r:embed="rId3"/>
+          <a:blip r:embed="rId4"/>
           <a:stretch>
             <a:fillRect/>
           </a:stretch>
@@ -20715,7 +23128,7 @@
     </p:spTree>
     <p:extLst>
       <p:ext uri="{BB962C8B-B14F-4D97-AF65-F5344CB8AC3E}">
-        <p14:creationId xmlns:p14="http://schemas.microsoft.com/office/powerpoint/2010/main" val="3910859810"/>
+        <p14:creationId xmlns:p14="http://schemas.microsoft.com/office/powerpoint/2010/main" val="1688183655"/>
       </p:ext>
     </p:extLst>
   </p:cSld>
@@ -20784,7 +23197,7 @@
                 </a:spcAft>
                 <a:defRPr/>
               </a:pPr>
-              <a:t>26.02.2023</a:t>
+              <a:t>27.02.2023</a:t>
             </a:fld>
             <a:endParaRPr lang="de-DE"/>
           </a:p>
@@ -21159,7 +23572,7 @@
           <a:lstStyle/>
           <a:p>
             <a:r>
-              <a:rPr lang="de-DE" sz="2400">
+              <a:rPr lang="de-DE" sz="2400" dirty="0">
                 <a:solidFill>
                   <a:schemeClr val="accent3">
                     <a:lumMod val="75000"/>
@@ -21169,23 +23582,19 @@
               <a:t>1   </a:t>
             </a:r>
             <a:r>
-              <a:rPr lang="de-DE" sz="2400"/>
+              <a:rPr lang="de-DE" sz="2400" dirty="0"/>
               <a:t>_   </a:t>
             </a:r>
             <a:r>
-              <a:rPr lang="de-DE" sz="2400">
+              <a:rPr lang="de-DE" sz="2400" dirty="0">
                 <a:solidFill>
                   <a:srgbClr val="FF0000"/>
                 </a:solidFill>
               </a:rPr>
-              <a:t>@F1@   </a:t>
-            </a:r>
-            <a:r>
-              <a:rPr lang="de-DE" sz="2400"/>
-              <a:t>_   </a:t>
-            </a:r>
-            <a:r>
-              <a:rPr lang="de-DE" sz="2400">
+              <a:t>@F1@        </a:t>
+            </a:r>
+            <a:r>
+              <a:rPr lang="de-DE" sz="2400" dirty="0">
                 <a:solidFill>
                   <a:schemeClr val="accent5">
                     <a:lumMod val="75000"/>
@@ -21195,11 +23604,11 @@
               <a:t>HUSB    </a:t>
             </a:r>
             <a:r>
-              <a:rPr lang="de-DE" sz="2400"/>
+              <a:rPr lang="de-DE" sz="2400" dirty="0"/>
               <a:t>_ </a:t>
             </a:r>
             <a:r>
-              <a:rPr lang="de-DE" sz="2400">
+              <a:rPr lang="de-DE" sz="2400" dirty="0">
                 <a:solidFill>
                   <a:schemeClr val="accent5">
                     <a:lumMod val="75000"/>
@@ -21209,7 +23618,7 @@
               <a:t>  </a:t>
             </a:r>
             <a:r>
-              <a:rPr lang="de-DE" sz="2400">
+              <a:rPr lang="de-DE" sz="2400" dirty="0">
                 <a:solidFill>
                   <a:schemeClr val="accent6">
                     <a:lumMod val="75000"/>
@@ -21219,7 +23628,7 @@
               <a:t>@I1@   </a:t>
             </a:r>
             <a:r>
-              <a:rPr lang="de-DE" sz="2800">
+              <a:rPr lang="de-DE" sz="2800" dirty="0">
                 <a:solidFill>
                   <a:schemeClr val="accent6">
                     <a:lumMod val="75000"/>
@@ -21228,7 +23637,7 @@
               </a:rPr>
               <a:t>	     </a:t>
             </a:r>
-            <a:endParaRPr lang="de-DE" sz="2800"/>
+            <a:endParaRPr lang="de-DE" sz="2800" dirty="0"/>
           </a:p>
         </p:txBody>
       </p:sp>
@@ -21261,7 +23670,7 @@
           <a:lstStyle/>
           <a:p>
             <a:r>
-              <a:rPr lang="de-DE" sz="2400">
+              <a:rPr lang="de-DE" sz="2400" dirty="0">
                 <a:solidFill>
                   <a:schemeClr val="accent3">
                     <a:lumMod val="75000"/>
@@ -21271,23 +23680,23 @@
               <a:t>1   </a:t>
             </a:r>
             <a:r>
-              <a:rPr lang="de-DE" sz="2400"/>
+              <a:rPr lang="de-DE" sz="2400" dirty="0"/>
               <a:t>_   </a:t>
             </a:r>
             <a:r>
-              <a:rPr lang="de-DE" sz="2400">
+              <a:rPr lang="de-DE" sz="2400" dirty="0">
                 <a:solidFill>
                   <a:srgbClr val="FF0000"/>
                 </a:solidFill>
               </a:rPr>
-              <a:t>@F1@   </a:t>
-            </a:r>
-            <a:r>
-              <a:rPr lang="de-DE" sz="2400"/>
-              <a:t>_   </a:t>
-            </a:r>
-            <a:r>
-              <a:rPr lang="de-DE" sz="2400">
+              <a:t>@F1@     </a:t>
+            </a:r>
+            <a:r>
+              <a:rPr lang="de-DE" sz="2400" dirty="0"/>
+              <a:t>   </a:t>
+            </a:r>
+            <a:r>
+              <a:rPr lang="de-DE" sz="2400" dirty="0">
                 <a:solidFill>
                   <a:schemeClr val="accent5">
                     <a:lumMod val="75000"/>
@@ -21297,11 +23706,11 @@
               <a:t>WIFE     </a:t>
             </a:r>
             <a:r>
-              <a:rPr lang="de-DE" sz="2400"/>
+              <a:rPr lang="de-DE" sz="2400" dirty="0"/>
               <a:t>_ </a:t>
             </a:r>
             <a:r>
-              <a:rPr lang="de-DE" sz="2400">
+              <a:rPr lang="de-DE" sz="2400" dirty="0">
                 <a:solidFill>
                   <a:schemeClr val="accent5">
                     <a:lumMod val="75000"/>
@@ -21311,7 +23720,7 @@
               <a:t>  </a:t>
             </a:r>
             <a:r>
-              <a:rPr lang="de-DE" sz="2400">
+              <a:rPr lang="de-DE" sz="2400" dirty="0">
                 <a:solidFill>
                   <a:schemeClr val="accent6">
                     <a:lumMod val="75000"/>
@@ -21321,7 +23730,7 @@
               <a:t>@I2@   </a:t>
             </a:r>
             <a:r>
-              <a:rPr lang="de-DE" sz="2800">
+              <a:rPr lang="de-DE" sz="2800" dirty="0">
                 <a:solidFill>
                   <a:schemeClr val="accent6">
                     <a:lumMod val="75000"/>
@@ -21330,7 +23739,7 @@
               </a:rPr>
               <a:t>	</a:t>
             </a:r>
-            <a:endParaRPr lang="de-DE" sz="2800"/>
+            <a:endParaRPr lang="de-DE" sz="2800" dirty="0"/>
           </a:p>
         </p:txBody>
       </p:sp>
@@ -21777,7 +24186,7 @@
           <p:nvPr/>
         </p:nvPicPr>
         <p:blipFill>
-          <a:blip r:embed="rId2"/>
+          <a:blip r:embed="rId3"/>
           <a:stretch>
             <a:fillRect/>
           </a:stretch>
@@ -21807,7 +24216,7 @@
           <p:nvPr/>
         </p:nvPicPr>
         <p:blipFill>
-          <a:blip r:embed="rId3"/>
+          <a:blip r:embed="rId4"/>
           <a:stretch>
             <a:fillRect/>
           </a:stretch>
@@ -21825,7 +24234,7 @@
     </p:spTree>
     <p:extLst>
       <p:ext uri="{BB962C8B-B14F-4D97-AF65-F5344CB8AC3E}">
-        <p14:creationId xmlns:p14="http://schemas.microsoft.com/office/powerpoint/2010/main" val="599384035"/>
+        <p14:creationId xmlns:p14="http://schemas.microsoft.com/office/powerpoint/2010/main" val="3608834109"/>
       </p:ext>
     </p:extLst>
   </p:cSld>
